--- a/Section 5 - Creating Templates/Learning.pptx
+++ b/Section 5 - Creating Templates/Learning.pptx
@@ -2,13 +2,20 @@
 <file path=ppt/presentation.xml><?xml version="1.0" encoding="utf-8"?>
 <p:presentation xmlns:a="http://schemas.openxmlformats.org/drawingml/2006/main" xmlns:r="http://schemas.openxmlformats.org/officeDocument/2006/relationships" xmlns:p="http://schemas.openxmlformats.org/presentationml/2006/main" saveSubsetFonts="1">
   <p:sldMasterIdLst>
-    <p:sldMasterId id="2147483648" r:id="rId1"/>
-    <p:sldMasterId id="2147483660" r:id="rId2"/>
+    <p:sldMasterId id="2147483660" r:id="rId1"/>
+    <p:sldMasterId id="2147483673" r:id="rId2"/>
   </p:sldMasterIdLst>
   <p:sldIdLst>
     <p:sldId id="256" r:id="rId3"/>
     <p:sldId id="257" r:id="rId4"/>
     <p:sldId id="258" r:id="rId5"/>
+    <p:sldId id="259" r:id="rId6"/>
+    <p:sldId id="260" r:id="rId7"/>
+    <p:sldId id="261" r:id="rId8"/>
+    <p:sldId id="262" r:id="rId9"/>
+    <p:sldId id="263" r:id="rId10"/>
+    <p:sldId id="264" r:id="rId11"/>
+    <p:sldId id="265" r:id="rId12"/>
   </p:sldIdLst>
   <p:sldSz cx="12192000" cy="6858000"/>
   <p:notesSz cx="6858000" cy="9144000"/>
@@ -107,12 +114,35 @@
       </a:defRPr>
     </a:lvl9pPr>
   </p:defaultTextStyle>
+  <p:extLst>
+    <p:ext uri="{521415D9-36F7-43E2-AB2F-B90AF26B5E84}">
+      <p14:sectionLst xmlns:p14="http://schemas.microsoft.com/office/powerpoint/2010/main">
+        <p14:section name="Default Section" id="{93A24CCB-FA86-4409-98BC-C269D31F9E8F}">
+          <p14:sldIdLst>
+            <p14:sldId id="256"/>
+            <p14:sldId id="257"/>
+            <p14:sldId id="258"/>
+            <p14:sldId id="259"/>
+            <p14:sldId id="260"/>
+            <p14:sldId id="261"/>
+            <p14:sldId id="262"/>
+            <p14:sldId id="263"/>
+            <p14:sldId id="264"/>
+            <p14:sldId id="265"/>
+          </p14:sldIdLst>
+        </p14:section>
+      </p14:sectionLst>
+    </p:ext>
+    <p:ext uri="{EFAFB233-063F-42B5-8137-9DF3F51BA10A}">
+      <p15:sldGuideLst xmlns:p15="http://schemas.microsoft.com/office/powerpoint/2012/main"/>
+    </p:ext>
+  </p:extLst>
 </p:presentation>
 </file>
 
 <file path=ppt/slideLayouts/slideLayout1.xml><?xml version="1.0" encoding="utf-8"?>
-<p:sldLayout xmlns:a="http://schemas.openxmlformats.org/drawingml/2006/main" xmlns:r="http://schemas.openxmlformats.org/officeDocument/2006/relationships" xmlns:p="http://schemas.openxmlformats.org/presentationml/2006/main" type="title" preserve="1">
-  <p:cSld name="Title Slide">
+<p:sldLayout xmlns:a="http://schemas.openxmlformats.org/drawingml/2006/main" xmlns:r="http://schemas.openxmlformats.org/officeDocument/2006/relationships" xmlns:p="http://schemas.openxmlformats.org/presentationml/2006/main" preserve="1" userDrawn="1">
+  <p:cSld name="2_Custom Layout">
     <p:spTree>
       <p:nvGrpSpPr>
         <p:cNvPr id="1" name=""/>
@@ -129,162 +159,520 @@
       </p:grpSpPr>
       <p:sp>
         <p:nvSpPr>
-          <p:cNvPr id="2" name="Title 1"/>
-          <p:cNvSpPr>
-            <a:spLocks noGrp="1"/>
-          </p:cNvSpPr>
-          <p:nvPr>
-            <p:ph type="ctrTitle"/>
-          </p:nvPr>
+          <p:cNvPr id="6" name="Title 5"/>
+          <p:cNvSpPr>
+            <a:spLocks noGrp="1"/>
+          </p:cNvSpPr>
+          <p:nvPr>
+            <p:ph type="title" hasCustomPrompt="1"/>
+          </p:nvPr>
+        </p:nvSpPr>
+        <p:spPr/>
+        <p:txBody>
+          <a:bodyPr/>
+          <a:lstStyle>
+            <a:lvl1pPr>
+              <a:defRPr baseline="0"/>
+            </a:lvl1pPr>
+          </a:lstStyle>
+          <a:p>
+            <a:r>
+              <a:rPr lang="en-US" dirty="0" smtClean="0"/>
+              <a:t>Hướng dẫn tạo ra 1 hình thoi có bo góc</a:t>
+            </a:r>
+            <a:endParaRPr lang="en-US" dirty="0"/>
+          </a:p>
+        </p:txBody>
+      </p:sp>
+      <p:sp>
+        <p:nvSpPr>
+          <p:cNvPr id="7" name="TextBox 6"/>
+          <p:cNvSpPr txBox="1"/>
+          <p:nvPr userDrawn="1"/>
         </p:nvSpPr>
         <p:spPr>
           <a:xfrm>
-            <a:off x="1524000" y="1122363"/>
-            <a:ext cx="9144000" cy="2387600"/>
+            <a:off x="1600200" y="2133600"/>
+            <a:ext cx="958917" cy="369332"/>
           </a:xfrm>
+          <a:prstGeom prst="rect">
+            <a:avLst/>
+          </a:prstGeom>
+          <a:noFill/>
         </p:spPr>
         <p:txBody>
-          <a:bodyPr anchor="b"/>
-          <a:lstStyle>
-            <a:lvl1pPr algn="ctr">
-              <a:defRPr sz="6000"/>
-            </a:lvl1pPr>
-          </a:lstStyle>
-          <a:p>
-            <a:r>
-              <a:rPr lang="en-US" smtClean="0"/>
-              <a:t>Click to edit Master title style</a:t>
-            </a:r>
-            <a:endParaRPr lang="en-US"/>
-          </a:p>
-        </p:txBody>
-      </p:sp>
-      <p:sp>
-        <p:nvSpPr>
-          <p:cNvPr id="3" name="Subtitle 2"/>
-          <p:cNvSpPr>
-            <a:spLocks noGrp="1"/>
-          </p:cNvSpPr>
-          <p:nvPr>
-            <p:ph type="subTitle" idx="1"/>
-          </p:nvPr>
+          <a:bodyPr wrap="none" rtlCol="0">
+            <a:spAutoFit/>
+          </a:bodyPr>
+          <a:lstStyle/>
+          <a:p>
+            <a:r>
+              <a:rPr lang="en-US" dirty="0" smtClean="0"/>
+              <a:t>Bước</a:t>
+            </a:r>
+            <a:r>
+              <a:rPr lang="en-US" baseline="0" dirty="0" smtClean="0"/>
+              <a:t> 1:</a:t>
+            </a:r>
+            <a:endParaRPr lang="en-US" dirty="0"/>
+          </a:p>
+        </p:txBody>
+      </p:sp>
+      <p:sp>
+        <p:nvSpPr>
+          <p:cNvPr id="9" name="Rounded Rectangle 8"/>
+          <p:cNvSpPr/>
+          <p:nvPr userDrawn="1"/>
         </p:nvSpPr>
         <p:spPr>
           <a:xfrm>
-            <a:off x="1524000" y="3602038"/>
-            <a:ext cx="9144000" cy="1655762"/>
+            <a:off x="838200" y="2502932"/>
+            <a:ext cx="2654300" cy="3034268"/>
           </a:xfrm>
+          <a:prstGeom prst="roundRect">
+            <a:avLst>
+              <a:gd name="adj" fmla="val 24322"/>
+            </a:avLst>
+          </a:prstGeom>
         </p:spPr>
-        <p:txBody>
-          <a:bodyPr/>
-          <a:lstStyle>
-            <a:lvl1pPr marL="0" indent="0" algn="ctr">
-              <a:buNone/>
-              <a:defRPr sz="2400"/>
-            </a:lvl1pPr>
-            <a:lvl2pPr marL="457200" indent="0" algn="ctr">
-              <a:buNone/>
-              <a:defRPr sz="2000"/>
-            </a:lvl2pPr>
-            <a:lvl3pPr marL="914400" indent="0" algn="ctr">
-              <a:buNone/>
-              <a:defRPr sz="1800"/>
-            </a:lvl3pPr>
-            <a:lvl4pPr marL="1371600" indent="0" algn="ctr">
-              <a:buNone/>
-              <a:defRPr sz="1600"/>
-            </a:lvl4pPr>
-            <a:lvl5pPr marL="1828800" indent="0" algn="ctr">
-              <a:buNone/>
-              <a:defRPr sz="1600"/>
-            </a:lvl5pPr>
-            <a:lvl6pPr marL="2286000" indent="0" algn="ctr">
-              <a:buNone/>
-              <a:defRPr sz="1600"/>
-            </a:lvl6pPr>
-            <a:lvl7pPr marL="2743200" indent="0" algn="ctr">
-              <a:buNone/>
-              <a:defRPr sz="1600"/>
-            </a:lvl7pPr>
-            <a:lvl8pPr marL="3200400" indent="0" algn="ctr">
-              <a:buNone/>
-              <a:defRPr sz="1600"/>
-            </a:lvl8pPr>
-            <a:lvl9pPr marL="3657600" indent="0" algn="ctr">
-              <a:buNone/>
-              <a:defRPr sz="1600"/>
-            </a:lvl9pPr>
-          </a:lstStyle>
-          <a:p>
-            <a:r>
-              <a:rPr lang="en-US" smtClean="0"/>
-              <a:t>Click to edit Master subtitle style</a:t>
-            </a:r>
-            <a:endParaRPr lang="en-US"/>
-          </a:p>
-        </p:txBody>
-      </p:sp>
-      <p:sp>
-        <p:nvSpPr>
-          <p:cNvPr id="4" name="Date Placeholder 3"/>
-          <p:cNvSpPr>
-            <a:spLocks noGrp="1"/>
-          </p:cNvSpPr>
-          <p:nvPr>
-            <p:ph type="dt" sz="half" idx="10"/>
-          </p:nvPr>
-        </p:nvSpPr>
-        <p:spPr/>
-        <p:txBody>
-          <a:bodyPr/>
-          <a:lstStyle/>
-          <a:p>
-            <a:fld id="{7CFAEC73-E315-4A0F-8DFF-7EF2543E62EC}" type="datetimeFigureOut">
-              <a:rPr lang="en-US" smtClean="0"/>
-              <a:t>10/11/2022</a:t>
-            </a:fld>
-            <a:endParaRPr lang="en-US"/>
-          </a:p>
-        </p:txBody>
-      </p:sp>
-      <p:sp>
-        <p:nvSpPr>
-          <p:cNvPr id="5" name="Footer Placeholder 4"/>
-          <p:cNvSpPr>
-            <a:spLocks noGrp="1"/>
-          </p:cNvSpPr>
-          <p:nvPr>
-            <p:ph type="ftr" sz="quarter" idx="11"/>
-          </p:nvPr>
-        </p:nvSpPr>
-        <p:spPr/>
-        <p:txBody>
-          <a:bodyPr/>
-          <a:lstStyle/>
-          <a:p>
-            <a:endParaRPr lang="en-US"/>
-          </a:p>
-        </p:txBody>
-      </p:sp>
-      <p:sp>
-        <p:nvSpPr>
-          <p:cNvPr id="6" name="Slide Number Placeholder 5"/>
-          <p:cNvSpPr>
-            <a:spLocks noGrp="1"/>
-          </p:cNvSpPr>
-          <p:nvPr>
-            <p:ph type="sldNum" sz="quarter" idx="12"/>
-          </p:nvPr>
-        </p:nvSpPr>
-        <p:spPr/>
-        <p:txBody>
-          <a:bodyPr/>
-          <a:lstStyle/>
-          <a:p>
-            <a:fld id="{13FE3D49-B9CF-4ACC-AAB6-DCCE22C02B87}" type="slidenum">
-              <a:rPr lang="en-US" smtClean="0"/>
-              <a:t>‹#›</a:t>
-            </a:fld>
+        <p:style>
+          <a:lnRef idx="2">
+            <a:schemeClr val="accent1">
+              <a:shade val="50000"/>
+            </a:schemeClr>
+          </a:lnRef>
+          <a:fillRef idx="1">
+            <a:schemeClr val="accent1"/>
+          </a:fillRef>
+          <a:effectRef idx="0">
+            <a:schemeClr val="accent1"/>
+          </a:effectRef>
+          <a:fontRef idx="minor">
+            <a:schemeClr val="lt1"/>
+          </a:fontRef>
+        </p:style>
+        <p:txBody>
+          <a:bodyPr rtlCol="0" anchor="ctr"/>
+          <a:lstStyle/>
+          <a:p>
+            <a:pPr algn="ctr"/>
+            <a:endParaRPr lang="en-US"/>
+          </a:p>
+        </p:txBody>
+      </p:sp>
+      <p:sp>
+        <p:nvSpPr>
+          <p:cNvPr id="10" name="TextBox 9"/>
+          <p:cNvSpPr txBox="1"/>
+          <p:nvPr userDrawn="1"/>
+        </p:nvSpPr>
+        <p:spPr>
+          <a:xfrm>
+            <a:off x="4165600" y="2140466"/>
+            <a:ext cx="1077539" cy="369332"/>
+          </a:xfrm>
+          <a:prstGeom prst="rect">
+            <a:avLst/>
+          </a:prstGeom>
+          <a:noFill/>
+        </p:spPr>
+        <p:txBody>
+          <a:bodyPr wrap="none" rtlCol="0">
+            <a:spAutoFit/>
+          </a:bodyPr>
+          <a:lstStyle/>
+          <a:p>
+            <a:r>
+              <a:rPr lang="en-US" dirty="0" smtClean="0"/>
+              <a:t> Bước</a:t>
+            </a:r>
+            <a:r>
+              <a:rPr lang="en-US" baseline="0" dirty="0" smtClean="0"/>
+              <a:t> 2: </a:t>
+            </a:r>
+            <a:endParaRPr lang="en-US" dirty="0"/>
+          </a:p>
+        </p:txBody>
+      </p:sp>
+      <p:sp>
+        <p:nvSpPr>
+          <p:cNvPr id="11" name="Rounded Rectangle 10"/>
+          <p:cNvSpPr/>
+          <p:nvPr userDrawn="1"/>
+        </p:nvSpPr>
+        <p:spPr>
+          <a:xfrm>
+            <a:off x="3695700" y="2509798"/>
+            <a:ext cx="2654300" cy="3034268"/>
+          </a:xfrm>
+          <a:prstGeom prst="roundRect">
+            <a:avLst>
+              <a:gd name="adj" fmla="val 24322"/>
+            </a:avLst>
+          </a:prstGeom>
+        </p:spPr>
+        <p:style>
+          <a:lnRef idx="2">
+            <a:schemeClr val="accent1">
+              <a:shade val="50000"/>
+            </a:schemeClr>
+          </a:lnRef>
+          <a:fillRef idx="1">
+            <a:schemeClr val="accent1"/>
+          </a:fillRef>
+          <a:effectRef idx="0">
+            <a:schemeClr val="accent1"/>
+          </a:effectRef>
+          <a:fontRef idx="minor">
+            <a:schemeClr val="lt1"/>
+          </a:fontRef>
+        </p:style>
+        <p:txBody>
+          <a:bodyPr rtlCol="0" anchor="ctr"/>
+          <a:lstStyle/>
+          <a:p>
+            <a:pPr algn="ctr"/>
+            <a:endParaRPr lang="en-US"/>
+          </a:p>
+        </p:txBody>
+      </p:sp>
+      <p:sp>
+        <p:nvSpPr>
+          <p:cNvPr id="12" name="Rounded Rectangle 11"/>
+          <p:cNvSpPr/>
+          <p:nvPr userDrawn="1"/>
+        </p:nvSpPr>
+        <p:spPr>
+          <a:xfrm>
+            <a:off x="4349750" y="2959576"/>
+            <a:ext cx="1346200" cy="1841500"/>
+          </a:xfrm>
+          <a:prstGeom prst="roundRect">
+            <a:avLst/>
+          </a:prstGeom>
+          <a:solidFill>
+            <a:schemeClr val="accent3">
+              <a:lumMod val="75000"/>
+            </a:schemeClr>
+          </a:solidFill>
+        </p:spPr>
+        <p:style>
+          <a:lnRef idx="2">
+            <a:schemeClr val="accent1">
+              <a:shade val="50000"/>
+            </a:schemeClr>
+          </a:lnRef>
+          <a:fillRef idx="1">
+            <a:schemeClr val="accent1"/>
+          </a:fillRef>
+          <a:effectRef idx="0">
+            <a:schemeClr val="accent1"/>
+          </a:effectRef>
+          <a:fontRef idx="minor">
+            <a:schemeClr val="lt1"/>
+          </a:fontRef>
+        </p:style>
+        <p:txBody>
+          <a:bodyPr rtlCol="0" anchor="ctr"/>
+          <a:lstStyle/>
+          <a:p>
+            <a:pPr algn="ctr"/>
+            <a:endParaRPr lang="en-US"/>
+          </a:p>
+        </p:txBody>
+      </p:sp>
+      <p:sp>
+        <p:nvSpPr>
+          <p:cNvPr id="13" name="TextBox 12"/>
+          <p:cNvSpPr txBox="1"/>
+          <p:nvPr userDrawn="1"/>
+        </p:nvSpPr>
+        <p:spPr>
+          <a:xfrm>
+            <a:off x="6819900" y="2140466"/>
+            <a:ext cx="958917" cy="369332"/>
+          </a:xfrm>
+          <a:prstGeom prst="rect">
+            <a:avLst/>
+          </a:prstGeom>
+          <a:noFill/>
+        </p:spPr>
+        <p:txBody>
+          <a:bodyPr wrap="none" rtlCol="0">
+            <a:spAutoFit/>
+          </a:bodyPr>
+          <a:lstStyle/>
+          <a:p>
+            <a:r>
+              <a:rPr lang="en-US" dirty="0" smtClean="0"/>
+              <a:t>Bước</a:t>
+            </a:r>
+            <a:r>
+              <a:rPr lang="en-US" baseline="0" dirty="0" smtClean="0"/>
+              <a:t> 3:</a:t>
+            </a:r>
+            <a:endParaRPr lang="en-US" dirty="0"/>
+          </a:p>
+        </p:txBody>
+      </p:sp>
+      <p:sp>
+        <p:nvSpPr>
+          <p:cNvPr id="14" name="Rounded Rectangle 13"/>
+          <p:cNvSpPr/>
+          <p:nvPr userDrawn="1"/>
+        </p:nvSpPr>
+        <p:spPr>
+          <a:xfrm>
+            <a:off x="6432550" y="2509798"/>
+            <a:ext cx="2654300" cy="3034268"/>
+          </a:xfrm>
+          <a:prstGeom prst="roundRect">
+            <a:avLst>
+              <a:gd name="adj" fmla="val 24322"/>
+            </a:avLst>
+          </a:prstGeom>
+        </p:spPr>
+        <p:style>
+          <a:lnRef idx="2">
+            <a:schemeClr val="accent1">
+              <a:shade val="50000"/>
+            </a:schemeClr>
+          </a:lnRef>
+          <a:fillRef idx="1">
+            <a:schemeClr val="accent1"/>
+          </a:fillRef>
+          <a:effectRef idx="0">
+            <a:schemeClr val="accent1"/>
+          </a:effectRef>
+          <a:fontRef idx="minor">
+            <a:schemeClr val="lt1"/>
+          </a:fontRef>
+        </p:style>
+        <p:txBody>
+          <a:bodyPr rtlCol="0" anchor="ctr"/>
+          <a:lstStyle/>
+          <a:p>
+            <a:pPr algn="ctr"/>
+            <a:endParaRPr lang="en-US"/>
+          </a:p>
+        </p:txBody>
+      </p:sp>
+      <p:sp>
+        <p:nvSpPr>
+          <p:cNvPr id="15" name="Rounded Rectangle 14"/>
+          <p:cNvSpPr/>
+          <p:nvPr userDrawn="1"/>
+        </p:nvSpPr>
+        <p:spPr>
+          <a:xfrm rot="2431302">
+            <a:off x="7086600" y="2959576"/>
+            <a:ext cx="1346200" cy="1841500"/>
+          </a:xfrm>
+          <a:prstGeom prst="roundRect">
+            <a:avLst/>
+          </a:prstGeom>
+          <a:solidFill>
+            <a:schemeClr val="accent3">
+              <a:lumMod val="75000"/>
+            </a:schemeClr>
+          </a:solidFill>
+        </p:spPr>
+        <p:style>
+          <a:lnRef idx="2">
+            <a:schemeClr val="accent1">
+              <a:shade val="50000"/>
+            </a:schemeClr>
+          </a:lnRef>
+          <a:fillRef idx="1">
+            <a:schemeClr val="accent1"/>
+          </a:fillRef>
+          <a:effectRef idx="0">
+            <a:schemeClr val="accent1"/>
+          </a:effectRef>
+          <a:fontRef idx="minor">
+            <a:schemeClr val="lt1"/>
+          </a:fontRef>
+        </p:style>
+        <p:txBody>
+          <a:bodyPr rtlCol="0" anchor="ctr"/>
+          <a:lstStyle/>
+          <a:p>
+            <a:pPr algn="ctr"/>
+            <a:endParaRPr lang="en-US"/>
+          </a:p>
+        </p:txBody>
+      </p:sp>
+      <p:sp>
+        <p:nvSpPr>
+          <p:cNvPr id="16" name="TextBox 15"/>
+          <p:cNvSpPr txBox="1"/>
+          <p:nvPr userDrawn="1"/>
+        </p:nvSpPr>
+        <p:spPr>
+          <a:xfrm>
+            <a:off x="9355578" y="2147332"/>
+            <a:ext cx="958917" cy="369332"/>
+          </a:xfrm>
+          <a:prstGeom prst="rect">
+            <a:avLst/>
+          </a:prstGeom>
+          <a:noFill/>
+        </p:spPr>
+        <p:txBody>
+          <a:bodyPr wrap="none" rtlCol="0">
+            <a:spAutoFit/>
+          </a:bodyPr>
+          <a:lstStyle/>
+          <a:p>
+            <a:r>
+              <a:rPr lang="en-US" dirty="0" smtClean="0"/>
+              <a:t>Bước</a:t>
+            </a:r>
+            <a:r>
+              <a:rPr lang="en-US" baseline="0" dirty="0" smtClean="0"/>
+              <a:t> 4:</a:t>
+            </a:r>
+            <a:endParaRPr lang="en-US" dirty="0"/>
+          </a:p>
+        </p:txBody>
+      </p:sp>
+      <p:sp>
+        <p:nvSpPr>
+          <p:cNvPr id="19" name="Freeform 18"/>
+          <p:cNvSpPr/>
+          <p:nvPr userDrawn="1"/>
+        </p:nvSpPr>
+        <p:spPr>
+          <a:xfrm>
+            <a:off x="9478607" y="2828170"/>
+            <a:ext cx="2035887" cy="2090581"/>
+          </a:xfrm>
+          <a:custGeom>
+            <a:avLst/>
+            <a:gdLst>
+              <a:gd name="connsiteX0" fmla="*/ 1111782 w 2035887"/>
+              <a:gd name="connsiteY0" fmla="*/ 690 h 2090581"/>
+              <a:gd name="connsiteX1" fmla="*/ 1275083 w 2035887"/>
+              <a:gd name="connsiteY1" fmla="*/ 53818 h 2090581"/>
+              <a:gd name="connsiteX2" fmla="*/ 1957294 w 2035887"/>
+              <a:gd name="connsiteY2" fmla="*/ 636929 h 2090581"/>
+              <a:gd name="connsiteX3" fmla="*/ 1982070 w 2035887"/>
+              <a:gd name="connsiteY3" fmla="*/ 953269 h 2090581"/>
+              <a:gd name="connsiteX4" fmla="*/ 1077145 w 2035887"/>
+              <a:gd name="connsiteY4" fmla="*/ 2011988 h 2090581"/>
+              <a:gd name="connsiteX5" fmla="*/ 760805 w 2035887"/>
+              <a:gd name="connsiteY5" fmla="*/ 2036764 h 2090581"/>
+              <a:gd name="connsiteX6" fmla="*/ 78594 w 2035887"/>
+              <a:gd name="connsiteY6" fmla="*/ 1453653 h 2090581"/>
+              <a:gd name="connsiteX7" fmla="*/ 53818 w 2035887"/>
+              <a:gd name="connsiteY7" fmla="*/ 1137313 h 2090581"/>
+              <a:gd name="connsiteX8" fmla="*/ 958743 w 2035887"/>
+              <a:gd name="connsiteY8" fmla="*/ 78594 h 2090581"/>
+              <a:gd name="connsiteX9" fmla="*/ 1111782 w 2035887"/>
+              <a:gd name="connsiteY9" fmla="*/ 690 h 2090581"/>
+            </a:gdLst>
+            <a:ahLst/>
+            <a:cxnLst>
+              <a:cxn ang="0">
+                <a:pos x="connsiteX0" y="connsiteY0"/>
+              </a:cxn>
+              <a:cxn ang="0">
+                <a:pos x="connsiteX1" y="connsiteY1"/>
+              </a:cxn>
+              <a:cxn ang="0">
+                <a:pos x="connsiteX2" y="connsiteY2"/>
+              </a:cxn>
+              <a:cxn ang="0">
+                <a:pos x="connsiteX3" y="connsiteY3"/>
+              </a:cxn>
+              <a:cxn ang="0">
+                <a:pos x="connsiteX4" y="connsiteY4"/>
+              </a:cxn>
+              <a:cxn ang="0">
+                <a:pos x="connsiteX5" y="connsiteY5"/>
+              </a:cxn>
+              <a:cxn ang="0">
+                <a:pos x="connsiteX6" y="connsiteY6"/>
+              </a:cxn>
+              <a:cxn ang="0">
+                <a:pos x="connsiteX7" y="connsiteY7"/>
+              </a:cxn>
+              <a:cxn ang="0">
+                <a:pos x="connsiteX8" y="connsiteY8"/>
+              </a:cxn>
+              <a:cxn ang="0">
+                <a:pos x="connsiteX9" y="connsiteY9"/>
+              </a:cxn>
+            </a:cxnLst>
+            <a:rect l="l" t="t" r="r" b="b"/>
+            <a:pathLst>
+              <a:path w="2035887" h="2090581">
+                <a:moveTo>
+                  <a:pt x="1111782" y="690"/>
+                </a:moveTo>
+                <a:cubicBezTo>
+                  <a:pt x="1169028" y="-3793"/>
+                  <a:pt x="1227985" y="13562"/>
+                  <a:pt x="1275083" y="53818"/>
+                </a:cubicBezTo>
+                <a:lnTo>
+                  <a:pt x="1957294" y="636929"/>
+                </a:lnTo>
+                <a:cubicBezTo>
+                  <a:pt x="2051491" y="717443"/>
+                  <a:pt x="2062583" y="859072"/>
+                  <a:pt x="1982070" y="953269"/>
+                </a:cubicBezTo>
+                <a:lnTo>
+                  <a:pt x="1077145" y="2011988"/>
+                </a:lnTo>
+                <a:cubicBezTo>
+                  <a:pt x="996632" y="2106185"/>
+                  <a:pt x="855002" y="2117277"/>
+                  <a:pt x="760805" y="2036764"/>
+                </a:cubicBezTo>
+                <a:lnTo>
+                  <a:pt x="78594" y="1453653"/>
+                </a:lnTo>
+                <a:cubicBezTo>
+                  <a:pt x="-15603" y="1373140"/>
+                  <a:pt x="-26695" y="1231510"/>
+                  <a:pt x="53818" y="1137313"/>
+                </a:cubicBezTo>
+                <a:lnTo>
+                  <a:pt x="958743" y="78594"/>
+                </a:lnTo>
+                <a:cubicBezTo>
+                  <a:pt x="999000" y="31496"/>
+                  <a:pt x="1054535" y="5174"/>
+                  <a:pt x="1111782" y="690"/>
+                </a:cubicBezTo>
+                <a:close/>
+              </a:path>
+            </a:pathLst>
+          </a:custGeom>
+        </p:spPr>
+        <p:style>
+          <a:lnRef idx="2">
+            <a:schemeClr val="accent1">
+              <a:shade val="50000"/>
+            </a:schemeClr>
+          </a:lnRef>
+          <a:fillRef idx="1">
+            <a:schemeClr val="accent1"/>
+          </a:fillRef>
+          <a:effectRef idx="0">
+            <a:schemeClr val="accent1"/>
+          </a:effectRef>
+          <a:fontRef idx="minor">
+            <a:schemeClr val="lt1"/>
+          </a:fontRef>
+        </p:style>
+        <p:txBody>
+          <a:bodyPr rtlCol="0" anchor="ctr"/>
+          <a:lstStyle/>
+          <a:p>
+            <a:pPr algn="ctr"/>
             <a:endParaRPr lang="en-US"/>
           </a:p>
         </p:txBody>
@@ -292,1836 +680,24 @@
     </p:spTree>
     <p:extLst>
       <p:ext uri="{BB962C8B-B14F-4D97-AF65-F5344CB8AC3E}">
-        <p14:creationId xmlns:p14="http://schemas.microsoft.com/office/powerpoint/2010/main" val="1769621983"/>
+        <p14:creationId xmlns:p14="http://schemas.microsoft.com/office/powerpoint/2010/main" val="435959037"/>
       </p:ext>
     </p:extLst>
   </p:cSld>
   <p:clrMapOvr>
     <a:masterClrMapping/>
   </p:clrMapOvr>
+  <p:timing>
+    <p:tnLst>
+      <p:par>
+        <p:cTn id="1" dur="indefinite" restart="never" nodeType="tmRoot"/>
+      </p:par>
+    </p:tnLst>
+  </p:timing>
 </p:sldLayout>
 </file>
 
 <file path=ppt/slideLayouts/slideLayout10.xml><?xml version="1.0" encoding="utf-8"?>
-<p:sldLayout xmlns:a="http://schemas.openxmlformats.org/drawingml/2006/main" xmlns:r="http://schemas.openxmlformats.org/officeDocument/2006/relationships" xmlns:p="http://schemas.openxmlformats.org/presentationml/2006/main" type="vertTx" preserve="1">
-  <p:cSld name="Title and Vertical Text">
-    <p:spTree>
-      <p:nvGrpSpPr>
-        <p:cNvPr id="1" name=""/>
-        <p:cNvGrpSpPr/>
-        <p:nvPr/>
-      </p:nvGrpSpPr>
-      <p:grpSpPr>
-        <a:xfrm>
-          <a:off x="0" y="0"/>
-          <a:ext cx="0" cy="0"/>
-          <a:chOff x="0" y="0"/>
-          <a:chExt cx="0" cy="0"/>
-        </a:xfrm>
-      </p:grpSpPr>
-      <p:sp>
-        <p:nvSpPr>
-          <p:cNvPr id="2" name="Title 1"/>
-          <p:cNvSpPr>
-            <a:spLocks noGrp="1"/>
-          </p:cNvSpPr>
-          <p:nvPr>
-            <p:ph type="title"/>
-          </p:nvPr>
-        </p:nvSpPr>
-        <p:spPr/>
-        <p:txBody>
-          <a:bodyPr/>
-          <a:lstStyle/>
-          <a:p>
-            <a:r>
-              <a:rPr lang="en-US" smtClean="0"/>
-              <a:t>Click to edit Master title style</a:t>
-            </a:r>
-            <a:endParaRPr lang="en-US"/>
-          </a:p>
-        </p:txBody>
-      </p:sp>
-      <p:sp>
-        <p:nvSpPr>
-          <p:cNvPr id="3" name="Vertical Text Placeholder 2"/>
-          <p:cNvSpPr>
-            <a:spLocks noGrp="1"/>
-          </p:cNvSpPr>
-          <p:nvPr>
-            <p:ph type="body" orient="vert" idx="1"/>
-          </p:nvPr>
-        </p:nvSpPr>
-        <p:spPr/>
-        <p:txBody>
-          <a:bodyPr vert="eaVert"/>
-          <a:lstStyle/>
-          <a:p>
-            <a:pPr lvl="0"/>
-            <a:r>
-              <a:rPr lang="en-US" smtClean="0"/>
-              <a:t>Edit Master text styles</a:t>
-            </a:r>
-          </a:p>
-          <a:p>
-            <a:pPr lvl="1"/>
-            <a:r>
-              <a:rPr lang="en-US" smtClean="0"/>
-              <a:t>Second level</a:t>
-            </a:r>
-          </a:p>
-          <a:p>
-            <a:pPr lvl="2"/>
-            <a:r>
-              <a:rPr lang="en-US" smtClean="0"/>
-              <a:t>Third level</a:t>
-            </a:r>
-          </a:p>
-          <a:p>
-            <a:pPr lvl="3"/>
-            <a:r>
-              <a:rPr lang="en-US" smtClean="0"/>
-              <a:t>Fourth level</a:t>
-            </a:r>
-          </a:p>
-          <a:p>
-            <a:pPr lvl="4"/>
-            <a:r>
-              <a:rPr lang="en-US" smtClean="0"/>
-              <a:t>Fifth level</a:t>
-            </a:r>
-            <a:endParaRPr lang="en-US"/>
-          </a:p>
-        </p:txBody>
-      </p:sp>
-      <p:sp>
-        <p:nvSpPr>
-          <p:cNvPr id="4" name="Date Placeholder 3"/>
-          <p:cNvSpPr>
-            <a:spLocks noGrp="1"/>
-          </p:cNvSpPr>
-          <p:nvPr>
-            <p:ph type="dt" sz="half" idx="10"/>
-          </p:nvPr>
-        </p:nvSpPr>
-        <p:spPr/>
-        <p:txBody>
-          <a:bodyPr/>
-          <a:lstStyle/>
-          <a:p>
-            <a:fld id="{7CFAEC73-E315-4A0F-8DFF-7EF2543E62EC}" type="datetimeFigureOut">
-              <a:rPr lang="en-US" smtClean="0"/>
-              <a:t>10/11/2022</a:t>
-            </a:fld>
-            <a:endParaRPr lang="en-US"/>
-          </a:p>
-        </p:txBody>
-      </p:sp>
-      <p:sp>
-        <p:nvSpPr>
-          <p:cNvPr id="5" name="Footer Placeholder 4"/>
-          <p:cNvSpPr>
-            <a:spLocks noGrp="1"/>
-          </p:cNvSpPr>
-          <p:nvPr>
-            <p:ph type="ftr" sz="quarter" idx="11"/>
-          </p:nvPr>
-        </p:nvSpPr>
-        <p:spPr/>
-        <p:txBody>
-          <a:bodyPr/>
-          <a:lstStyle/>
-          <a:p>
-            <a:endParaRPr lang="en-US"/>
-          </a:p>
-        </p:txBody>
-      </p:sp>
-      <p:sp>
-        <p:nvSpPr>
-          <p:cNvPr id="6" name="Slide Number Placeholder 5"/>
-          <p:cNvSpPr>
-            <a:spLocks noGrp="1"/>
-          </p:cNvSpPr>
-          <p:nvPr>
-            <p:ph type="sldNum" sz="quarter" idx="12"/>
-          </p:nvPr>
-        </p:nvSpPr>
-        <p:spPr/>
-        <p:txBody>
-          <a:bodyPr/>
-          <a:lstStyle/>
-          <a:p>
-            <a:fld id="{13FE3D49-B9CF-4ACC-AAB6-DCCE22C02B87}" type="slidenum">
-              <a:rPr lang="en-US" smtClean="0"/>
-              <a:t>‹#›</a:t>
-            </a:fld>
-            <a:endParaRPr lang="en-US"/>
-          </a:p>
-        </p:txBody>
-      </p:sp>
-    </p:spTree>
-    <p:extLst>
-      <p:ext uri="{BB962C8B-B14F-4D97-AF65-F5344CB8AC3E}">
-        <p14:creationId xmlns:p14="http://schemas.microsoft.com/office/powerpoint/2010/main" val="2375999332"/>
-      </p:ext>
-    </p:extLst>
-  </p:cSld>
-  <p:clrMapOvr>
-    <a:masterClrMapping/>
-  </p:clrMapOvr>
-</p:sldLayout>
-</file>
-
-<file path=ppt/slideLayouts/slideLayout11.xml><?xml version="1.0" encoding="utf-8"?>
-<p:sldLayout xmlns:a="http://schemas.openxmlformats.org/drawingml/2006/main" xmlns:r="http://schemas.openxmlformats.org/officeDocument/2006/relationships" xmlns:p="http://schemas.openxmlformats.org/presentationml/2006/main" type="vertTitleAndTx" preserve="1">
-  <p:cSld name="Vertical Title and Text">
-    <p:spTree>
-      <p:nvGrpSpPr>
-        <p:cNvPr id="1" name=""/>
-        <p:cNvGrpSpPr/>
-        <p:nvPr/>
-      </p:nvGrpSpPr>
-      <p:grpSpPr>
-        <a:xfrm>
-          <a:off x="0" y="0"/>
-          <a:ext cx="0" cy="0"/>
-          <a:chOff x="0" y="0"/>
-          <a:chExt cx="0" cy="0"/>
-        </a:xfrm>
-      </p:grpSpPr>
-      <p:sp>
-        <p:nvSpPr>
-          <p:cNvPr id="2" name="Vertical Title 1"/>
-          <p:cNvSpPr>
-            <a:spLocks noGrp="1"/>
-          </p:cNvSpPr>
-          <p:nvPr>
-            <p:ph type="title" orient="vert"/>
-          </p:nvPr>
-        </p:nvSpPr>
-        <p:spPr>
-          <a:xfrm>
-            <a:off x="8724900" y="365125"/>
-            <a:ext cx="2628900" cy="5811838"/>
-          </a:xfrm>
-        </p:spPr>
-        <p:txBody>
-          <a:bodyPr vert="eaVert"/>
-          <a:lstStyle/>
-          <a:p>
-            <a:r>
-              <a:rPr lang="en-US" smtClean="0"/>
-              <a:t>Click to edit Master title style</a:t>
-            </a:r>
-            <a:endParaRPr lang="en-US"/>
-          </a:p>
-        </p:txBody>
-      </p:sp>
-      <p:sp>
-        <p:nvSpPr>
-          <p:cNvPr id="3" name="Vertical Text Placeholder 2"/>
-          <p:cNvSpPr>
-            <a:spLocks noGrp="1"/>
-          </p:cNvSpPr>
-          <p:nvPr>
-            <p:ph type="body" orient="vert" idx="1"/>
-          </p:nvPr>
-        </p:nvSpPr>
-        <p:spPr>
-          <a:xfrm>
-            <a:off x="838200" y="365125"/>
-            <a:ext cx="7734300" cy="5811838"/>
-          </a:xfrm>
-        </p:spPr>
-        <p:txBody>
-          <a:bodyPr vert="eaVert"/>
-          <a:lstStyle/>
-          <a:p>
-            <a:pPr lvl="0"/>
-            <a:r>
-              <a:rPr lang="en-US" smtClean="0"/>
-              <a:t>Edit Master text styles</a:t>
-            </a:r>
-          </a:p>
-          <a:p>
-            <a:pPr lvl="1"/>
-            <a:r>
-              <a:rPr lang="en-US" smtClean="0"/>
-              <a:t>Second level</a:t>
-            </a:r>
-          </a:p>
-          <a:p>
-            <a:pPr lvl="2"/>
-            <a:r>
-              <a:rPr lang="en-US" smtClean="0"/>
-              <a:t>Third level</a:t>
-            </a:r>
-          </a:p>
-          <a:p>
-            <a:pPr lvl="3"/>
-            <a:r>
-              <a:rPr lang="en-US" smtClean="0"/>
-              <a:t>Fourth level</a:t>
-            </a:r>
-          </a:p>
-          <a:p>
-            <a:pPr lvl="4"/>
-            <a:r>
-              <a:rPr lang="en-US" smtClean="0"/>
-              <a:t>Fifth level</a:t>
-            </a:r>
-            <a:endParaRPr lang="en-US"/>
-          </a:p>
-        </p:txBody>
-      </p:sp>
-      <p:sp>
-        <p:nvSpPr>
-          <p:cNvPr id="4" name="Date Placeholder 3"/>
-          <p:cNvSpPr>
-            <a:spLocks noGrp="1"/>
-          </p:cNvSpPr>
-          <p:nvPr>
-            <p:ph type="dt" sz="half" idx="10"/>
-          </p:nvPr>
-        </p:nvSpPr>
-        <p:spPr/>
-        <p:txBody>
-          <a:bodyPr/>
-          <a:lstStyle/>
-          <a:p>
-            <a:fld id="{7CFAEC73-E315-4A0F-8DFF-7EF2543E62EC}" type="datetimeFigureOut">
-              <a:rPr lang="en-US" smtClean="0"/>
-              <a:t>10/11/2022</a:t>
-            </a:fld>
-            <a:endParaRPr lang="en-US"/>
-          </a:p>
-        </p:txBody>
-      </p:sp>
-      <p:sp>
-        <p:nvSpPr>
-          <p:cNvPr id="5" name="Footer Placeholder 4"/>
-          <p:cNvSpPr>
-            <a:spLocks noGrp="1"/>
-          </p:cNvSpPr>
-          <p:nvPr>
-            <p:ph type="ftr" sz="quarter" idx="11"/>
-          </p:nvPr>
-        </p:nvSpPr>
-        <p:spPr/>
-        <p:txBody>
-          <a:bodyPr/>
-          <a:lstStyle/>
-          <a:p>
-            <a:endParaRPr lang="en-US"/>
-          </a:p>
-        </p:txBody>
-      </p:sp>
-      <p:sp>
-        <p:nvSpPr>
-          <p:cNvPr id="6" name="Slide Number Placeholder 5"/>
-          <p:cNvSpPr>
-            <a:spLocks noGrp="1"/>
-          </p:cNvSpPr>
-          <p:nvPr>
-            <p:ph type="sldNum" sz="quarter" idx="12"/>
-          </p:nvPr>
-        </p:nvSpPr>
-        <p:spPr/>
-        <p:txBody>
-          <a:bodyPr/>
-          <a:lstStyle/>
-          <a:p>
-            <a:fld id="{13FE3D49-B9CF-4ACC-AAB6-DCCE22C02B87}" type="slidenum">
-              <a:rPr lang="en-US" smtClean="0"/>
-              <a:t>‹#›</a:t>
-            </a:fld>
-            <a:endParaRPr lang="en-US"/>
-          </a:p>
-        </p:txBody>
-      </p:sp>
-    </p:spTree>
-    <p:extLst>
-      <p:ext uri="{BB962C8B-B14F-4D97-AF65-F5344CB8AC3E}">
-        <p14:creationId xmlns:p14="http://schemas.microsoft.com/office/powerpoint/2010/main" val="1103956034"/>
-      </p:ext>
-    </p:extLst>
-  </p:cSld>
-  <p:clrMapOvr>
-    <a:masterClrMapping/>
-  </p:clrMapOvr>
-</p:sldLayout>
-</file>
-
-<file path=ppt/slideLayouts/slideLayout12.xml><?xml version="1.0" encoding="utf-8"?>
-<p:sldLayout xmlns:a="http://schemas.openxmlformats.org/drawingml/2006/main" xmlns:r="http://schemas.openxmlformats.org/officeDocument/2006/relationships" xmlns:p="http://schemas.openxmlformats.org/presentationml/2006/main" preserve="1" userDrawn="1">
-  <p:cSld name="Custom Layout">
-    <p:spTree>
-      <p:nvGrpSpPr>
-        <p:cNvPr id="1" name=""/>
-        <p:cNvGrpSpPr/>
-        <p:nvPr/>
-      </p:nvGrpSpPr>
-      <p:grpSpPr>
-        <a:xfrm>
-          <a:off x="0" y="0"/>
-          <a:ext cx="0" cy="0"/>
-          <a:chOff x="0" y="0"/>
-          <a:chExt cx="0" cy="0"/>
-        </a:xfrm>
-      </p:grpSpPr>
-      <p:sp>
-        <p:nvSpPr>
-          <p:cNvPr id="7" name="Text Placeholder 6"/>
-          <p:cNvSpPr>
-            <a:spLocks noGrp="1"/>
-          </p:cNvSpPr>
-          <p:nvPr>
-            <p:ph type="body" sz="quarter" idx="10"/>
-          </p:nvPr>
-        </p:nvSpPr>
-        <p:spPr>
-          <a:xfrm>
-            <a:off x="190500" y="533400"/>
-            <a:ext cx="5168900" cy="4216400"/>
-          </a:xfrm>
-        </p:spPr>
-        <p:txBody>
-          <a:bodyPr/>
-          <a:lstStyle/>
-          <a:p>
-            <a:pPr lvl="0"/>
-            <a:r>
-              <a:rPr lang="en-US" smtClean="0"/>
-              <a:t>Edit Master text styles</a:t>
-            </a:r>
-          </a:p>
-          <a:p>
-            <a:pPr lvl="1"/>
-            <a:r>
-              <a:rPr lang="en-US" smtClean="0"/>
-              <a:t>Second level</a:t>
-            </a:r>
-          </a:p>
-          <a:p>
-            <a:pPr lvl="2"/>
-            <a:r>
-              <a:rPr lang="en-US" smtClean="0"/>
-              <a:t>Third level</a:t>
-            </a:r>
-          </a:p>
-          <a:p>
-            <a:pPr lvl="3"/>
-            <a:r>
-              <a:rPr lang="en-US" smtClean="0"/>
-              <a:t>Fourth level</a:t>
-            </a:r>
-          </a:p>
-          <a:p>
-            <a:pPr lvl="4"/>
-            <a:r>
-              <a:rPr lang="en-US" smtClean="0"/>
-              <a:t>Fifth level</a:t>
-            </a:r>
-            <a:endParaRPr lang="en-US"/>
-          </a:p>
-        </p:txBody>
-      </p:sp>
-      <p:sp>
-        <p:nvSpPr>
-          <p:cNvPr id="9" name="Content Placeholder 8"/>
-          <p:cNvSpPr>
-            <a:spLocks noGrp="1"/>
-          </p:cNvSpPr>
-          <p:nvPr>
-            <p:ph sz="quarter" idx="11"/>
-          </p:nvPr>
-        </p:nvSpPr>
-        <p:spPr>
-          <a:xfrm>
-            <a:off x="5969000" y="673100"/>
-            <a:ext cx="3022600" cy="2489200"/>
-          </a:xfrm>
-        </p:spPr>
-        <p:txBody>
-          <a:bodyPr/>
-          <a:lstStyle/>
-          <a:p>
-            <a:pPr lvl="0"/>
-            <a:r>
-              <a:rPr lang="en-US" dirty="0" smtClean="0"/>
-              <a:t>Edit Master text styles</a:t>
-            </a:r>
-          </a:p>
-          <a:p>
-            <a:pPr lvl="1"/>
-            <a:r>
-              <a:rPr lang="en-US" dirty="0" smtClean="0"/>
-              <a:t>Second level</a:t>
-            </a:r>
-          </a:p>
-          <a:p>
-            <a:pPr lvl="2"/>
-            <a:r>
-              <a:rPr lang="en-US" dirty="0" smtClean="0"/>
-              <a:t>Third level</a:t>
-            </a:r>
-          </a:p>
-          <a:p>
-            <a:pPr lvl="3"/>
-            <a:r>
-              <a:rPr lang="en-US" dirty="0" smtClean="0"/>
-              <a:t>Fourth level</a:t>
-            </a:r>
-          </a:p>
-          <a:p>
-            <a:pPr lvl="4"/>
-            <a:r>
-              <a:rPr lang="en-US" dirty="0" smtClean="0"/>
-              <a:t>Fifth level</a:t>
-            </a:r>
-            <a:endParaRPr lang="en-US" dirty="0"/>
-          </a:p>
-        </p:txBody>
-      </p:sp>
-    </p:spTree>
-    <p:extLst>
-      <p:ext uri="{BB962C8B-B14F-4D97-AF65-F5344CB8AC3E}">
-        <p14:creationId xmlns:p14="http://schemas.microsoft.com/office/powerpoint/2010/main" val="4092963350"/>
-      </p:ext>
-    </p:extLst>
-  </p:cSld>
-  <p:clrMapOvr>
-    <a:masterClrMapping/>
-  </p:clrMapOvr>
-</p:sldLayout>
-</file>
-
-<file path=ppt/slideLayouts/slideLayout13.xml><?xml version="1.0" encoding="utf-8"?>
-<p:sldLayout xmlns:a="http://schemas.openxmlformats.org/drawingml/2006/main" xmlns:r="http://schemas.openxmlformats.org/officeDocument/2006/relationships" xmlns:p="http://schemas.openxmlformats.org/presentationml/2006/main" type="title" preserve="1">
-  <p:cSld name="Title Slide">
-    <p:spTree>
-      <p:nvGrpSpPr>
-        <p:cNvPr id="1" name=""/>
-        <p:cNvGrpSpPr/>
-        <p:nvPr/>
-      </p:nvGrpSpPr>
-      <p:grpSpPr>
-        <a:xfrm>
-          <a:off x="0" y="0"/>
-          <a:ext cx="0" cy="0"/>
-          <a:chOff x="0" y="0"/>
-          <a:chExt cx="0" cy="0"/>
-        </a:xfrm>
-      </p:grpSpPr>
-      <p:sp>
-        <p:nvSpPr>
-          <p:cNvPr id="2" name="Title 1"/>
-          <p:cNvSpPr>
-            <a:spLocks noGrp="1"/>
-          </p:cNvSpPr>
-          <p:nvPr>
-            <p:ph type="ctrTitle"/>
-          </p:nvPr>
-        </p:nvSpPr>
-        <p:spPr>
-          <a:xfrm>
-            <a:off x="1524000" y="1122363"/>
-            <a:ext cx="9144000" cy="2387600"/>
-          </a:xfrm>
-        </p:spPr>
-        <p:txBody>
-          <a:bodyPr anchor="b"/>
-          <a:lstStyle>
-            <a:lvl1pPr algn="ctr">
-              <a:defRPr sz="6000"/>
-            </a:lvl1pPr>
-          </a:lstStyle>
-          <a:p>
-            <a:r>
-              <a:rPr lang="en-US" smtClean="0"/>
-              <a:t>Click to edit Master title style</a:t>
-            </a:r>
-            <a:endParaRPr lang="en-US"/>
-          </a:p>
-        </p:txBody>
-      </p:sp>
-      <p:sp>
-        <p:nvSpPr>
-          <p:cNvPr id="3" name="Subtitle 2"/>
-          <p:cNvSpPr>
-            <a:spLocks noGrp="1"/>
-          </p:cNvSpPr>
-          <p:nvPr>
-            <p:ph type="subTitle" idx="1"/>
-          </p:nvPr>
-        </p:nvSpPr>
-        <p:spPr>
-          <a:xfrm>
-            <a:off x="1524000" y="3602038"/>
-            <a:ext cx="9144000" cy="1655762"/>
-          </a:xfrm>
-        </p:spPr>
-        <p:txBody>
-          <a:bodyPr/>
-          <a:lstStyle>
-            <a:lvl1pPr marL="0" indent="0" algn="ctr">
-              <a:buNone/>
-              <a:defRPr sz="2400"/>
-            </a:lvl1pPr>
-            <a:lvl2pPr marL="457200" indent="0" algn="ctr">
-              <a:buNone/>
-              <a:defRPr sz="2000"/>
-            </a:lvl2pPr>
-            <a:lvl3pPr marL="914400" indent="0" algn="ctr">
-              <a:buNone/>
-              <a:defRPr sz="1800"/>
-            </a:lvl3pPr>
-            <a:lvl4pPr marL="1371600" indent="0" algn="ctr">
-              <a:buNone/>
-              <a:defRPr sz="1600"/>
-            </a:lvl4pPr>
-            <a:lvl5pPr marL="1828800" indent="0" algn="ctr">
-              <a:buNone/>
-              <a:defRPr sz="1600"/>
-            </a:lvl5pPr>
-            <a:lvl6pPr marL="2286000" indent="0" algn="ctr">
-              <a:buNone/>
-              <a:defRPr sz="1600"/>
-            </a:lvl6pPr>
-            <a:lvl7pPr marL="2743200" indent="0" algn="ctr">
-              <a:buNone/>
-              <a:defRPr sz="1600"/>
-            </a:lvl7pPr>
-            <a:lvl8pPr marL="3200400" indent="0" algn="ctr">
-              <a:buNone/>
-              <a:defRPr sz="1600"/>
-            </a:lvl8pPr>
-            <a:lvl9pPr marL="3657600" indent="0" algn="ctr">
-              <a:buNone/>
-              <a:defRPr sz="1600"/>
-            </a:lvl9pPr>
-          </a:lstStyle>
-          <a:p>
-            <a:r>
-              <a:rPr lang="en-US" smtClean="0"/>
-              <a:t>Click to edit Master subtitle style</a:t>
-            </a:r>
-            <a:endParaRPr lang="en-US"/>
-          </a:p>
-        </p:txBody>
-      </p:sp>
-      <p:sp>
-        <p:nvSpPr>
-          <p:cNvPr id="4" name="Date Placeholder 3"/>
-          <p:cNvSpPr>
-            <a:spLocks noGrp="1"/>
-          </p:cNvSpPr>
-          <p:nvPr>
-            <p:ph type="dt" sz="half" idx="10"/>
-          </p:nvPr>
-        </p:nvSpPr>
-        <p:spPr/>
-        <p:txBody>
-          <a:bodyPr/>
-          <a:lstStyle/>
-          <a:p>
-            <a:fld id="{0354AC25-B403-4A23-85BD-543AAB64ECF7}" type="datetimeFigureOut">
-              <a:rPr lang="en-US" smtClean="0"/>
-              <a:t>10/11/2022</a:t>
-            </a:fld>
-            <a:endParaRPr lang="en-US"/>
-          </a:p>
-        </p:txBody>
-      </p:sp>
-      <p:sp>
-        <p:nvSpPr>
-          <p:cNvPr id="5" name="Footer Placeholder 4"/>
-          <p:cNvSpPr>
-            <a:spLocks noGrp="1"/>
-          </p:cNvSpPr>
-          <p:nvPr>
-            <p:ph type="ftr" sz="quarter" idx="11"/>
-          </p:nvPr>
-        </p:nvSpPr>
-        <p:spPr/>
-        <p:txBody>
-          <a:bodyPr/>
-          <a:lstStyle/>
-          <a:p>
-            <a:endParaRPr lang="en-US"/>
-          </a:p>
-        </p:txBody>
-      </p:sp>
-      <p:sp>
-        <p:nvSpPr>
-          <p:cNvPr id="6" name="Slide Number Placeholder 5"/>
-          <p:cNvSpPr>
-            <a:spLocks noGrp="1"/>
-          </p:cNvSpPr>
-          <p:nvPr>
-            <p:ph type="sldNum" sz="quarter" idx="12"/>
-          </p:nvPr>
-        </p:nvSpPr>
-        <p:spPr/>
-        <p:txBody>
-          <a:bodyPr/>
-          <a:lstStyle/>
-          <a:p>
-            <a:fld id="{81FBEDE7-8D64-480B-9956-220C3845E471}" type="slidenum">
-              <a:rPr lang="en-US" smtClean="0"/>
-              <a:t>‹#›</a:t>
-            </a:fld>
-            <a:endParaRPr lang="en-US"/>
-          </a:p>
-        </p:txBody>
-      </p:sp>
-    </p:spTree>
-    <p:extLst>
-      <p:ext uri="{BB962C8B-B14F-4D97-AF65-F5344CB8AC3E}">
-        <p14:creationId xmlns:p14="http://schemas.microsoft.com/office/powerpoint/2010/main" val="1984234391"/>
-      </p:ext>
-    </p:extLst>
-  </p:cSld>
-  <p:clrMapOvr>
-    <a:masterClrMapping/>
-  </p:clrMapOvr>
-</p:sldLayout>
-</file>
-
-<file path=ppt/slideLayouts/slideLayout14.xml><?xml version="1.0" encoding="utf-8"?>
-<p:sldLayout xmlns:a="http://schemas.openxmlformats.org/drawingml/2006/main" xmlns:r="http://schemas.openxmlformats.org/officeDocument/2006/relationships" xmlns:p="http://schemas.openxmlformats.org/presentationml/2006/main" type="obj" preserve="1">
-  <p:cSld name="Title and Content">
-    <p:spTree>
-      <p:nvGrpSpPr>
-        <p:cNvPr id="1" name=""/>
-        <p:cNvGrpSpPr/>
-        <p:nvPr/>
-      </p:nvGrpSpPr>
-      <p:grpSpPr>
-        <a:xfrm>
-          <a:off x="0" y="0"/>
-          <a:ext cx="0" cy="0"/>
-          <a:chOff x="0" y="0"/>
-          <a:chExt cx="0" cy="0"/>
-        </a:xfrm>
-      </p:grpSpPr>
-      <p:sp>
-        <p:nvSpPr>
-          <p:cNvPr id="2" name="Title 1"/>
-          <p:cNvSpPr>
-            <a:spLocks noGrp="1"/>
-          </p:cNvSpPr>
-          <p:nvPr>
-            <p:ph type="title"/>
-          </p:nvPr>
-        </p:nvSpPr>
-        <p:spPr/>
-        <p:txBody>
-          <a:bodyPr/>
-          <a:lstStyle/>
-          <a:p>
-            <a:r>
-              <a:rPr lang="en-US" smtClean="0"/>
-              <a:t>Click to edit Master title style</a:t>
-            </a:r>
-            <a:endParaRPr lang="en-US"/>
-          </a:p>
-        </p:txBody>
-      </p:sp>
-      <p:sp>
-        <p:nvSpPr>
-          <p:cNvPr id="3" name="Content Placeholder 2"/>
-          <p:cNvSpPr>
-            <a:spLocks noGrp="1"/>
-          </p:cNvSpPr>
-          <p:nvPr>
-            <p:ph idx="1"/>
-          </p:nvPr>
-        </p:nvSpPr>
-        <p:spPr/>
-        <p:txBody>
-          <a:bodyPr/>
-          <a:lstStyle/>
-          <a:p>
-            <a:pPr lvl="0"/>
-            <a:r>
-              <a:rPr lang="en-US" smtClean="0"/>
-              <a:t>Edit Master text styles</a:t>
-            </a:r>
-          </a:p>
-          <a:p>
-            <a:pPr lvl="1"/>
-            <a:r>
-              <a:rPr lang="en-US" smtClean="0"/>
-              <a:t>Second level</a:t>
-            </a:r>
-          </a:p>
-          <a:p>
-            <a:pPr lvl="2"/>
-            <a:r>
-              <a:rPr lang="en-US" smtClean="0"/>
-              <a:t>Third level</a:t>
-            </a:r>
-          </a:p>
-          <a:p>
-            <a:pPr lvl="3"/>
-            <a:r>
-              <a:rPr lang="en-US" smtClean="0"/>
-              <a:t>Fourth level</a:t>
-            </a:r>
-          </a:p>
-          <a:p>
-            <a:pPr lvl="4"/>
-            <a:r>
-              <a:rPr lang="en-US" smtClean="0"/>
-              <a:t>Fifth level</a:t>
-            </a:r>
-            <a:endParaRPr lang="en-US"/>
-          </a:p>
-        </p:txBody>
-      </p:sp>
-      <p:sp>
-        <p:nvSpPr>
-          <p:cNvPr id="4" name="Date Placeholder 3"/>
-          <p:cNvSpPr>
-            <a:spLocks noGrp="1"/>
-          </p:cNvSpPr>
-          <p:nvPr>
-            <p:ph type="dt" sz="half" idx="10"/>
-          </p:nvPr>
-        </p:nvSpPr>
-        <p:spPr/>
-        <p:txBody>
-          <a:bodyPr/>
-          <a:lstStyle/>
-          <a:p>
-            <a:fld id="{0354AC25-B403-4A23-85BD-543AAB64ECF7}" type="datetimeFigureOut">
-              <a:rPr lang="en-US" smtClean="0"/>
-              <a:t>10/11/2022</a:t>
-            </a:fld>
-            <a:endParaRPr lang="en-US"/>
-          </a:p>
-        </p:txBody>
-      </p:sp>
-      <p:sp>
-        <p:nvSpPr>
-          <p:cNvPr id="5" name="Footer Placeholder 4"/>
-          <p:cNvSpPr>
-            <a:spLocks noGrp="1"/>
-          </p:cNvSpPr>
-          <p:nvPr>
-            <p:ph type="ftr" sz="quarter" idx="11"/>
-          </p:nvPr>
-        </p:nvSpPr>
-        <p:spPr/>
-        <p:txBody>
-          <a:bodyPr/>
-          <a:lstStyle/>
-          <a:p>
-            <a:endParaRPr lang="en-US"/>
-          </a:p>
-        </p:txBody>
-      </p:sp>
-      <p:sp>
-        <p:nvSpPr>
-          <p:cNvPr id="6" name="Slide Number Placeholder 5"/>
-          <p:cNvSpPr>
-            <a:spLocks noGrp="1"/>
-          </p:cNvSpPr>
-          <p:nvPr>
-            <p:ph type="sldNum" sz="quarter" idx="12"/>
-          </p:nvPr>
-        </p:nvSpPr>
-        <p:spPr/>
-        <p:txBody>
-          <a:bodyPr/>
-          <a:lstStyle/>
-          <a:p>
-            <a:fld id="{81FBEDE7-8D64-480B-9956-220C3845E471}" type="slidenum">
-              <a:rPr lang="en-US" smtClean="0"/>
-              <a:t>‹#›</a:t>
-            </a:fld>
-            <a:endParaRPr lang="en-US"/>
-          </a:p>
-        </p:txBody>
-      </p:sp>
-    </p:spTree>
-    <p:extLst>
-      <p:ext uri="{BB962C8B-B14F-4D97-AF65-F5344CB8AC3E}">
-        <p14:creationId xmlns:p14="http://schemas.microsoft.com/office/powerpoint/2010/main" val="1938948547"/>
-      </p:ext>
-    </p:extLst>
-  </p:cSld>
-  <p:clrMapOvr>
-    <a:masterClrMapping/>
-  </p:clrMapOvr>
-</p:sldLayout>
-</file>
-
-<file path=ppt/slideLayouts/slideLayout15.xml><?xml version="1.0" encoding="utf-8"?>
-<p:sldLayout xmlns:a="http://schemas.openxmlformats.org/drawingml/2006/main" xmlns:r="http://schemas.openxmlformats.org/officeDocument/2006/relationships" xmlns:p="http://schemas.openxmlformats.org/presentationml/2006/main" type="secHead" preserve="1">
-  <p:cSld name="Section Header">
-    <p:spTree>
-      <p:nvGrpSpPr>
-        <p:cNvPr id="1" name=""/>
-        <p:cNvGrpSpPr/>
-        <p:nvPr/>
-      </p:nvGrpSpPr>
-      <p:grpSpPr>
-        <a:xfrm>
-          <a:off x="0" y="0"/>
-          <a:ext cx="0" cy="0"/>
-          <a:chOff x="0" y="0"/>
-          <a:chExt cx="0" cy="0"/>
-        </a:xfrm>
-      </p:grpSpPr>
-      <p:sp>
-        <p:nvSpPr>
-          <p:cNvPr id="2" name="Title 1"/>
-          <p:cNvSpPr>
-            <a:spLocks noGrp="1"/>
-          </p:cNvSpPr>
-          <p:nvPr>
-            <p:ph type="title"/>
-          </p:nvPr>
-        </p:nvSpPr>
-        <p:spPr>
-          <a:xfrm>
-            <a:off x="831850" y="1709738"/>
-            <a:ext cx="10515600" cy="2852737"/>
-          </a:xfrm>
-        </p:spPr>
-        <p:txBody>
-          <a:bodyPr anchor="b"/>
-          <a:lstStyle>
-            <a:lvl1pPr>
-              <a:defRPr sz="6000"/>
-            </a:lvl1pPr>
-          </a:lstStyle>
-          <a:p>
-            <a:r>
-              <a:rPr lang="en-US" smtClean="0"/>
-              <a:t>Click to edit Master title style</a:t>
-            </a:r>
-            <a:endParaRPr lang="en-US"/>
-          </a:p>
-        </p:txBody>
-      </p:sp>
-      <p:sp>
-        <p:nvSpPr>
-          <p:cNvPr id="3" name="Text Placeholder 2"/>
-          <p:cNvSpPr>
-            <a:spLocks noGrp="1"/>
-          </p:cNvSpPr>
-          <p:nvPr>
-            <p:ph type="body" idx="1"/>
-          </p:nvPr>
-        </p:nvSpPr>
-        <p:spPr>
-          <a:xfrm>
-            <a:off x="831850" y="4589463"/>
-            <a:ext cx="10515600" cy="1500187"/>
-          </a:xfrm>
-        </p:spPr>
-        <p:txBody>
-          <a:bodyPr/>
-          <a:lstStyle>
-            <a:lvl1pPr marL="0" indent="0">
-              <a:buNone/>
-              <a:defRPr sz="2400">
-                <a:solidFill>
-                  <a:schemeClr val="tx1">
-                    <a:tint val="75000"/>
-                  </a:schemeClr>
-                </a:solidFill>
-              </a:defRPr>
-            </a:lvl1pPr>
-            <a:lvl2pPr marL="457200" indent="0">
-              <a:buNone/>
-              <a:defRPr sz="2000">
-                <a:solidFill>
-                  <a:schemeClr val="tx1">
-                    <a:tint val="75000"/>
-                  </a:schemeClr>
-                </a:solidFill>
-              </a:defRPr>
-            </a:lvl2pPr>
-            <a:lvl3pPr marL="914400" indent="0">
-              <a:buNone/>
-              <a:defRPr sz="1800">
-                <a:solidFill>
-                  <a:schemeClr val="tx1">
-                    <a:tint val="75000"/>
-                  </a:schemeClr>
-                </a:solidFill>
-              </a:defRPr>
-            </a:lvl3pPr>
-            <a:lvl4pPr marL="1371600" indent="0">
-              <a:buNone/>
-              <a:defRPr sz="1600">
-                <a:solidFill>
-                  <a:schemeClr val="tx1">
-                    <a:tint val="75000"/>
-                  </a:schemeClr>
-                </a:solidFill>
-              </a:defRPr>
-            </a:lvl4pPr>
-            <a:lvl5pPr marL="1828800" indent="0">
-              <a:buNone/>
-              <a:defRPr sz="1600">
-                <a:solidFill>
-                  <a:schemeClr val="tx1">
-                    <a:tint val="75000"/>
-                  </a:schemeClr>
-                </a:solidFill>
-              </a:defRPr>
-            </a:lvl5pPr>
-            <a:lvl6pPr marL="2286000" indent="0">
-              <a:buNone/>
-              <a:defRPr sz="1600">
-                <a:solidFill>
-                  <a:schemeClr val="tx1">
-                    <a:tint val="75000"/>
-                  </a:schemeClr>
-                </a:solidFill>
-              </a:defRPr>
-            </a:lvl6pPr>
-            <a:lvl7pPr marL="2743200" indent="0">
-              <a:buNone/>
-              <a:defRPr sz="1600">
-                <a:solidFill>
-                  <a:schemeClr val="tx1">
-                    <a:tint val="75000"/>
-                  </a:schemeClr>
-                </a:solidFill>
-              </a:defRPr>
-            </a:lvl7pPr>
-            <a:lvl8pPr marL="3200400" indent="0">
-              <a:buNone/>
-              <a:defRPr sz="1600">
-                <a:solidFill>
-                  <a:schemeClr val="tx1">
-                    <a:tint val="75000"/>
-                  </a:schemeClr>
-                </a:solidFill>
-              </a:defRPr>
-            </a:lvl8pPr>
-            <a:lvl9pPr marL="3657600" indent="0">
-              <a:buNone/>
-              <a:defRPr sz="1600">
-                <a:solidFill>
-                  <a:schemeClr val="tx1">
-                    <a:tint val="75000"/>
-                  </a:schemeClr>
-                </a:solidFill>
-              </a:defRPr>
-            </a:lvl9pPr>
-          </a:lstStyle>
-          <a:p>
-            <a:pPr lvl="0"/>
-            <a:r>
-              <a:rPr lang="en-US" smtClean="0"/>
-              <a:t>Edit Master text styles</a:t>
-            </a:r>
-          </a:p>
-        </p:txBody>
-      </p:sp>
-      <p:sp>
-        <p:nvSpPr>
-          <p:cNvPr id="4" name="Date Placeholder 3"/>
-          <p:cNvSpPr>
-            <a:spLocks noGrp="1"/>
-          </p:cNvSpPr>
-          <p:nvPr>
-            <p:ph type="dt" sz="half" idx="10"/>
-          </p:nvPr>
-        </p:nvSpPr>
-        <p:spPr/>
-        <p:txBody>
-          <a:bodyPr/>
-          <a:lstStyle/>
-          <a:p>
-            <a:fld id="{0354AC25-B403-4A23-85BD-543AAB64ECF7}" type="datetimeFigureOut">
-              <a:rPr lang="en-US" smtClean="0"/>
-              <a:t>10/11/2022</a:t>
-            </a:fld>
-            <a:endParaRPr lang="en-US"/>
-          </a:p>
-        </p:txBody>
-      </p:sp>
-      <p:sp>
-        <p:nvSpPr>
-          <p:cNvPr id="5" name="Footer Placeholder 4"/>
-          <p:cNvSpPr>
-            <a:spLocks noGrp="1"/>
-          </p:cNvSpPr>
-          <p:nvPr>
-            <p:ph type="ftr" sz="quarter" idx="11"/>
-          </p:nvPr>
-        </p:nvSpPr>
-        <p:spPr/>
-        <p:txBody>
-          <a:bodyPr/>
-          <a:lstStyle/>
-          <a:p>
-            <a:endParaRPr lang="en-US"/>
-          </a:p>
-        </p:txBody>
-      </p:sp>
-      <p:sp>
-        <p:nvSpPr>
-          <p:cNvPr id="6" name="Slide Number Placeholder 5"/>
-          <p:cNvSpPr>
-            <a:spLocks noGrp="1"/>
-          </p:cNvSpPr>
-          <p:nvPr>
-            <p:ph type="sldNum" sz="quarter" idx="12"/>
-          </p:nvPr>
-        </p:nvSpPr>
-        <p:spPr/>
-        <p:txBody>
-          <a:bodyPr/>
-          <a:lstStyle/>
-          <a:p>
-            <a:fld id="{81FBEDE7-8D64-480B-9956-220C3845E471}" type="slidenum">
-              <a:rPr lang="en-US" smtClean="0"/>
-              <a:t>‹#›</a:t>
-            </a:fld>
-            <a:endParaRPr lang="en-US"/>
-          </a:p>
-        </p:txBody>
-      </p:sp>
-    </p:spTree>
-    <p:extLst>
-      <p:ext uri="{BB962C8B-B14F-4D97-AF65-F5344CB8AC3E}">
-        <p14:creationId xmlns:p14="http://schemas.microsoft.com/office/powerpoint/2010/main" val="2920562576"/>
-      </p:ext>
-    </p:extLst>
-  </p:cSld>
-  <p:clrMapOvr>
-    <a:masterClrMapping/>
-  </p:clrMapOvr>
-</p:sldLayout>
-</file>
-
-<file path=ppt/slideLayouts/slideLayout16.xml><?xml version="1.0" encoding="utf-8"?>
-<p:sldLayout xmlns:a="http://schemas.openxmlformats.org/drawingml/2006/main" xmlns:r="http://schemas.openxmlformats.org/officeDocument/2006/relationships" xmlns:p="http://schemas.openxmlformats.org/presentationml/2006/main" type="twoObj" preserve="1">
-  <p:cSld name="Two Content">
-    <p:spTree>
-      <p:nvGrpSpPr>
-        <p:cNvPr id="1" name=""/>
-        <p:cNvGrpSpPr/>
-        <p:nvPr/>
-      </p:nvGrpSpPr>
-      <p:grpSpPr>
-        <a:xfrm>
-          <a:off x="0" y="0"/>
-          <a:ext cx="0" cy="0"/>
-          <a:chOff x="0" y="0"/>
-          <a:chExt cx="0" cy="0"/>
-        </a:xfrm>
-      </p:grpSpPr>
-      <p:sp>
-        <p:nvSpPr>
-          <p:cNvPr id="2" name="Title 1"/>
-          <p:cNvSpPr>
-            <a:spLocks noGrp="1"/>
-          </p:cNvSpPr>
-          <p:nvPr>
-            <p:ph type="title"/>
-          </p:nvPr>
-        </p:nvSpPr>
-        <p:spPr/>
-        <p:txBody>
-          <a:bodyPr/>
-          <a:lstStyle/>
-          <a:p>
-            <a:r>
-              <a:rPr lang="en-US" smtClean="0"/>
-              <a:t>Click to edit Master title style</a:t>
-            </a:r>
-            <a:endParaRPr lang="en-US"/>
-          </a:p>
-        </p:txBody>
-      </p:sp>
-      <p:sp>
-        <p:nvSpPr>
-          <p:cNvPr id="3" name="Content Placeholder 2"/>
-          <p:cNvSpPr>
-            <a:spLocks noGrp="1"/>
-          </p:cNvSpPr>
-          <p:nvPr>
-            <p:ph sz="half" idx="1"/>
-          </p:nvPr>
-        </p:nvSpPr>
-        <p:spPr>
-          <a:xfrm>
-            <a:off x="838200" y="1825625"/>
-            <a:ext cx="5181600" cy="4351338"/>
-          </a:xfrm>
-        </p:spPr>
-        <p:txBody>
-          <a:bodyPr/>
-          <a:lstStyle/>
-          <a:p>
-            <a:pPr lvl="0"/>
-            <a:r>
-              <a:rPr lang="en-US" smtClean="0"/>
-              <a:t>Edit Master text styles</a:t>
-            </a:r>
-          </a:p>
-          <a:p>
-            <a:pPr lvl="1"/>
-            <a:r>
-              <a:rPr lang="en-US" smtClean="0"/>
-              <a:t>Second level</a:t>
-            </a:r>
-          </a:p>
-          <a:p>
-            <a:pPr lvl="2"/>
-            <a:r>
-              <a:rPr lang="en-US" smtClean="0"/>
-              <a:t>Third level</a:t>
-            </a:r>
-          </a:p>
-          <a:p>
-            <a:pPr lvl="3"/>
-            <a:r>
-              <a:rPr lang="en-US" smtClean="0"/>
-              <a:t>Fourth level</a:t>
-            </a:r>
-          </a:p>
-          <a:p>
-            <a:pPr lvl="4"/>
-            <a:r>
-              <a:rPr lang="en-US" smtClean="0"/>
-              <a:t>Fifth level</a:t>
-            </a:r>
-            <a:endParaRPr lang="en-US"/>
-          </a:p>
-        </p:txBody>
-      </p:sp>
-      <p:sp>
-        <p:nvSpPr>
-          <p:cNvPr id="4" name="Content Placeholder 3"/>
-          <p:cNvSpPr>
-            <a:spLocks noGrp="1"/>
-          </p:cNvSpPr>
-          <p:nvPr>
-            <p:ph sz="half" idx="2"/>
-          </p:nvPr>
-        </p:nvSpPr>
-        <p:spPr>
-          <a:xfrm>
-            <a:off x="6172200" y="1825625"/>
-            <a:ext cx="5181600" cy="4351338"/>
-          </a:xfrm>
-        </p:spPr>
-        <p:txBody>
-          <a:bodyPr/>
-          <a:lstStyle/>
-          <a:p>
-            <a:pPr lvl="0"/>
-            <a:r>
-              <a:rPr lang="en-US" smtClean="0"/>
-              <a:t>Edit Master text styles</a:t>
-            </a:r>
-          </a:p>
-          <a:p>
-            <a:pPr lvl="1"/>
-            <a:r>
-              <a:rPr lang="en-US" smtClean="0"/>
-              <a:t>Second level</a:t>
-            </a:r>
-          </a:p>
-          <a:p>
-            <a:pPr lvl="2"/>
-            <a:r>
-              <a:rPr lang="en-US" smtClean="0"/>
-              <a:t>Third level</a:t>
-            </a:r>
-          </a:p>
-          <a:p>
-            <a:pPr lvl="3"/>
-            <a:r>
-              <a:rPr lang="en-US" smtClean="0"/>
-              <a:t>Fourth level</a:t>
-            </a:r>
-          </a:p>
-          <a:p>
-            <a:pPr lvl="4"/>
-            <a:r>
-              <a:rPr lang="en-US" smtClean="0"/>
-              <a:t>Fifth level</a:t>
-            </a:r>
-            <a:endParaRPr lang="en-US"/>
-          </a:p>
-        </p:txBody>
-      </p:sp>
-      <p:sp>
-        <p:nvSpPr>
-          <p:cNvPr id="5" name="Date Placeholder 4"/>
-          <p:cNvSpPr>
-            <a:spLocks noGrp="1"/>
-          </p:cNvSpPr>
-          <p:nvPr>
-            <p:ph type="dt" sz="half" idx="10"/>
-          </p:nvPr>
-        </p:nvSpPr>
-        <p:spPr/>
-        <p:txBody>
-          <a:bodyPr/>
-          <a:lstStyle/>
-          <a:p>
-            <a:fld id="{0354AC25-B403-4A23-85BD-543AAB64ECF7}" type="datetimeFigureOut">
-              <a:rPr lang="en-US" smtClean="0"/>
-              <a:t>10/11/2022</a:t>
-            </a:fld>
-            <a:endParaRPr lang="en-US"/>
-          </a:p>
-        </p:txBody>
-      </p:sp>
-      <p:sp>
-        <p:nvSpPr>
-          <p:cNvPr id="6" name="Footer Placeholder 5"/>
-          <p:cNvSpPr>
-            <a:spLocks noGrp="1"/>
-          </p:cNvSpPr>
-          <p:nvPr>
-            <p:ph type="ftr" sz="quarter" idx="11"/>
-          </p:nvPr>
-        </p:nvSpPr>
-        <p:spPr/>
-        <p:txBody>
-          <a:bodyPr/>
-          <a:lstStyle/>
-          <a:p>
-            <a:endParaRPr lang="en-US"/>
-          </a:p>
-        </p:txBody>
-      </p:sp>
-      <p:sp>
-        <p:nvSpPr>
-          <p:cNvPr id="7" name="Slide Number Placeholder 6"/>
-          <p:cNvSpPr>
-            <a:spLocks noGrp="1"/>
-          </p:cNvSpPr>
-          <p:nvPr>
-            <p:ph type="sldNum" sz="quarter" idx="12"/>
-          </p:nvPr>
-        </p:nvSpPr>
-        <p:spPr/>
-        <p:txBody>
-          <a:bodyPr/>
-          <a:lstStyle/>
-          <a:p>
-            <a:fld id="{81FBEDE7-8D64-480B-9956-220C3845E471}" type="slidenum">
-              <a:rPr lang="en-US" smtClean="0"/>
-              <a:t>‹#›</a:t>
-            </a:fld>
-            <a:endParaRPr lang="en-US"/>
-          </a:p>
-        </p:txBody>
-      </p:sp>
-    </p:spTree>
-    <p:extLst>
-      <p:ext uri="{BB962C8B-B14F-4D97-AF65-F5344CB8AC3E}">
-        <p14:creationId xmlns:p14="http://schemas.microsoft.com/office/powerpoint/2010/main" val="3077708943"/>
-      </p:ext>
-    </p:extLst>
-  </p:cSld>
-  <p:clrMapOvr>
-    <a:masterClrMapping/>
-  </p:clrMapOvr>
-</p:sldLayout>
-</file>
-
-<file path=ppt/slideLayouts/slideLayout17.xml><?xml version="1.0" encoding="utf-8"?>
-<p:sldLayout xmlns:a="http://schemas.openxmlformats.org/drawingml/2006/main" xmlns:r="http://schemas.openxmlformats.org/officeDocument/2006/relationships" xmlns:p="http://schemas.openxmlformats.org/presentationml/2006/main" type="twoTxTwoObj" preserve="1">
-  <p:cSld name="Comparison">
-    <p:spTree>
-      <p:nvGrpSpPr>
-        <p:cNvPr id="1" name=""/>
-        <p:cNvGrpSpPr/>
-        <p:nvPr/>
-      </p:nvGrpSpPr>
-      <p:grpSpPr>
-        <a:xfrm>
-          <a:off x="0" y="0"/>
-          <a:ext cx="0" cy="0"/>
-          <a:chOff x="0" y="0"/>
-          <a:chExt cx="0" cy="0"/>
-        </a:xfrm>
-      </p:grpSpPr>
-      <p:sp>
-        <p:nvSpPr>
-          <p:cNvPr id="2" name="Title 1"/>
-          <p:cNvSpPr>
-            <a:spLocks noGrp="1"/>
-          </p:cNvSpPr>
-          <p:nvPr>
-            <p:ph type="title"/>
-          </p:nvPr>
-        </p:nvSpPr>
-        <p:spPr>
-          <a:xfrm>
-            <a:off x="839788" y="365125"/>
-            <a:ext cx="10515600" cy="1325563"/>
-          </a:xfrm>
-        </p:spPr>
-        <p:txBody>
-          <a:bodyPr/>
-          <a:lstStyle/>
-          <a:p>
-            <a:r>
-              <a:rPr lang="en-US" smtClean="0"/>
-              <a:t>Click to edit Master title style</a:t>
-            </a:r>
-            <a:endParaRPr lang="en-US"/>
-          </a:p>
-        </p:txBody>
-      </p:sp>
-      <p:sp>
-        <p:nvSpPr>
-          <p:cNvPr id="3" name="Text Placeholder 2"/>
-          <p:cNvSpPr>
-            <a:spLocks noGrp="1"/>
-          </p:cNvSpPr>
-          <p:nvPr>
-            <p:ph type="body" idx="1"/>
-          </p:nvPr>
-        </p:nvSpPr>
-        <p:spPr>
-          <a:xfrm>
-            <a:off x="839788" y="1681163"/>
-            <a:ext cx="5157787" cy="823912"/>
-          </a:xfrm>
-        </p:spPr>
-        <p:txBody>
-          <a:bodyPr anchor="b"/>
-          <a:lstStyle>
-            <a:lvl1pPr marL="0" indent="0">
-              <a:buNone/>
-              <a:defRPr sz="2400" b="1"/>
-            </a:lvl1pPr>
-            <a:lvl2pPr marL="457200" indent="0">
-              <a:buNone/>
-              <a:defRPr sz="2000" b="1"/>
-            </a:lvl2pPr>
-            <a:lvl3pPr marL="914400" indent="0">
-              <a:buNone/>
-              <a:defRPr sz="1800" b="1"/>
-            </a:lvl3pPr>
-            <a:lvl4pPr marL="1371600" indent="0">
-              <a:buNone/>
-              <a:defRPr sz="1600" b="1"/>
-            </a:lvl4pPr>
-            <a:lvl5pPr marL="1828800" indent="0">
-              <a:buNone/>
-              <a:defRPr sz="1600" b="1"/>
-            </a:lvl5pPr>
-            <a:lvl6pPr marL="2286000" indent="0">
-              <a:buNone/>
-              <a:defRPr sz="1600" b="1"/>
-            </a:lvl6pPr>
-            <a:lvl7pPr marL="2743200" indent="0">
-              <a:buNone/>
-              <a:defRPr sz="1600" b="1"/>
-            </a:lvl7pPr>
-            <a:lvl8pPr marL="3200400" indent="0">
-              <a:buNone/>
-              <a:defRPr sz="1600" b="1"/>
-            </a:lvl8pPr>
-            <a:lvl9pPr marL="3657600" indent="0">
-              <a:buNone/>
-              <a:defRPr sz="1600" b="1"/>
-            </a:lvl9pPr>
-          </a:lstStyle>
-          <a:p>
-            <a:pPr lvl="0"/>
-            <a:r>
-              <a:rPr lang="en-US" smtClean="0"/>
-              <a:t>Edit Master text styles</a:t>
-            </a:r>
-          </a:p>
-        </p:txBody>
-      </p:sp>
-      <p:sp>
-        <p:nvSpPr>
-          <p:cNvPr id="4" name="Content Placeholder 3"/>
-          <p:cNvSpPr>
-            <a:spLocks noGrp="1"/>
-          </p:cNvSpPr>
-          <p:nvPr>
-            <p:ph sz="half" idx="2"/>
-          </p:nvPr>
-        </p:nvSpPr>
-        <p:spPr>
-          <a:xfrm>
-            <a:off x="839788" y="2505075"/>
-            <a:ext cx="5157787" cy="3684588"/>
-          </a:xfrm>
-        </p:spPr>
-        <p:txBody>
-          <a:bodyPr/>
-          <a:lstStyle/>
-          <a:p>
-            <a:pPr lvl="0"/>
-            <a:r>
-              <a:rPr lang="en-US" smtClean="0"/>
-              <a:t>Edit Master text styles</a:t>
-            </a:r>
-          </a:p>
-          <a:p>
-            <a:pPr lvl="1"/>
-            <a:r>
-              <a:rPr lang="en-US" smtClean="0"/>
-              <a:t>Second level</a:t>
-            </a:r>
-          </a:p>
-          <a:p>
-            <a:pPr lvl="2"/>
-            <a:r>
-              <a:rPr lang="en-US" smtClean="0"/>
-              <a:t>Third level</a:t>
-            </a:r>
-          </a:p>
-          <a:p>
-            <a:pPr lvl="3"/>
-            <a:r>
-              <a:rPr lang="en-US" smtClean="0"/>
-              <a:t>Fourth level</a:t>
-            </a:r>
-          </a:p>
-          <a:p>
-            <a:pPr lvl="4"/>
-            <a:r>
-              <a:rPr lang="en-US" smtClean="0"/>
-              <a:t>Fifth level</a:t>
-            </a:r>
-            <a:endParaRPr lang="en-US"/>
-          </a:p>
-        </p:txBody>
-      </p:sp>
-      <p:sp>
-        <p:nvSpPr>
-          <p:cNvPr id="5" name="Text Placeholder 4"/>
-          <p:cNvSpPr>
-            <a:spLocks noGrp="1"/>
-          </p:cNvSpPr>
-          <p:nvPr>
-            <p:ph type="body" sz="quarter" idx="3"/>
-          </p:nvPr>
-        </p:nvSpPr>
-        <p:spPr>
-          <a:xfrm>
-            <a:off x="6172200" y="1681163"/>
-            <a:ext cx="5183188" cy="823912"/>
-          </a:xfrm>
-        </p:spPr>
-        <p:txBody>
-          <a:bodyPr anchor="b"/>
-          <a:lstStyle>
-            <a:lvl1pPr marL="0" indent="0">
-              <a:buNone/>
-              <a:defRPr sz="2400" b="1"/>
-            </a:lvl1pPr>
-            <a:lvl2pPr marL="457200" indent="0">
-              <a:buNone/>
-              <a:defRPr sz="2000" b="1"/>
-            </a:lvl2pPr>
-            <a:lvl3pPr marL="914400" indent="0">
-              <a:buNone/>
-              <a:defRPr sz="1800" b="1"/>
-            </a:lvl3pPr>
-            <a:lvl4pPr marL="1371600" indent="0">
-              <a:buNone/>
-              <a:defRPr sz="1600" b="1"/>
-            </a:lvl4pPr>
-            <a:lvl5pPr marL="1828800" indent="0">
-              <a:buNone/>
-              <a:defRPr sz="1600" b="1"/>
-            </a:lvl5pPr>
-            <a:lvl6pPr marL="2286000" indent="0">
-              <a:buNone/>
-              <a:defRPr sz="1600" b="1"/>
-            </a:lvl6pPr>
-            <a:lvl7pPr marL="2743200" indent="0">
-              <a:buNone/>
-              <a:defRPr sz="1600" b="1"/>
-            </a:lvl7pPr>
-            <a:lvl8pPr marL="3200400" indent="0">
-              <a:buNone/>
-              <a:defRPr sz="1600" b="1"/>
-            </a:lvl8pPr>
-            <a:lvl9pPr marL="3657600" indent="0">
-              <a:buNone/>
-              <a:defRPr sz="1600" b="1"/>
-            </a:lvl9pPr>
-          </a:lstStyle>
-          <a:p>
-            <a:pPr lvl="0"/>
-            <a:r>
-              <a:rPr lang="en-US" smtClean="0"/>
-              <a:t>Edit Master text styles</a:t>
-            </a:r>
-          </a:p>
-        </p:txBody>
-      </p:sp>
-      <p:sp>
-        <p:nvSpPr>
-          <p:cNvPr id="6" name="Content Placeholder 5"/>
-          <p:cNvSpPr>
-            <a:spLocks noGrp="1"/>
-          </p:cNvSpPr>
-          <p:nvPr>
-            <p:ph sz="quarter" idx="4"/>
-          </p:nvPr>
-        </p:nvSpPr>
-        <p:spPr>
-          <a:xfrm>
-            <a:off x="6172200" y="2505075"/>
-            <a:ext cx="5183188" cy="3684588"/>
-          </a:xfrm>
-        </p:spPr>
-        <p:txBody>
-          <a:bodyPr/>
-          <a:lstStyle/>
-          <a:p>
-            <a:pPr lvl="0"/>
-            <a:r>
-              <a:rPr lang="en-US" smtClean="0"/>
-              <a:t>Edit Master text styles</a:t>
-            </a:r>
-          </a:p>
-          <a:p>
-            <a:pPr lvl="1"/>
-            <a:r>
-              <a:rPr lang="en-US" smtClean="0"/>
-              <a:t>Second level</a:t>
-            </a:r>
-          </a:p>
-          <a:p>
-            <a:pPr lvl="2"/>
-            <a:r>
-              <a:rPr lang="en-US" smtClean="0"/>
-              <a:t>Third level</a:t>
-            </a:r>
-          </a:p>
-          <a:p>
-            <a:pPr lvl="3"/>
-            <a:r>
-              <a:rPr lang="en-US" smtClean="0"/>
-              <a:t>Fourth level</a:t>
-            </a:r>
-          </a:p>
-          <a:p>
-            <a:pPr lvl="4"/>
-            <a:r>
-              <a:rPr lang="en-US" smtClean="0"/>
-              <a:t>Fifth level</a:t>
-            </a:r>
-            <a:endParaRPr lang="en-US"/>
-          </a:p>
-        </p:txBody>
-      </p:sp>
-      <p:sp>
-        <p:nvSpPr>
-          <p:cNvPr id="7" name="Date Placeholder 6"/>
-          <p:cNvSpPr>
-            <a:spLocks noGrp="1"/>
-          </p:cNvSpPr>
-          <p:nvPr>
-            <p:ph type="dt" sz="half" idx="10"/>
-          </p:nvPr>
-        </p:nvSpPr>
-        <p:spPr/>
-        <p:txBody>
-          <a:bodyPr/>
-          <a:lstStyle/>
-          <a:p>
-            <a:fld id="{0354AC25-B403-4A23-85BD-543AAB64ECF7}" type="datetimeFigureOut">
-              <a:rPr lang="en-US" smtClean="0"/>
-              <a:t>10/11/2022</a:t>
-            </a:fld>
-            <a:endParaRPr lang="en-US"/>
-          </a:p>
-        </p:txBody>
-      </p:sp>
-      <p:sp>
-        <p:nvSpPr>
-          <p:cNvPr id="8" name="Footer Placeholder 7"/>
-          <p:cNvSpPr>
-            <a:spLocks noGrp="1"/>
-          </p:cNvSpPr>
-          <p:nvPr>
-            <p:ph type="ftr" sz="quarter" idx="11"/>
-          </p:nvPr>
-        </p:nvSpPr>
-        <p:spPr/>
-        <p:txBody>
-          <a:bodyPr/>
-          <a:lstStyle/>
-          <a:p>
-            <a:endParaRPr lang="en-US"/>
-          </a:p>
-        </p:txBody>
-      </p:sp>
-      <p:sp>
-        <p:nvSpPr>
-          <p:cNvPr id="9" name="Slide Number Placeholder 8"/>
-          <p:cNvSpPr>
-            <a:spLocks noGrp="1"/>
-          </p:cNvSpPr>
-          <p:nvPr>
-            <p:ph type="sldNum" sz="quarter" idx="12"/>
-          </p:nvPr>
-        </p:nvSpPr>
-        <p:spPr/>
-        <p:txBody>
-          <a:bodyPr/>
-          <a:lstStyle/>
-          <a:p>
-            <a:fld id="{81FBEDE7-8D64-480B-9956-220C3845E471}" type="slidenum">
-              <a:rPr lang="en-US" smtClean="0"/>
-              <a:t>‹#›</a:t>
-            </a:fld>
-            <a:endParaRPr lang="en-US"/>
-          </a:p>
-        </p:txBody>
-      </p:sp>
-    </p:spTree>
-    <p:extLst>
-      <p:ext uri="{BB962C8B-B14F-4D97-AF65-F5344CB8AC3E}">
-        <p14:creationId xmlns:p14="http://schemas.microsoft.com/office/powerpoint/2010/main" val="2675867850"/>
-      </p:ext>
-    </p:extLst>
-  </p:cSld>
-  <p:clrMapOvr>
-    <a:masterClrMapping/>
-  </p:clrMapOvr>
-</p:sldLayout>
-</file>
-
-<file path=ppt/slideLayouts/slideLayout18.xml><?xml version="1.0" encoding="utf-8"?>
-<p:sldLayout xmlns:a="http://schemas.openxmlformats.org/drawingml/2006/main" xmlns:r="http://schemas.openxmlformats.org/officeDocument/2006/relationships" xmlns:p="http://schemas.openxmlformats.org/presentationml/2006/main" type="titleOnly" preserve="1">
-  <p:cSld name="Title Only">
-    <p:spTree>
-      <p:nvGrpSpPr>
-        <p:cNvPr id="1" name=""/>
-        <p:cNvGrpSpPr/>
-        <p:nvPr/>
-      </p:nvGrpSpPr>
-      <p:grpSpPr>
-        <a:xfrm>
-          <a:off x="0" y="0"/>
-          <a:ext cx="0" cy="0"/>
-          <a:chOff x="0" y="0"/>
-          <a:chExt cx="0" cy="0"/>
-        </a:xfrm>
-      </p:grpSpPr>
-      <p:sp>
-        <p:nvSpPr>
-          <p:cNvPr id="2" name="Title 1"/>
-          <p:cNvSpPr>
-            <a:spLocks noGrp="1"/>
-          </p:cNvSpPr>
-          <p:nvPr>
-            <p:ph type="title"/>
-          </p:nvPr>
-        </p:nvSpPr>
-        <p:spPr/>
-        <p:txBody>
-          <a:bodyPr/>
-          <a:lstStyle/>
-          <a:p>
-            <a:r>
-              <a:rPr lang="en-US" smtClean="0"/>
-              <a:t>Click to edit Master title style</a:t>
-            </a:r>
-            <a:endParaRPr lang="en-US"/>
-          </a:p>
-        </p:txBody>
-      </p:sp>
-      <p:sp>
-        <p:nvSpPr>
-          <p:cNvPr id="3" name="Date Placeholder 2"/>
-          <p:cNvSpPr>
-            <a:spLocks noGrp="1"/>
-          </p:cNvSpPr>
-          <p:nvPr>
-            <p:ph type="dt" sz="half" idx="10"/>
-          </p:nvPr>
-        </p:nvSpPr>
-        <p:spPr/>
-        <p:txBody>
-          <a:bodyPr/>
-          <a:lstStyle/>
-          <a:p>
-            <a:fld id="{0354AC25-B403-4A23-85BD-543AAB64ECF7}" type="datetimeFigureOut">
-              <a:rPr lang="en-US" smtClean="0"/>
-              <a:t>10/11/2022</a:t>
-            </a:fld>
-            <a:endParaRPr lang="en-US"/>
-          </a:p>
-        </p:txBody>
-      </p:sp>
-      <p:sp>
-        <p:nvSpPr>
-          <p:cNvPr id="4" name="Footer Placeholder 3"/>
-          <p:cNvSpPr>
-            <a:spLocks noGrp="1"/>
-          </p:cNvSpPr>
-          <p:nvPr>
-            <p:ph type="ftr" sz="quarter" idx="11"/>
-          </p:nvPr>
-        </p:nvSpPr>
-        <p:spPr/>
-        <p:txBody>
-          <a:bodyPr/>
-          <a:lstStyle/>
-          <a:p>
-            <a:endParaRPr lang="en-US"/>
-          </a:p>
-        </p:txBody>
-      </p:sp>
-      <p:sp>
-        <p:nvSpPr>
-          <p:cNvPr id="5" name="Slide Number Placeholder 4"/>
-          <p:cNvSpPr>
-            <a:spLocks noGrp="1"/>
-          </p:cNvSpPr>
-          <p:nvPr>
-            <p:ph type="sldNum" sz="quarter" idx="12"/>
-          </p:nvPr>
-        </p:nvSpPr>
-        <p:spPr/>
-        <p:txBody>
-          <a:bodyPr/>
-          <a:lstStyle/>
-          <a:p>
-            <a:fld id="{81FBEDE7-8D64-480B-9956-220C3845E471}" type="slidenum">
-              <a:rPr lang="en-US" smtClean="0"/>
-              <a:t>‹#›</a:t>
-            </a:fld>
-            <a:endParaRPr lang="en-US"/>
-          </a:p>
-        </p:txBody>
-      </p:sp>
-    </p:spTree>
-    <p:extLst>
-      <p:ext uri="{BB962C8B-B14F-4D97-AF65-F5344CB8AC3E}">
-        <p14:creationId xmlns:p14="http://schemas.microsoft.com/office/powerpoint/2010/main" val="622845259"/>
-      </p:ext>
-    </p:extLst>
-  </p:cSld>
-  <p:clrMapOvr>
-    <a:masterClrMapping/>
-  </p:clrMapOvr>
-</p:sldLayout>
-</file>
-
-<file path=ppt/slideLayouts/slideLayout19.xml><?xml version="1.0" encoding="utf-8"?>
 <p:sldLayout xmlns:a="http://schemas.openxmlformats.org/drawingml/2006/main" xmlns:r="http://schemas.openxmlformats.org/officeDocument/2006/relationships" xmlns:p="http://schemas.openxmlformats.org/presentationml/2006/main" type="blank" preserve="1">
   <p:cSld name="Blank">
     <p:spTree>
@@ -2155,7 +731,7 @@
           <a:p>
             <a:fld id="{0354AC25-B403-4A23-85BD-543AAB64ECF7}" type="datetimeFigureOut">
               <a:rPr lang="en-US" smtClean="0"/>
-              <a:t>10/11/2022</a:t>
+              <a:t>10/13/2022</a:t>
             </a:fld>
             <a:endParaRPr lang="en-US"/>
           </a:p>
@@ -2213,180 +789,17 @@
   <p:clrMapOvr>
     <a:masterClrMapping/>
   </p:clrMapOvr>
+  <p:timing>
+    <p:tnLst>
+      <p:par>
+        <p:cTn id="1" dur="indefinite" restart="never" nodeType="tmRoot"/>
+      </p:par>
+    </p:tnLst>
+  </p:timing>
 </p:sldLayout>
 </file>
 
-<file path=ppt/slideLayouts/slideLayout2.xml><?xml version="1.0" encoding="utf-8"?>
-<p:sldLayout xmlns:a="http://schemas.openxmlformats.org/drawingml/2006/main" xmlns:r="http://schemas.openxmlformats.org/officeDocument/2006/relationships" xmlns:p="http://schemas.openxmlformats.org/presentationml/2006/main" type="obj" preserve="1">
-  <p:cSld name="Title and Content">
-    <p:spTree>
-      <p:nvGrpSpPr>
-        <p:cNvPr id="1" name=""/>
-        <p:cNvGrpSpPr/>
-        <p:nvPr/>
-      </p:nvGrpSpPr>
-      <p:grpSpPr>
-        <a:xfrm>
-          <a:off x="0" y="0"/>
-          <a:ext cx="0" cy="0"/>
-          <a:chOff x="0" y="0"/>
-          <a:chExt cx="0" cy="0"/>
-        </a:xfrm>
-      </p:grpSpPr>
-      <p:sp>
-        <p:nvSpPr>
-          <p:cNvPr id="2" name="Title 1"/>
-          <p:cNvSpPr>
-            <a:spLocks noGrp="1"/>
-          </p:cNvSpPr>
-          <p:nvPr>
-            <p:ph type="title"/>
-          </p:nvPr>
-        </p:nvSpPr>
-        <p:spPr/>
-        <p:txBody>
-          <a:bodyPr/>
-          <a:lstStyle/>
-          <a:p>
-            <a:r>
-              <a:rPr lang="en-US" smtClean="0"/>
-              <a:t>Click to edit Master title style</a:t>
-            </a:r>
-            <a:endParaRPr lang="en-US"/>
-          </a:p>
-        </p:txBody>
-      </p:sp>
-      <p:sp>
-        <p:nvSpPr>
-          <p:cNvPr id="3" name="Content Placeholder 2"/>
-          <p:cNvSpPr>
-            <a:spLocks noGrp="1"/>
-          </p:cNvSpPr>
-          <p:nvPr>
-            <p:ph idx="1"/>
-          </p:nvPr>
-        </p:nvSpPr>
-        <p:spPr/>
-        <p:txBody>
-          <a:bodyPr/>
-          <a:lstStyle/>
-          <a:p>
-            <a:pPr lvl="0"/>
-            <a:r>
-              <a:rPr lang="en-US" smtClean="0"/>
-              <a:t>Edit Master text styles</a:t>
-            </a:r>
-          </a:p>
-          <a:p>
-            <a:pPr lvl="1"/>
-            <a:r>
-              <a:rPr lang="en-US" smtClean="0"/>
-              <a:t>Second level</a:t>
-            </a:r>
-          </a:p>
-          <a:p>
-            <a:pPr lvl="2"/>
-            <a:r>
-              <a:rPr lang="en-US" smtClean="0"/>
-              <a:t>Third level</a:t>
-            </a:r>
-          </a:p>
-          <a:p>
-            <a:pPr lvl="3"/>
-            <a:r>
-              <a:rPr lang="en-US" smtClean="0"/>
-              <a:t>Fourth level</a:t>
-            </a:r>
-          </a:p>
-          <a:p>
-            <a:pPr lvl="4"/>
-            <a:r>
-              <a:rPr lang="en-US" smtClean="0"/>
-              <a:t>Fifth level</a:t>
-            </a:r>
-            <a:endParaRPr lang="en-US"/>
-          </a:p>
-        </p:txBody>
-      </p:sp>
-      <p:sp>
-        <p:nvSpPr>
-          <p:cNvPr id="4" name="Date Placeholder 3"/>
-          <p:cNvSpPr>
-            <a:spLocks noGrp="1"/>
-          </p:cNvSpPr>
-          <p:nvPr>
-            <p:ph type="dt" sz="half" idx="10"/>
-          </p:nvPr>
-        </p:nvSpPr>
-        <p:spPr/>
-        <p:txBody>
-          <a:bodyPr/>
-          <a:lstStyle/>
-          <a:p>
-            <a:fld id="{7CFAEC73-E315-4A0F-8DFF-7EF2543E62EC}" type="datetimeFigureOut">
-              <a:rPr lang="en-US" smtClean="0"/>
-              <a:t>10/11/2022</a:t>
-            </a:fld>
-            <a:endParaRPr lang="en-US"/>
-          </a:p>
-        </p:txBody>
-      </p:sp>
-      <p:sp>
-        <p:nvSpPr>
-          <p:cNvPr id="5" name="Footer Placeholder 4"/>
-          <p:cNvSpPr>
-            <a:spLocks noGrp="1"/>
-          </p:cNvSpPr>
-          <p:nvPr>
-            <p:ph type="ftr" sz="quarter" idx="11"/>
-          </p:nvPr>
-        </p:nvSpPr>
-        <p:spPr/>
-        <p:txBody>
-          <a:bodyPr/>
-          <a:lstStyle/>
-          <a:p>
-            <a:endParaRPr lang="en-US"/>
-          </a:p>
-        </p:txBody>
-      </p:sp>
-      <p:sp>
-        <p:nvSpPr>
-          <p:cNvPr id="6" name="Slide Number Placeholder 5"/>
-          <p:cNvSpPr>
-            <a:spLocks noGrp="1"/>
-          </p:cNvSpPr>
-          <p:nvPr>
-            <p:ph type="sldNum" sz="quarter" idx="12"/>
-          </p:nvPr>
-        </p:nvSpPr>
-        <p:spPr/>
-        <p:txBody>
-          <a:bodyPr/>
-          <a:lstStyle/>
-          <a:p>
-            <a:fld id="{13FE3D49-B9CF-4ACC-AAB6-DCCE22C02B87}" type="slidenum">
-              <a:rPr lang="en-US" smtClean="0"/>
-              <a:t>‹#›</a:t>
-            </a:fld>
-            <a:endParaRPr lang="en-US"/>
-          </a:p>
-        </p:txBody>
-      </p:sp>
-    </p:spTree>
-    <p:extLst>
-      <p:ext uri="{BB962C8B-B14F-4D97-AF65-F5344CB8AC3E}">
-        <p14:creationId xmlns:p14="http://schemas.microsoft.com/office/powerpoint/2010/main" val="4136499531"/>
-      </p:ext>
-    </p:extLst>
-  </p:cSld>
-  <p:clrMapOvr>
-    <a:masterClrMapping/>
-  </p:clrMapOvr>
-</p:sldLayout>
-</file>
-
-<file path=ppt/slideLayouts/slideLayout20.xml><?xml version="1.0" encoding="utf-8"?>
+<file path=ppt/slideLayouts/slideLayout11.xml><?xml version="1.0" encoding="utf-8"?>
 <p:sldLayout xmlns:a="http://schemas.openxmlformats.org/drawingml/2006/main" xmlns:r="http://schemas.openxmlformats.org/officeDocument/2006/relationships" xmlns:p="http://schemas.openxmlformats.org/presentationml/2006/main" type="objTx" preserve="1">
   <p:cSld name="Content with Caption">
     <p:spTree>
@@ -2602,7 +1015,7 @@
           <a:p>
             <a:fld id="{0354AC25-B403-4A23-85BD-543AAB64ECF7}" type="datetimeFigureOut">
               <a:rPr lang="en-US" smtClean="0"/>
-              <a:t>10/11/2022</a:t>
+              <a:t>10/13/2022</a:t>
             </a:fld>
             <a:endParaRPr lang="en-US"/>
           </a:p>
@@ -2663,7 +1076,7 @@
 </p:sldLayout>
 </file>
 
-<file path=ppt/slideLayouts/slideLayout21.xml><?xml version="1.0" encoding="utf-8"?>
+<file path=ppt/slideLayouts/slideLayout12.xml><?xml version="1.0" encoding="utf-8"?>
 <p:sldLayout xmlns:a="http://schemas.openxmlformats.org/drawingml/2006/main" xmlns:r="http://schemas.openxmlformats.org/officeDocument/2006/relationships" xmlns:p="http://schemas.openxmlformats.org/presentationml/2006/main" type="picTx" preserve="1">
   <p:cSld name="Picture with Caption">
     <p:spTree>
@@ -2855,7 +1268,7 @@
           <a:p>
             <a:fld id="{0354AC25-B403-4A23-85BD-543AAB64ECF7}" type="datetimeFigureOut">
               <a:rPr lang="en-US" smtClean="0"/>
-              <a:t>10/11/2022</a:t>
+              <a:t>10/13/2022</a:t>
             </a:fld>
             <a:endParaRPr lang="en-US"/>
           </a:p>
@@ -2916,7 +1329,7 @@
 </p:sldLayout>
 </file>
 
-<file path=ppt/slideLayouts/slideLayout22.xml><?xml version="1.0" encoding="utf-8"?>
+<file path=ppt/slideLayouts/slideLayout13.xml><?xml version="1.0" encoding="utf-8"?>
 <p:sldLayout xmlns:a="http://schemas.openxmlformats.org/drawingml/2006/main" xmlns:r="http://schemas.openxmlformats.org/officeDocument/2006/relationships" xmlns:p="http://schemas.openxmlformats.org/presentationml/2006/main" type="vertTx" preserve="1">
   <p:cSld name="Title and Vertical Text">
     <p:spTree>
@@ -3025,7 +1438,7 @@
           <a:p>
             <a:fld id="{0354AC25-B403-4A23-85BD-543AAB64ECF7}" type="datetimeFigureOut">
               <a:rPr lang="en-US" smtClean="0"/>
-              <a:t>10/11/2022</a:t>
+              <a:t>10/13/2022</a:t>
             </a:fld>
             <a:endParaRPr lang="en-US"/>
           </a:p>
@@ -3086,7 +1499,7 @@
 </p:sldLayout>
 </file>
 
-<file path=ppt/slideLayouts/slideLayout23.xml><?xml version="1.0" encoding="utf-8"?>
+<file path=ppt/slideLayouts/slideLayout14.xml><?xml version="1.0" encoding="utf-8"?>
 <p:sldLayout xmlns:a="http://schemas.openxmlformats.org/drawingml/2006/main" xmlns:r="http://schemas.openxmlformats.org/officeDocument/2006/relationships" xmlns:p="http://schemas.openxmlformats.org/presentationml/2006/main" type="vertTitleAndTx" preserve="1">
   <p:cSld name="Vertical Title and Text">
     <p:spTree>
@@ -3205,7 +1618,7 @@
           <a:p>
             <a:fld id="{0354AC25-B403-4A23-85BD-543AAB64ECF7}" type="datetimeFigureOut">
               <a:rPr lang="en-US" smtClean="0"/>
-              <a:t>10/11/2022</a:t>
+              <a:t>10/13/2022</a:t>
             </a:fld>
             <a:endParaRPr lang="en-US"/>
           </a:p>
@@ -3266,7 +1679,904 @@
 </p:sldLayout>
 </file>
 
-<file path=ppt/slideLayouts/slideLayout3.xml><?xml version="1.0" encoding="utf-8"?>
+<file path=ppt/slideLayouts/slideLayout15.xml><?xml version="1.0" encoding="utf-8"?>
+<p:sldLayout xmlns:a="http://schemas.openxmlformats.org/drawingml/2006/main" xmlns:r="http://schemas.openxmlformats.org/officeDocument/2006/relationships" xmlns:p="http://schemas.openxmlformats.org/presentationml/2006/main" preserve="1" userDrawn="1">
+  <p:cSld name="Custom Layout">
+    <p:spTree>
+      <p:nvGrpSpPr>
+        <p:cNvPr id="1" name=""/>
+        <p:cNvGrpSpPr/>
+        <p:nvPr/>
+      </p:nvGrpSpPr>
+      <p:grpSpPr>
+        <a:xfrm>
+          <a:off x="0" y="0"/>
+          <a:ext cx="0" cy="0"/>
+          <a:chOff x="0" y="0"/>
+          <a:chExt cx="0" cy="0"/>
+        </a:xfrm>
+      </p:grpSpPr>
+      <p:sp>
+        <p:nvSpPr>
+          <p:cNvPr id="7" name="Text Placeholder 6"/>
+          <p:cNvSpPr>
+            <a:spLocks noGrp="1"/>
+          </p:cNvSpPr>
+          <p:nvPr>
+            <p:ph type="body" sz="quarter" idx="10"/>
+          </p:nvPr>
+        </p:nvSpPr>
+        <p:spPr>
+          <a:xfrm>
+            <a:off x="190500" y="533400"/>
+            <a:ext cx="5168900" cy="4216400"/>
+          </a:xfrm>
+        </p:spPr>
+        <p:txBody>
+          <a:bodyPr/>
+          <a:lstStyle/>
+          <a:p>
+            <a:pPr lvl="0"/>
+            <a:r>
+              <a:rPr lang="en-US" smtClean="0"/>
+              <a:t>Edit Master text styles</a:t>
+            </a:r>
+          </a:p>
+          <a:p>
+            <a:pPr lvl="1"/>
+            <a:r>
+              <a:rPr lang="en-US" smtClean="0"/>
+              <a:t>Second level</a:t>
+            </a:r>
+          </a:p>
+          <a:p>
+            <a:pPr lvl="2"/>
+            <a:r>
+              <a:rPr lang="en-US" smtClean="0"/>
+              <a:t>Third level</a:t>
+            </a:r>
+          </a:p>
+          <a:p>
+            <a:pPr lvl="3"/>
+            <a:r>
+              <a:rPr lang="en-US" smtClean="0"/>
+              <a:t>Fourth level</a:t>
+            </a:r>
+          </a:p>
+          <a:p>
+            <a:pPr lvl="4"/>
+            <a:r>
+              <a:rPr lang="en-US" smtClean="0"/>
+              <a:t>Fifth level</a:t>
+            </a:r>
+            <a:endParaRPr lang="en-US"/>
+          </a:p>
+        </p:txBody>
+      </p:sp>
+      <p:sp>
+        <p:nvSpPr>
+          <p:cNvPr id="9" name="Content Placeholder 8"/>
+          <p:cNvSpPr>
+            <a:spLocks noGrp="1"/>
+          </p:cNvSpPr>
+          <p:nvPr>
+            <p:ph sz="quarter" idx="11"/>
+          </p:nvPr>
+        </p:nvSpPr>
+        <p:spPr>
+          <a:xfrm>
+            <a:off x="5969000" y="673100"/>
+            <a:ext cx="3022600" cy="2489200"/>
+          </a:xfrm>
+        </p:spPr>
+        <p:txBody>
+          <a:bodyPr/>
+          <a:lstStyle/>
+          <a:p>
+            <a:pPr lvl="0"/>
+            <a:r>
+              <a:rPr lang="en-US" dirty="0" smtClean="0"/>
+              <a:t>Edit Master text styles</a:t>
+            </a:r>
+          </a:p>
+          <a:p>
+            <a:pPr lvl="1"/>
+            <a:r>
+              <a:rPr lang="en-US" dirty="0" smtClean="0"/>
+              <a:t>Second level</a:t>
+            </a:r>
+          </a:p>
+          <a:p>
+            <a:pPr lvl="2"/>
+            <a:r>
+              <a:rPr lang="en-US" dirty="0" smtClean="0"/>
+              <a:t>Third level</a:t>
+            </a:r>
+          </a:p>
+          <a:p>
+            <a:pPr lvl="3"/>
+            <a:r>
+              <a:rPr lang="en-US" dirty="0" smtClean="0"/>
+              <a:t>Fourth level</a:t>
+            </a:r>
+          </a:p>
+          <a:p>
+            <a:pPr lvl="4"/>
+            <a:r>
+              <a:rPr lang="en-US" dirty="0" smtClean="0"/>
+              <a:t>Fifth level</a:t>
+            </a:r>
+            <a:endParaRPr lang="en-US" dirty="0"/>
+          </a:p>
+        </p:txBody>
+      </p:sp>
+    </p:spTree>
+    <p:extLst>
+      <p:ext uri="{BB962C8B-B14F-4D97-AF65-F5344CB8AC3E}">
+        <p14:creationId xmlns:p14="http://schemas.microsoft.com/office/powerpoint/2010/main" val="4092963350"/>
+      </p:ext>
+    </p:extLst>
+  </p:cSld>
+  <p:clrMapOvr>
+    <a:masterClrMapping/>
+  </p:clrMapOvr>
+</p:sldLayout>
+</file>
+
+<file path=ppt/slideLayouts/slideLayout16.xml><?xml version="1.0" encoding="utf-8"?>
+<p:sldLayout xmlns:a="http://schemas.openxmlformats.org/drawingml/2006/main" xmlns:r="http://schemas.openxmlformats.org/officeDocument/2006/relationships" xmlns:p="http://schemas.openxmlformats.org/presentationml/2006/main" preserve="1" userDrawn="1">
+  <p:cSld name="1_Custom Layout">
+    <p:spTree>
+      <p:nvGrpSpPr>
+        <p:cNvPr id="1" name=""/>
+        <p:cNvGrpSpPr/>
+        <p:nvPr/>
+      </p:nvGrpSpPr>
+      <p:grpSpPr>
+        <a:xfrm>
+          <a:off x="0" y="0"/>
+          <a:ext cx="0" cy="0"/>
+          <a:chOff x="0" y="0"/>
+          <a:chExt cx="0" cy="0"/>
+        </a:xfrm>
+      </p:grpSpPr>
+      <p:sp>
+        <p:nvSpPr>
+          <p:cNvPr id="33" name="Picture Placeholder 32"/>
+          <p:cNvSpPr>
+            <a:spLocks noGrp="1"/>
+          </p:cNvSpPr>
+          <p:nvPr>
+            <p:ph type="pic" sz="quarter" idx="10"/>
+          </p:nvPr>
+        </p:nvSpPr>
+        <p:spPr>
+          <a:xfrm>
+            <a:off x="-11441" y="13867"/>
+            <a:ext cx="12192000" cy="4976813"/>
+          </a:xfrm>
+        </p:spPr>
+        <p:txBody>
+          <a:bodyPr/>
+          <a:lstStyle/>
+          <a:p>
+            <a:endParaRPr lang="en-US"/>
+          </a:p>
+        </p:txBody>
+      </p:sp>
+      <p:sp>
+        <p:nvSpPr>
+          <p:cNvPr id="35" name="Text Placeholder 34"/>
+          <p:cNvSpPr>
+            <a:spLocks noGrp="1"/>
+          </p:cNvSpPr>
+          <p:nvPr userDrawn="1">
+            <p:ph type="body" sz="quarter" idx="11"/>
+          </p:nvPr>
+        </p:nvSpPr>
+        <p:spPr>
+          <a:xfrm>
+            <a:off x="2425816" y="2092082"/>
+            <a:ext cx="7317487" cy="818966"/>
+          </a:xfrm>
+        </p:spPr>
+        <p:txBody>
+          <a:bodyPr/>
+          <a:lstStyle/>
+          <a:p>
+            <a:pPr lvl="0"/>
+            <a:r>
+              <a:rPr lang="en-US" dirty="0" smtClean="0"/>
+              <a:t>Edit Master text styles</a:t>
+            </a:r>
+          </a:p>
+          <a:p>
+            <a:pPr lvl="1"/>
+            <a:r>
+              <a:rPr lang="en-US" dirty="0" smtClean="0"/>
+              <a:t>Second level</a:t>
+            </a:r>
+          </a:p>
+          <a:p>
+            <a:pPr lvl="2"/>
+            <a:r>
+              <a:rPr lang="en-US" dirty="0" smtClean="0"/>
+              <a:t>Third level</a:t>
+            </a:r>
+          </a:p>
+          <a:p>
+            <a:pPr lvl="3"/>
+            <a:r>
+              <a:rPr lang="en-US" dirty="0" smtClean="0"/>
+              <a:t>Fourth level</a:t>
+            </a:r>
+          </a:p>
+          <a:p>
+            <a:pPr lvl="4"/>
+            <a:r>
+              <a:rPr lang="en-US" dirty="0" smtClean="0"/>
+              <a:t>Fifth level</a:t>
+            </a:r>
+            <a:endParaRPr lang="en-US" dirty="0"/>
+          </a:p>
+        </p:txBody>
+      </p:sp>
+      <p:sp>
+        <p:nvSpPr>
+          <p:cNvPr id="37" name="Text Placeholder 36"/>
+          <p:cNvSpPr>
+            <a:spLocks noGrp="1"/>
+          </p:cNvSpPr>
+          <p:nvPr userDrawn="1">
+            <p:ph type="body" sz="quarter" idx="12"/>
+          </p:nvPr>
+        </p:nvSpPr>
+        <p:spPr>
+          <a:xfrm>
+            <a:off x="182946" y="5235131"/>
+            <a:ext cx="4992687" cy="1270000"/>
+          </a:xfrm>
+        </p:spPr>
+        <p:txBody>
+          <a:bodyPr/>
+          <a:lstStyle/>
+          <a:p>
+            <a:pPr lvl="0"/>
+            <a:r>
+              <a:rPr lang="en-US" dirty="0" smtClean="0"/>
+              <a:t>Edit Master text styles</a:t>
+            </a:r>
+          </a:p>
+          <a:p>
+            <a:pPr lvl="1"/>
+            <a:r>
+              <a:rPr lang="en-US" dirty="0" smtClean="0"/>
+              <a:t>Second level</a:t>
+            </a:r>
+          </a:p>
+          <a:p>
+            <a:pPr lvl="2"/>
+            <a:r>
+              <a:rPr lang="en-US" dirty="0" smtClean="0"/>
+              <a:t>Third level</a:t>
+            </a:r>
+          </a:p>
+          <a:p>
+            <a:pPr lvl="3"/>
+            <a:r>
+              <a:rPr lang="en-US" dirty="0" smtClean="0"/>
+              <a:t>Fourth level</a:t>
+            </a:r>
+          </a:p>
+          <a:p>
+            <a:pPr lvl="4"/>
+            <a:r>
+              <a:rPr lang="en-US" dirty="0" smtClean="0"/>
+              <a:t>Fifth level</a:t>
+            </a:r>
+            <a:endParaRPr lang="en-US" dirty="0"/>
+          </a:p>
+        </p:txBody>
+      </p:sp>
+      <p:sp>
+        <p:nvSpPr>
+          <p:cNvPr id="12" name="Oval 11">
+            <a:extLst>
+              <a:ext uri="{FF2B5EF4-FFF2-40B4-BE49-F238E27FC236}">
+                <a16:creationId xmlns:a16="http://schemas.microsoft.com/office/drawing/2014/main" id="{1C27C085-B8C8-4195-A8DE-6FB775A0834E}"/>
+              </a:ext>
+            </a:extLst>
+          </p:cNvPr>
+          <p:cNvSpPr/>
+          <p:nvPr/>
+        </p:nvSpPr>
+        <p:spPr>
+          <a:xfrm>
+            <a:off x="10610850" y="4438649"/>
+            <a:ext cx="1104900" cy="1104900"/>
+          </a:xfrm>
+          <a:prstGeom prst="ellipse">
+            <a:avLst/>
+          </a:prstGeom>
+          <a:solidFill>
+            <a:schemeClr val="bg1"/>
+          </a:solidFill>
+          <a:ln w="28575">
+            <a:solidFill>
+              <a:schemeClr val="accent4"/>
+            </a:solidFill>
+          </a:ln>
+        </p:spPr>
+        <p:style>
+          <a:lnRef idx="2">
+            <a:schemeClr val="accent1">
+              <a:shade val="50000"/>
+            </a:schemeClr>
+          </a:lnRef>
+          <a:fillRef idx="1">
+            <a:schemeClr val="accent1"/>
+          </a:fillRef>
+          <a:effectRef idx="0">
+            <a:schemeClr val="accent1"/>
+          </a:effectRef>
+          <a:fontRef idx="minor">
+            <a:schemeClr val="lt1"/>
+          </a:fontRef>
+        </p:style>
+        <p:txBody>
+          <a:bodyPr rtlCol="0" anchor="ctr"/>
+          <a:lstStyle/>
+          <a:p>
+            <a:pPr algn="ctr"/>
+            <a:endParaRPr lang="pl-PL"/>
+          </a:p>
+        </p:txBody>
+      </p:sp>
+      <p:sp>
+        <p:nvSpPr>
+          <p:cNvPr id="15" name="Oval 14">
+            <a:extLst>
+              <a:ext uri="{FF2B5EF4-FFF2-40B4-BE49-F238E27FC236}">
+                <a16:creationId xmlns:a16="http://schemas.microsoft.com/office/drawing/2014/main" id="{4F359C41-9268-4F88-AD0C-07BEAEA6AA5F}"/>
+              </a:ext>
+            </a:extLst>
+          </p:cNvPr>
+          <p:cNvSpPr/>
+          <p:nvPr/>
+        </p:nvSpPr>
+        <p:spPr>
+          <a:xfrm>
+            <a:off x="9260840" y="4438649"/>
+            <a:ext cx="1104900" cy="1104900"/>
+          </a:xfrm>
+          <a:prstGeom prst="ellipse">
+            <a:avLst/>
+          </a:prstGeom>
+          <a:solidFill>
+            <a:schemeClr val="bg1"/>
+          </a:solidFill>
+          <a:ln w="28575">
+            <a:solidFill>
+              <a:schemeClr val="accent6"/>
+            </a:solidFill>
+          </a:ln>
+        </p:spPr>
+        <p:style>
+          <a:lnRef idx="2">
+            <a:schemeClr val="accent1">
+              <a:shade val="50000"/>
+            </a:schemeClr>
+          </a:lnRef>
+          <a:fillRef idx="1">
+            <a:schemeClr val="accent1"/>
+          </a:fillRef>
+          <a:effectRef idx="0">
+            <a:schemeClr val="accent1"/>
+          </a:effectRef>
+          <a:fontRef idx="minor">
+            <a:schemeClr val="lt1"/>
+          </a:fontRef>
+        </p:style>
+        <p:txBody>
+          <a:bodyPr rtlCol="0" anchor="ctr"/>
+          <a:lstStyle/>
+          <a:p>
+            <a:pPr algn="ctr"/>
+            <a:endParaRPr lang="pl-PL"/>
+          </a:p>
+        </p:txBody>
+      </p:sp>
+      <p:sp>
+        <p:nvSpPr>
+          <p:cNvPr id="24" name="Oval 23">
+            <a:extLst>
+              <a:ext uri="{FF2B5EF4-FFF2-40B4-BE49-F238E27FC236}">
+                <a16:creationId xmlns:a16="http://schemas.microsoft.com/office/drawing/2014/main" id="{FCD79F55-1536-42C3-8DEB-B5C5A9E09C92}"/>
+              </a:ext>
+            </a:extLst>
+          </p:cNvPr>
+          <p:cNvSpPr/>
+          <p:nvPr/>
+        </p:nvSpPr>
+        <p:spPr>
+          <a:xfrm>
+            <a:off x="7910830" y="4438649"/>
+            <a:ext cx="1104900" cy="1104900"/>
+          </a:xfrm>
+          <a:prstGeom prst="ellipse">
+            <a:avLst/>
+          </a:prstGeom>
+          <a:solidFill>
+            <a:schemeClr val="bg1"/>
+          </a:solidFill>
+          <a:ln w="28575">
+            <a:solidFill>
+              <a:schemeClr val="accent1"/>
+            </a:solidFill>
+          </a:ln>
+        </p:spPr>
+        <p:style>
+          <a:lnRef idx="2">
+            <a:schemeClr val="accent1">
+              <a:shade val="50000"/>
+            </a:schemeClr>
+          </a:lnRef>
+          <a:fillRef idx="1">
+            <a:schemeClr val="accent1"/>
+          </a:fillRef>
+          <a:effectRef idx="0">
+            <a:schemeClr val="accent1"/>
+          </a:effectRef>
+          <a:fontRef idx="minor">
+            <a:schemeClr val="lt1"/>
+          </a:fontRef>
+        </p:style>
+        <p:txBody>
+          <a:bodyPr rtlCol="0" anchor="ctr"/>
+          <a:lstStyle/>
+          <a:p>
+            <a:pPr algn="ctr"/>
+            <a:endParaRPr lang="pl-PL"/>
+          </a:p>
+        </p:txBody>
+      </p:sp>
+      <p:sp>
+        <p:nvSpPr>
+          <p:cNvPr id="30" name="Oval 29">
+            <a:extLst>
+              <a:ext uri="{FF2B5EF4-FFF2-40B4-BE49-F238E27FC236}">
+                <a16:creationId xmlns:a16="http://schemas.microsoft.com/office/drawing/2014/main" id="{A9D3148E-B9AF-48C9-B3AE-B2C273D31499}"/>
+              </a:ext>
+            </a:extLst>
+          </p:cNvPr>
+          <p:cNvSpPr/>
+          <p:nvPr/>
+        </p:nvSpPr>
+        <p:spPr>
+          <a:xfrm>
+            <a:off x="6560820" y="4438649"/>
+            <a:ext cx="1104900" cy="1104900"/>
+          </a:xfrm>
+          <a:prstGeom prst="ellipse">
+            <a:avLst/>
+          </a:prstGeom>
+          <a:solidFill>
+            <a:schemeClr val="bg1"/>
+          </a:solidFill>
+          <a:ln w="28575">
+            <a:solidFill>
+              <a:schemeClr val="accent2"/>
+            </a:solidFill>
+          </a:ln>
+        </p:spPr>
+        <p:style>
+          <a:lnRef idx="2">
+            <a:schemeClr val="accent1">
+              <a:shade val="50000"/>
+            </a:schemeClr>
+          </a:lnRef>
+          <a:fillRef idx="1">
+            <a:schemeClr val="accent1"/>
+          </a:fillRef>
+          <a:effectRef idx="0">
+            <a:schemeClr val="accent1"/>
+          </a:effectRef>
+          <a:fontRef idx="minor">
+            <a:schemeClr val="lt1"/>
+          </a:fontRef>
+        </p:style>
+        <p:txBody>
+          <a:bodyPr rtlCol="0" anchor="ctr"/>
+          <a:lstStyle/>
+          <a:p>
+            <a:pPr algn="ctr"/>
+            <a:endParaRPr lang="pl-PL"/>
+          </a:p>
+        </p:txBody>
+      </p:sp>
+    </p:spTree>
+    <p:extLst>
+      <p:ext uri="{BB962C8B-B14F-4D97-AF65-F5344CB8AC3E}">
+        <p14:creationId xmlns:p14="http://schemas.microsoft.com/office/powerpoint/2010/main" val="2998342756"/>
+      </p:ext>
+    </p:extLst>
+  </p:cSld>
+  <p:clrMapOvr>
+    <a:masterClrMapping/>
+  </p:clrMapOvr>
+  <p:timing>
+    <p:tnLst>
+      <p:par>
+        <p:cTn id="1" dur="indefinite" restart="never" nodeType="tmRoot"/>
+      </p:par>
+    </p:tnLst>
+  </p:timing>
+</p:sldLayout>
+</file>
+
+<file path=ppt/slideLayouts/slideLayout17.xml><?xml version="1.0" encoding="utf-8"?>
+<p:sldLayout xmlns:a="http://schemas.openxmlformats.org/drawingml/2006/main" xmlns:r="http://schemas.openxmlformats.org/officeDocument/2006/relationships" xmlns:p="http://schemas.openxmlformats.org/presentationml/2006/main" type="title" preserve="1">
+  <p:cSld name="Title Slide">
+    <p:spTree>
+      <p:nvGrpSpPr>
+        <p:cNvPr id="1" name=""/>
+        <p:cNvGrpSpPr/>
+        <p:nvPr/>
+      </p:nvGrpSpPr>
+      <p:grpSpPr>
+        <a:xfrm>
+          <a:off x="0" y="0"/>
+          <a:ext cx="0" cy="0"/>
+          <a:chOff x="0" y="0"/>
+          <a:chExt cx="0" cy="0"/>
+        </a:xfrm>
+      </p:grpSpPr>
+      <p:sp>
+        <p:nvSpPr>
+          <p:cNvPr id="2" name="Title 1"/>
+          <p:cNvSpPr>
+            <a:spLocks noGrp="1"/>
+          </p:cNvSpPr>
+          <p:nvPr>
+            <p:ph type="ctrTitle"/>
+          </p:nvPr>
+        </p:nvSpPr>
+        <p:spPr>
+          <a:xfrm>
+            <a:off x="1524000" y="1122363"/>
+            <a:ext cx="9144000" cy="2387600"/>
+          </a:xfrm>
+        </p:spPr>
+        <p:txBody>
+          <a:bodyPr anchor="b"/>
+          <a:lstStyle>
+            <a:lvl1pPr algn="ctr">
+              <a:defRPr sz="6000"/>
+            </a:lvl1pPr>
+          </a:lstStyle>
+          <a:p>
+            <a:r>
+              <a:rPr lang="en-US" smtClean="0"/>
+              <a:t>Click to edit Master title style</a:t>
+            </a:r>
+            <a:endParaRPr lang="en-US"/>
+          </a:p>
+        </p:txBody>
+      </p:sp>
+      <p:sp>
+        <p:nvSpPr>
+          <p:cNvPr id="3" name="Subtitle 2"/>
+          <p:cNvSpPr>
+            <a:spLocks noGrp="1"/>
+          </p:cNvSpPr>
+          <p:nvPr>
+            <p:ph type="subTitle" idx="1"/>
+          </p:nvPr>
+        </p:nvSpPr>
+        <p:spPr>
+          <a:xfrm>
+            <a:off x="1524000" y="3602038"/>
+            <a:ext cx="9144000" cy="1655762"/>
+          </a:xfrm>
+        </p:spPr>
+        <p:txBody>
+          <a:bodyPr/>
+          <a:lstStyle>
+            <a:lvl1pPr marL="0" indent="0" algn="ctr">
+              <a:buNone/>
+              <a:defRPr sz="2400"/>
+            </a:lvl1pPr>
+            <a:lvl2pPr marL="457200" indent="0" algn="ctr">
+              <a:buNone/>
+              <a:defRPr sz="2000"/>
+            </a:lvl2pPr>
+            <a:lvl3pPr marL="914400" indent="0" algn="ctr">
+              <a:buNone/>
+              <a:defRPr sz="1800"/>
+            </a:lvl3pPr>
+            <a:lvl4pPr marL="1371600" indent="0" algn="ctr">
+              <a:buNone/>
+              <a:defRPr sz="1600"/>
+            </a:lvl4pPr>
+            <a:lvl5pPr marL="1828800" indent="0" algn="ctr">
+              <a:buNone/>
+              <a:defRPr sz="1600"/>
+            </a:lvl5pPr>
+            <a:lvl6pPr marL="2286000" indent="0" algn="ctr">
+              <a:buNone/>
+              <a:defRPr sz="1600"/>
+            </a:lvl6pPr>
+            <a:lvl7pPr marL="2743200" indent="0" algn="ctr">
+              <a:buNone/>
+              <a:defRPr sz="1600"/>
+            </a:lvl7pPr>
+            <a:lvl8pPr marL="3200400" indent="0" algn="ctr">
+              <a:buNone/>
+              <a:defRPr sz="1600"/>
+            </a:lvl8pPr>
+            <a:lvl9pPr marL="3657600" indent="0" algn="ctr">
+              <a:buNone/>
+              <a:defRPr sz="1600"/>
+            </a:lvl9pPr>
+          </a:lstStyle>
+          <a:p>
+            <a:r>
+              <a:rPr lang="en-US" smtClean="0"/>
+              <a:t>Click to edit Master subtitle style</a:t>
+            </a:r>
+            <a:endParaRPr lang="en-US"/>
+          </a:p>
+        </p:txBody>
+      </p:sp>
+      <p:sp>
+        <p:nvSpPr>
+          <p:cNvPr id="4" name="Date Placeholder 3"/>
+          <p:cNvSpPr>
+            <a:spLocks noGrp="1"/>
+          </p:cNvSpPr>
+          <p:nvPr>
+            <p:ph type="dt" sz="half" idx="10"/>
+          </p:nvPr>
+        </p:nvSpPr>
+        <p:spPr/>
+        <p:txBody>
+          <a:bodyPr/>
+          <a:lstStyle/>
+          <a:p>
+            <a:fld id="{0354AC25-B403-4A23-85BD-543AAB64ECF7}" type="datetimeFigureOut">
+              <a:rPr lang="en-US" smtClean="0"/>
+              <a:t>10/13/2022</a:t>
+            </a:fld>
+            <a:endParaRPr lang="en-US"/>
+          </a:p>
+        </p:txBody>
+      </p:sp>
+      <p:sp>
+        <p:nvSpPr>
+          <p:cNvPr id="5" name="Footer Placeholder 4"/>
+          <p:cNvSpPr>
+            <a:spLocks noGrp="1"/>
+          </p:cNvSpPr>
+          <p:nvPr>
+            <p:ph type="ftr" sz="quarter" idx="11"/>
+          </p:nvPr>
+        </p:nvSpPr>
+        <p:spPr/>
+        <p:txBody>
+          <a:bodyPr/>
+          <a:lstStyle/>
+          <a:p>
+            <a:endParaRPr lang="en-US"/>
+          </a:p>
+        </p:txBody>
+      </p:sp>
+      <p:sp>
+        <p:nvSpPr>
+          <p:cNvPr id="6" name="Slide Number Placeholder 5"/>
+          <p:cNvSpPr>
+            <a:spLocks noGrp="1"/>
+          </p:cNvSpPr>
+          <p:nvPr>
+            <p:ph type="sldNum" sz="quarter" idx="12"/>
+          </p:nvPr>
+        </p:nvSpPr>
+        <p:spPr/>
+        <p:txBody>
+          <a:bodyPr/>
+          <a:lstStyle/>
+          <a:p>
+            <a:fld id="{81FBEDE7-8D64-480B-9956-220C3845E471}" type="slidenum">
+              <a:rPr lang="en-US" smtClean="0"/>
+              <a:t>‹#›</a:t>
+            </a:fld>
+            <a:endParaRPr lang="en-US"/>
+          </a:p>
+        </p:txBody>
+      </p:sp>
+    </p:spTree>
+    <p:extLst>
+      <p:ext uri="{BB962C8B-B14F-4D97-AF65-F5344CB8AC3E}">
+        <p14:creationId xmlns:p14="http://schemas.microsoft.com/office/powerpoint/2010/main" val="172130013"/>
+      </p:ext>
+    </p:extLst>
+  </p:cSld>
+  <p:clrMapOvr>
+    <a:masterClrMapping/>
+  </p:clrMapOvr>
+</p:sldLayout>
+</file>
+
+<file path=ppt/slideLayouts/slideLayout18.xml><?xml version="1.0" encoding="utf-8"?>
+<p:sldLayout xmlns:a="http://schemas.openxmlformats.org/drawingml/2006/main" xmlns:r="http://schemas.openxmlformats.org/officeDocument/2006/relationships" xmlns:p="http://schemas.openxmlformats.org/presentationml/2006/main" type="obj" preserve="1">
+  <p:cSld name="Title and Content">
+    <p:spTree>
+      <p:nvGrpSpPr>
+        <p:cNvPr id="1" name=""/>
+        <p:cNvGrpSpPr/>
+        <p:nvPr/>
+      </p:nvGrpSpPr>
+      <p:grpSpPr>
+        <a:xfrm>
+          <a:off x="0" y="0"/>
+          <a:ext cx="0" cy="0"/>
+          <a:chOff x="0" y="0"/>
+          <a:chExt cx="0" cy="0"/>
+        </a:xfrm>
+      </p:grpSpPr>
+      <p:sp>
+        <p:nvSpPr>
+          <p:cNvPr id="2" name="Title 1"/>
+          <p:cNvSpPr>
+            <a:spLocks noGrp="1"/>
+          </p:cNvSpPr>
+          <p:nvPr>
+            <p:ph type="title"/>
+          </p:nvPr>
+        </p:nvSpPr>
+        <p:spPr/>
+        <p:txBody>
+          <a:bodyPr/>
+          <a:lstStyle/>
+          <a:p>
+            <a:r>
+              <a:rPr lang="en-US" smtClean="0"/>
+              <a:t>Click to edit Master title style</a:t>
+            </a:r>
+            <a:endParaRPr lang="en-US"/>
+          </a:p>
+        </p:txBody>
+      </p:sp>
+      <p:sp>
+        <p:nvSpPr>
+          <p:cNvPr id="3" name="Content Placeholder 2"/>
+          <p:cNvSpPr>
+            <a:spLocks noGrp="1"/>
+          </p:cNvSpPr>
+          <p:nvPr>
+            <p:ph idx="1"/>
+          </p:nvPr>
+        </p:nvSpPr>
+        <p:spPr/>
+        <p:txBody>
+          <a:bodyPr/>
+          <a:lstStyle/>
+          <a:p>
+            <a:pPr lvl="0"/>
+            <a:r>
+              <a:rPr lang="en-US" smtClean="0"/>
+              <a:t>Edit Master text styles</a:t>
+            </a:r>
+          </a:p>
+          <a:p>
+            <a:pPr lvl="1"/>
+            <a:r>
+              <a:rPr lang="en-US" smtClean="0"/>
+              <a:t>Second level</a:t>
+            </a:r>
+          </a:p>
+          <a:p>
+            <a:pPr lvl="2"/>
+            <a:r>
+              <a:rPr lang="en-US" smtClean="0"/>
+              <a:t>Third level</a:t>
+            </a:r>
+          </a:p>
+          <a:p>
+            <a:pPr lvl="3"/>
+            <a:r>
+              <a:rPr lang="en-US" smtClean="0"/>
+              <a:t>Fourth level</a:t>
+            </a:r>
+          </a:p>
+          <a:p>
+            <a:pPr lvl="4"/>
+            <a:r>
+              <a:rPr lang="en-US" smtClean="0"/>
+              <a:t>Fifth level</a:t>
+            </a:r>
+            <a:endParaRPr lang="en-US"/>
+          </a:p>
+        </p:txBody>
+      </p:sp>
+      <p:sp>
+        <p:nvSpPr>
+          <p:cNvPr id="4" name="Date Placeholder 3"/>
+          <p:cNvSpPr>
+            <a:spLocks noGrp="1"/>
+          </p:cNvSpPr>
+          <p:nvPr>
+            <p:ph type="dt" sz="half" idx="10"/>
+          </p:nvPr>
+        </p:nvSpPr>
+        <p:spPr/>
+        <p:txBody>
+          <a:bodyPr/>
+          <a:lstStyle/>
+          <a:p>
+            <a:fld id="{0354AC25-B403-4A23-85BD-543AAB64ECF7}" type="datetimeFigureOut">
+              <a:rPr lang="en-US" smtClean="0"/>
+              <a:t>10/13/2022</a:t>
+            </a:fld>
+            <a:endParaRPr lang="en-US"/>
+          </a:p>
+        </p:txBody>
+      </p:sp>
+      <p:sp>
+        <p:nvSpPr>
+          <p:cNvPr id="5" name="Footer Placeholder 4"/>
+          <p:cNvSpPr>
+            <a:spLocks noGrp="1"/>
+          </p:cNvSpPr>
+          <p:nvPr>
+            <p:ph type="ftr" sz="quarter" idx="11"/>
+          </p:nvPr>
+        </p:nvSpPr>
+        <p:spPr/>
+        <p:txBody>
+          <a:bodyPr/>
+          <a:lstStyle/>
+          <a:p>
+            <a:endParaRPr lang="en-US"/>
+          </a:p>
+        </p:txBody>
+      </p:sp>
+      <p:sp>
+        <p:nvSpPr>
+          <p:cNvPr id="6" name="Slide Number Placeholder 5"/>
+          <p:cNvSpPr>
+            <a:spLocks noGrp="1"/>
+          </p:cNvSpPr>
+          <p:nvPr>
+            <p:ph type="sldNum" sz="quarter" idx="12"/>
+          </p:nvPr>
+        </p:nvSpPr>
+        <p:spPr/>
+        <p:txBody>
+          <a:bodyPr/>
+          <a:lstStyle/>
+          <a:p>
+            <a:fld id="{81FBEDE7-8D64-480B-9956-220C3845E471}" type="slidenum">
+              <a:rPr lang="en-US" smtClean="0"/>
+              <a:t>‹#›</a:t>
+            </a:fld>
+            <a:endParaRPr lang="en-US"/>
+          </a:p>
+        </p:txBody>
+      </p:sp>
+    </p:spTree>
+    <p:extLst>
+      <p:ext uri="{BB962C8B-B14F-4D97-AF65-F5344CB8AC3E}">
+        <p14:creationId xmlns:p14="http://schemas.microsoft.com/office/powerpoint/2010/main" val="2197230449"/>
+      </p:ext>
+    </p:extLst>
+  </p:cSld>
+  <p:clrMapOvr>
+    <a:masterClrMapping/>
+  </p:clrMapOvr>
+</p:sldLayout>
+</file>
+
+<file path=ppt/slideLayouts/slideLayout19.xml><?xml version="1.0" encoding="utf-8"?>
 <p:sldLayout xmlns:a="http://schemas.openxmlformats.org/drawingml/2006/main" xmlns:r="http://schemas.openxmlformats.org/officeDocument/2006/relationships" xmlns:p="http://schemas.openxmlformats.org/presentationml/2006/main" type="secHead" preserve="1">
   <p:cSld name="Section Header">
     <p:spTree>
@@ -3449,9 +2759,9 @@
           <a:bodyPr/>
           <a:lstStyle/>
           <a:p>
-            <a:fld id="{7CFAEC73-E315-4A0F-8DFF-7EF2543E62EC}" type="datetimeFigureOut">
-              <a:rPr lang="en-US" smtClean="0"/>
-              <a:t>10/11/2022</a:t>
+            <a:fld id="{0354AC25-B403-4A23-85BD-543AAB64ECF7}" type="datetimeFigureOut">
+              <a:rPr lang="en-US" smtClean="0"/>
+              <a:t>10/13/2022</a:t>
             </a:fld>
             <a:endParaRPr lang="en-US"/>
           </a:p>
@@ -3491,7 +2801,7 @@
           <a:bodyPr/>
           <a:lstStyle/>
           <a:p>
-            <a:fld id="{13FE3D49-B9CF-4ACC-AAB6-DCCE22C02B87}" type="slidenum">
+            <a:fld id="{81FBEDE7-8D64-480B-9956-220C3845E471}" type="slidenum">
               <a:rPr lang="en-US" smtClean="0"/>
               <a:t>‹#›</a:t>
             </a:fld>
@@ -3502,7 +2812,7 @@
     </p:spTree>
     <p:extLst>
       <p:ext uri="{BB962C8B-B14F-4D97-AF65-F5344CB8AC3E}">
-        <p14:creationId xmlns:p14="http://schemas.microsoft.com/office/powerpoint/2010/main" val="1771205440"/>
+        <p14:creationId xmlns:p14="http://schemas.microsoft.com/office/powerpoint/2010/main" val="2578023671"/>
       </p:ext>
     </p:extLst>
   </p:cSld>
@@ -3512,7 +2822,245 @@
 </p:sldLayout>
 </file>
 
-<file path=ppt/slideLayouts/slideLayout4.xml><?xml version="1.0" encoding="utf-8"?>
+<file path=ppt/slideLayouts/slideLayout2.xml><?xml version="1.0" encoding="utf-8"?>
+<p:sldLayout xmlns:a="http://schemas.openxmlformats.org/drawingml/2006/main" xmlns:r="http://schemas.openxmlformats.org/officeDocument/2006/relationships" xmlns:p="http://schemas.openxmlformats.org/presentationml/2006/main" preserve="1" userDrawn="1">
+  <p:cSld name="4_Custom Layout">
+    <p:spTree>
+      <p:nvGrpSpPr>
+        <p:cNvPr id="1" name=""/>
+        <p:cNvGrpSpPr/>
+        <p:nvPr/>
+      </p:nvGrpSpPr>
+      <p:grpSpPr>
+        <a:xfrm>
+          <a:off x="0" y="0"/>
+          <a:ext cx="0" cy="0"/>
+          <a:chOff x="0" y="0"/>
+          <a:chExt cx="0" cy="0"/>
+        </a:xfrm>
+      </p:grpSpPr>
+      <p:sp>
+        <p:nvSpPr>
+          <p:cNvPr id="2" name="Title 1"/>
+          <p:cNvSpPr>
+            <a:spLocks noGrp="1"/>
+          </p:cNvSpPr>
+          <p:nvPr>
+            <p:ph type="title" hasCustomPrompt="1"/>
+          </p:nvPr>
+        </p:nvSpPr>
+        <p:spPr/>
+        <p:txBody>
+          <a:bodyPr/>
+          <a:lstStyle>
+            <a:lvl1pPr>
+              <a:defRPr baseline="0"/>
+            </a:lvl1pPr>
+          </a:lstStyle>
+          <a:p>
+            <a:r>
+              <a:rPr lang="en-US" dirty="0" smtClean="0"/>
+              <a:t>Slide </a:t>
+            </a:r>
+            <a:r>
+              <a:rPr lang="en-US" smtClean="0"/>
+              <a:t>dùng Incrade this level </a:t>
+            </a:r>
+            <a:r>
+              <a:rPr lang="en-US" dirty="0" smtClean="0"/>
+              <a:t>để chỉnh font</a:t>
+            </a:r>
+            <a:endParaRPr lang="en-US" dirty="0"/>
+          </a:p>
+        </p:txBody>
+      </p:sp>
+      <p:sp>
+        <p:nvSpPr>
+          <p:cNvPr id="3" name="Date Placeholder 2"/>
+          <p:cNvSpPr>
+            <a:spLocks noGrp="1"/>
+          </p:cNvSpPr>
+          <p:nvPr>
+            <p:ph type="dt" sz="half" idx="10"/>
+          </p:nvPr>
+        </p:nvSpPr>
+        <p:spPr/>
+        <p:txBody>
+          <a:bodyPr/>
+          <a:lstStyle/>
+          <a:p>
+            <a:fld id="{0354AC25-B403-4A23-85BD-543AAB64ECF7}" type="datetimeFigureOut">
+              <a:rPr lang="en-US" smtClean="0"/>
+              <a:t>10/13/2022</a:t>
+            </a:fld>
+            <a:endParaRPr lang="en-US" dirty="0"/>
+          </a:p>
+        </p:txBody>
+      </p:sp>
+      <p:sp>
+        <p:nvSpPr>
+          <p:cNvPr id="4" name="Footer Placeholder 3"/>
+          <p:cNvSpPr>
+            <a:spLocks noGrp="1"/>
+          </p:cNvSpPr>
+          <p:nvPr>
+            <p:ph type="ftr" sz="quarter" idx="11"/>
+          </p:nvPr>
+        </p:nvSpPr>
+        <p:spPr/>
+        <p:txBody>
+          <a:bodyPr/>
+          <a:lstStyle/>
+          <a:p>
+            <a:endParaRPr lang="en-US"/>
+          </a:p>
+        </p:txBody>
+      </p:sp>
+      <p:sp>
+        <p:nvSpPr>
+          <p:cNvPr id="5" name="Slide Number Placeholder 4"/>
+          <p:cNvSpPr>
+            <a:spLocks noGrp="1"/>
+          </p:cNvSpPr>
+          <p:nvPr>
+            <p:ph type="sldNum" sz="quarter" idx="12"/>
+          </p:nvPr>
+        </p:nvSpPr>
+        <p:spPr/>
+        <p:txBody>
+          <a:bodyPr/>
+          <a:lstStyle/>
+          <a:p>
+            <a:fld id="{81FBEDE7-8D64-480B-9956-220C3845E471}" type="slidenum">
+              <a:rPr lang="en-US" smtClean="0"/>
+              <a:t>‹#›</a:t>
+            </a:fld>
+            <a:endParaRPr lang="en-US"/>
+          </a:p>
+        </p:txBody>
+      </p:sp>
+      <p:sp>
+        <p:nvSpPr>
+          <p:cNvPr id="7" name="Text Placeholder 6"/>
+          <p:cNvSpPr>
+            <a:spLocks noGrp="1"/>
+          </p:cNvSpPr>
+          <p:nvPr>
+            <p:ph type="body" sz="quarter" idx="13"/>
+          </p:nvPr>
+        </p:nvSpPr>
+        <p:spPr>
+          <a:xfrm>
+            <a:off x="838200" y="1828800"/>
+            <a:ext cx="10795000" cy="4178300"/>
+          </a:xfrm>
+        </p:spPr>
+        <p:txBody>
+          <a:bodyPr/>
+          <a:lstStyle>
+            <a:lvl1pPr marL="0" indent="0">
+              <a:buNone/>
+              <a:defRPr/>
+            </a:lvl1pPr>
+            <a:lvl2pPr marL="1828800" indent="-1828800">
+              <a:buNone/>
+              <a:tabLst>
+                <a:tab pos="63500" algn="l"/>
+              </a:tabLst>
+              <a:defRPr sz="2800">
+                <a:latin typeface="Times New Roman" panose="02020603050405020304" pitchFamily="18" charset="0"/>
+                <a:cs typeface="Times New Roman" panose="02020603050405020304" pitchFamily="18" charset="0"/>
+              </a:defRPr>
+            </a:lvl2pPr>
+            <a:lvl3pPr marL="1828800" indent="-1828800">
+              <a:buNone/>
+              <a:tabLst>
+                <a:tab pos="63500" algn="l"/>
+              </a:tabLst>
+              <a:defRPr sz="2800">
+                <a:latin typeface="Arial Narrow" panose="020B0606020202030204" pitchFamily="34" charset="0"/>
+              </a:defRPr>
+            </a:lvl3pPr>
+            <a:lvl4pPr marL="1828800" indent="-1828800">
+              <a:buNone/>
+              <a:tabLst>
+                <a:tab pos="63500" algn="l"/>
+              </a:tabLst>
+              <a:defRPr sz="2800">
+                <a:latin typeface="BatangChe" panose="02030609000101010101" pitchFamily="49" charset="-127"/>
+                <a:ea typeface="BatangChe" panose="02030609000101010101" pitchFamily="49" charset="-127"/>
+              </a:defRPr>
+            </a:lvl4pPr>
+            <a:lvl5pPr marL="1828800" indent="-1828800">
+              <a:buNone/>
+              <a:tabLst>
+                <a:tab pos="63500" algn="l"/>
+              </a:tabLst>
+              <a:defRPr sz="2800">
+                <a:latin typeface="David" panose="020E0502060401010101" pitchFamily="34" charset="-79"/>
+                <a:cs typeface="David" panose="020E0502060401010101" pitchFamily="34" charset="-79"/>
+              </a:defRPr>
+            </a:lvl5pPr>
+          </a:lstStyle>
+          <a:p>
+            <a:pPr lvl="0"/>
+            <a:r>
+              <a:rPr lang="en-US" dirty="0" smtClean="0"/>
+              <a:t>Edit Master text styles</a:t>
+            </a:r>
+          </a:p>
+          <a:p>
+            <a:pPr lvl="1"/>
+            <a:r>
+              <a:rPr lang="en-US" dirty="0" smtClean="0"/>
+              <a:t>Second level</a:t>
+            </a:r>
+          </a:p>
+          <a:p>
+            <a:pPr lvl="2"/>
+            <a:r>
+              <a:rPr lang="en-US" dirty="0" smtClean="0"/>
+              <a:t>Third level</a:t>
+            </a:r>
+          </a:p>
+          <a:p>
+            <a:pPr lvl="3"/>
+            <a:r>
+              <a:rPr lang="en-US" dirty="0" smtClean="0"/>
+              <a:t>Fourth level</a:t>
+            </a:r>
+          </a:p>
+          <a:p>
+            <a:pPr lvl="4"/>
+            <a:r>
+              <a:rPr lang="en-US" dirty="0" smtClean="0"/>
+              <a:t>Fifth level</a:t>
+            </a:r>
+            <a:endParaRPr lang="en-US" dirty="0"/>
+          </a:p>
+        </p:txBody>
+      </p:sp>
+    </p:spTree>
+    <p:extLst>
+      <p:ext uri="{BB962C8B-B14F-4D97-AF65-F5344CB8AC3E}">
+        <p14:creationId xmlns:p14="http://schemas.microsoft.com/office/powerpoint/2010/main" val="1997977074"/>
+      </p:ext>
+    </p:extLst>
+  </p:cSld>
+  <p:clrMapOvr>
+    <a:masterClrMapping/>
+  </p:clrMapOvr>
+  <p:timing>
+    <p:tnLst>
+      <p:par>
+        <p:cTn id="1" dur="indefinite" restart="never" nodeType="tmRoot"/>
+      </p:par>
+    </p:tnLst>
+  </p:timing>
+</p:sldLayout>
+</file>
+
+<file path=ppt/slideLayouts/slideLayout20.xml><?xml version="1.0" encoding="utf-8"?>
 <p:sldLayout xmlns:a="http://schemas.openxmlformats.org/drawingml/2006/main" xmlns:r="http://schemas.openxmlformats.org/officeDocument/2006/relationships" xmlns:p="http://schemas.openxmlformats.org/presentationml/2006/main" type="twoObj" preserve="1">
   <p:cSld name="Two Content">
     <p:spTree>
@@ -3681,9 +3229,9 @@
           <a:bodyPr/>
           <a:lstStyle/>
           <a:p>
-            <a:fld id="{7CFAEC73-E315-4A0F-8DFF-7EF2543E62EC}" type="datetimeFigureOut">
-              <a:rPr lang="en-US" smtClean="0"/>
-              <a:t>10/11/2022</a:t>
+            <a:fld id="{0354AC25-B403-4A23-85BD-543AAB64ECF7}" type="datetimeFigureOut">
+              <a:rPr lang="en-US" smtClean="0"/>
+              <a:t>10/13/2022</a:t>
             </a:fld>
             <a:endParaRPr lang="en-US"/>
           </a:p>
@@ -3723,7 +3271,7 @@
           <a:bodyPr/>
           <a:lstStyle/>
           <a:p>
-            <a:fld id="{13FE3D49-B9CF-4ACC-AAB6-DCCE22C02B87}" type="slidenum">
+            <a:fld id="{81FBEDE7-8D64-480B-9956-220C3845E471}" type="slidenum">
               <a:rPr lang="en-US" smtClean="0"/>
               <a:t>‹#›</a:t>
             </a:fld>
@@ -3734,7 +3282,7 @@
     </p:spTree>
     <p:extLst>
       <p:ext uri="{BB962C8B-B14F-4D97-AF65-F5344CB8AC3E}">
-        <p14:creationId xmlns:p14="http://schemas.microsoft.com/office/powerpoint/2010/main" val="4280997807"/>
+        <p14:creationId xmlns:p14="http://schemas.microsoft.com/office/powerpoint/2010/main" val="3411430261"/>
       </p:ext>
     </p:extLst>
   </p:cSld>
@@ -3744,7 +3292,7 @@
 </p:sldLayout>
 </file>
 
-<file path=ppt/slideLayouts/slideLayout5.xml><?xml version="1.0" encoding="utf-8"?>
+<file path=ppt/slideLayouts/slideLayout21.xml><?xml version="1.0" encoding="utf-8"?>
 <p:sldLayout xmlns:a="http://schemas.openxmlformats.org/drawingml/2006/main" xmlns:r="http://schemas.openxmlformats.org/officeDocument/2006/relationships" xmlns:p="http://schemas.openxmlformats.org/presentationml/2006/main" type="twoTxTwoObj" preserve="1">
   <p:cSld name="Comparison">
     <p:spTree>
@@ -4048,9 +3596,9 @@
           <a:bodyPr/>
           <a:lstStyle/>
           <a:p>
-            <a:fld id="{7CFAEC73-E315-4A0F-8DFF-7EF2543E62EC}" type="datetimeFigureOut">
-              <a:rPr lang="en-US" smtClean="0"/>
-              <a:t>10/11/2022</a:t>
+            <a:fld id="{0354AC25-B403-4A23-85BD-543AAB64ECF7}" type="datetimeFigureOut">
+              <a:rPr lang="en-US" smtClean="0"/>
+              <a:t>10/13/2022</a:t>
             </a:fld>
             <a:endParaRPr lang="en-US"/>
           </a:p>
@@ -4090,7 +3638,7 @@
           <a:bodyPr/>
           <a:lstStyle/>
           <a:p>
-            <a:fld id="{13FE3D49-B9CF-4ACC-AAB6-DCCE22C02B87}" type="slidenum">
+            <a:fld id="{81FBEDE7-8D64-480B-9956-220C3845E471}" type="slidenum">
               <a:rPr lang="en-US" smtClean="0"/>
               <a:t>‹#›</a:t>
             </a:fld>
@@ -4101,7 +3649,7 @@
     </p:spTree>
     <p:extLst>
       <p:ext uri="{BB962C8B-B14F-4D97-AF65-F5344CB8AC3E}">
-        <p14:creationId xmlns:p14="http://schemas.microsoft.com/office/powerpoint/2010/main" val="3366514106"/>
+        <p14:creationId xmlns:p14="http://schemas.microsoft.com/office/powerpoint/2010/main" val="1601102631"/>
       </p:ext>
     </p:extLst>
   </p:cSld>
@@ -4111,7 +3659,7 @@
 </p:sldLayout>
 </file>
 
-<file path=ppt/slideLayouts/slideLayout6.xml><?xml version="1.0" encoding="utf-8"?>
+<file path=ppt/slideLayouts/slideLayout22.xml><?xml version="1.0" encoding="utf-8"?>
 <p:sldLayout xmlns:a="http://schemas.openxmlformats.org/drawingml/2006/main" xmlns:r="http://schemas.openxmlformats.org/officeDocument/2006/relationships" xmlns:p="http://schemas.openxmlformats.org/presentationml/2006/main" type="titleOnly" preserve="1">
   <p:cSld name="Title Only">
     <p:spTree>
@@ -4166,9 +3714,9 @@
           <a:bodyPr/>
           <a:lstStyle/>
           <a:p>
-            <a:fld id="{7CFAEC73-E315-4A0F-8DFF-7EF2543E62EC}" type="datetimeFigureOut">
-              <a:rPr lang="en-US" smtClean="0"/>
-              <a:t>10/11/2022</a:t>
+            <a:fld id="{0354AC25-B403-4A23-85BD-543AAB64ECF7}" type="datetimeFigureOut">
+              <a:rPr lang="en-US" smtClean="0"/>
+              <a:t>10/13/2022</a:t>
             </a:fld>
             <a:endParaRPr lang="en-US"/>
           </a:p>
@@ -4208,7 +3756,7 @@
           <a:bodyPr/>
           <a:lstStyle/>
           <a:p>
-            <a:fld id="{13FE3D49-B9CF-4ACC-AAB6-DCCE22C02B87}" type="slidenum">
+            <a:fld id="{81FBEDE7-8D64-480B-9956-220C3845E471}" type="slidenum">
               <a:rPr lang="en-US" smtClean="0"/>
               <a:t>‹#›</a:t>
             </a:fld>
@@ -4219,7 +3767,7 @@
     </p:spTree>
     <p:extLst>
       <p:ext uri="{BB962C8B-B14F-4D97-AF65-F5344CB8AC3E}">
-        <p14:creationId xmlns:p14="http://schemas.microsoft.com/office/powerpoint/2010/main" val="4037885924"/>
+        <p14:creationId xmlns:p14="http://schemas.microsoft.com/office/powerpoint/2010/main" val="3291503184"/>
       </p:ext>
     </p:extLst>
   </p:cSld>
@@ -4229,7 +3777,7 @@
 </p:sldLayout>
 </file>
 
-<file path=ppt/slideLayouts/slideLayout7.xml><?xml version="1.0" encoding="utf-8"?>
+<file path=ppt/slideLayouts/slideLayout23.xml><?xml version="1.0" encoding="utf-8"?>
 <p:sldLayout xmlns:a="http://schemas.openxmlformats.org/drawingml/2006/main" xmlns:r="http://schemas.openxmlformats.org/officeDocument/2006/relationships" xmlns:p="http://schemas.openxmlformats.org/presentationml/2006/main" type="blank" preserve="1">
   <p:cSld name="Blank">
     <p:spTree>
@@ -4261,9 +3809,9 @@
           <a:bodyPr/>
           <a:lstStyle/>
           <a:p>
-            <a:fld id="{7CFAEC73-E315-4A0F-8DFF-7EF2543E62EC}" type="datetimeFigureOut">
-              <a:rPr lang="en-US" smtClean="0"/>
-              <a:t>10/11/2022</a:t>
+            <a:fld id="{0354AC25-B403-4A23-85BD-543AAB64ECF7}" type="datetimeFigureOut">
+              <a:rPr lang="en-US" smtClean="0"/>
+              <a:t>10/13/2022</a:t>
             </a:fld>
             <a:endParaRPr lang="en-US"/>
           </a:p>
@@ -4303,7 +3851,7 @@
           <a:bodyPr/>
           <a:lstStyle/>
           <a:p>
-            <a:fld id="{13FE3D49-B9CF-4ACC-AAB6-DCCE22C02B87}" type="slidenum">
+            <a:fld id="{81FBEDE7-8D64-480B-9956-220C3845E471}" type="slidenum">
               <a:rPr lang="en-US" smtClean="0"/>
               <a:t>‹#›</a:t>
             </a:fld>
@@ -4314,7 +3862,7 @@
     </p:spTree>
     <p:extLst>
       <p:ext uri="{BB962C8B-B14F-4D97-AF65-F5344CB8AC3E}">
-        <p14:creationId xmlns:p14="http://schemas.microsoft.com/office/powerpoint/2010/main" val="3021822049"/>
+        <p14:creationId xmlns:p14="http://schemas.microsoft.com/office/powerpoint/2010/main" val="4273595457"/>
       </p:ext>
     </p:extLst>
   </p:cSld>
@@ -4324,7 +3872,7 @@
 </p:sldLayout>
 </file>
 
-<file path=ppt/slideLayouts/slideLayout8.xml><?xml version="1.0" encoding="utf-8"?>
+<file path=ppt/slideLayouts/slideLayout24.xml><?xml version="1.0" encoding="utf-8"?>
 <p:sldLayout xmlns:a="http://schemas.openxmlformats.org/drawingml/2006/main" xmlns:r="http://schemas.openxmlformats.org/officeDocument/2006/relationships" xmlns:p="http://schemas.openxmlformats.org/presentationml/2006/main" type="objTx" preserve="1">
   <p:cSld name="Content with Caption">
     <p:spTree>
@@ -4538,9 +4086,9 @@
           <a:bodyPr/>
           <a:lstStyle/>
           <a:p>
-            <a:fld id="{7CFAEC73-E315-4A0F-8DFF-7EF2543E62EC}" type="datetimeFigureOut">
-              <a:rPr lang="en-US" smtClean="0"/>
-              <a:t>10/11/2022</a:t>
+            <a:fld id="{0354AC25-B403-4A23-85BD-543AAB64ECF7}" type="datetimeFigureOut">
+              <a:rPr lang="en-US" smtClean="0"/>
+              <a:t>10/13/2022</a:t>
             </a:fld>
             <a:endParaRPr lang="en-US"/>
           </a:p>
@@ -4580,7 +4128,7 @@
           <a:bodyPr/>
           <a:lstStyle/>
           <a:p>
-            <a:fld id="{13FE3D49-B9CF-4ACC-AAB6-DCCE22C02B87}" type="slidenum">
+            <a:fld id="{81FBEDE7-8D64-480B-9956-220C3845E471}" type="slidenum">
               <a:rPr lang="en-US" smtClean="0"/>
               <a:t>‹#›</a:t>
             </a:fld>
@@ -4591,7 +4139,7 @@
     </p:spTree>
     <p:extLst>
       <p:ext uri="{BB962C8B-B14F-4D97-AF65-F5344CB8AC3E}">
-        <p14:creationId xmlns:p14="http://schemas.microsoft.com/office/powerpoint/2010/main" val="294490060"/>
+        <p14:creationId xmlns:p14="http://schemas.microsoft.com/office/powerpoint/2010/main" val="587604973"/>
       </p:ext>
     </p:extLst>
   </p:cSld>
@@ -4601,7 +4149,7 @@
 </p:sldLayout>
 </file>
 
-<file path=ppt/slideLayouts/slideLayout9.xml><?xml version="1.0" encoding="utf-8"?>
+<file path=ppt/slideLayouts/slideLayout25.xml><?xml version="1.0" encoding="utf-8"?>
 <p:sldLayout xmlns:a="http://schemas.openxmlformats.org/drawingml/2006/main" xmlns:r="http://schemas.openxmlformats.org/officeDocument/2006/relationships" xmlns:p="http://schemas.openxmlformats.org/presentationml/2006/main" type="picTx" preserve="1">
   <p:cSld name="Picture with Caption">
     <p:spTree>
@@ -4707,6 +4255,10 @@
             </a:lvl9pPr>
           </a:lstStyle>
           <a:p>
+            <a:r>
+              <a:rPr lang="en-US" smtClean="0"/>
+              <a:t>Click icon to add picture</a:t>
+            </a:r>
             <a:endParaRPr lang="en-US"/>
           </a:p>
         </p:txBody>
@@ -4791,9 +4343,9 @@
           <a:bodyPr/>
           <a:lstStyle/>
           <a:p>
-            <a:fld id="{7CFAEC73-E315-4A0F-8DFF-7EF2543E62EC}" type="datetimeFigureOut">
-              <a:rPr lang="en-US" smtClean="0"/>
-              <a:t>10/11/2022</a:t>
+            <a:fld id="{0354AC25-B403-4A23-85BD-543AAB64ECF7}" type="datetimeFigureOut">
+              <a:rPr lang="en-US" smtClean="0"/>
+              <a:t>10/13/2022</a:t>
             </a:fld>
             <a:endParaRPr lang="en-US"/>
           </a:p>
@@ -4833,7 +4385,7 @@
           <a:bodyPr/>
           <a:lstStyle/>
           <a:p>
-            <a:fld id="{13FE3D49-B9CF-4ACC-AAB6-DCCE22C02B87}" type="slidenum">
+            <a:fld id="{81FBEDE7-8D64-480B-9956-220C3845E471}" type="slidenum">
               <a:rPr lang="en-US" smtClean="0"/>
               <a:t>‹#›</a:t>
             </a:fld>
@@ -4844,7 +4396,7 @@
     </p:spTree>
     <p:extLst>
       <p:ext uri="{BB962C8B-B14F-4D97-AF65-F5344CB8AC3E}">
-        <p14:creationId xmlns:p14="http://schemas.microsoft.com/office/powerpoint/2010/main" val="3822771319"/>
+        <p14:creationId xmlns:p14="http://schemas.microsoft.com/office/powerpoint/2010/main" val="1918102527"/>
       </p:ext>
     </p:extLst>
   </p:cSld>
@@ -4854,8 +4406,1878 @@
 </p:sldLayout>
 </file>
 
+<file path=ppt/slideLayouts/slideLayout26.xml><?xml version="1.0" encoding="utf-8"?>
+<p:sldLayout xmlns:a="http://schemas.openxmlformats.org/drawingml/2006/main" xmlns:r="http://schemas.openxmlformats.org/officeDocument/2006/relationships" xmlns:p="http://schemas.openxmlformats.org/presentationml/2006/main" type="vertTx" preserve="1">
+  <p:cSld name="Title and Vertical Text">
+    <p:spTree>
+      <p:nvGrpSpPr>
+        <p:cNvPr id="1" name=""/>
+        <p:cNvGrpSpPr/>
+        <p:nvPr/>
+      </p:nvGrpSpPr>
+      <p:grpSpPr>
+        <a:xfrm>
+          <a:off x="0" y="0"/>
+          <a:ext cx="0" cy="0"/>
+          <a:chOff x="0" y="0"/>
+          <a:chExt cx="0" cy="0"/>
+        </a:xfrm>
+      </p:grpSpPr>
+      <p:sp>
+        <p:nvSpPr>
+          <p:cNvPr id="2" name="Title 1"/>
+          <p:cNvSpPr>
+            <a:spLocks noGrp="1"/>
+          </p:cNvSpPr>
+          <p:nvPr>
+            <p:ph type="title"/>
+          </p:nvPr>
+        </p:nvSpPr>
+        <p:spPr/>
+        <p:txBody>
+          <a:bodyPr/>
+          <a:lstStyle/>
+          <a:p>
+            <a:r>
+              <a:rPr lang="en-US" smtClean="0"/>
+              <a:t>Click to edit Master title style</a:t>
+            </a:r>
+            <a:endParaRPr lang="en-US"/>
+          </a:p>
+        </p:txBody>
+      </p:sp>
+      <p:sp>
+        <p:nvSpPr>
+          <p:cNvPr id="3" name="Vertical Text Placeholder 2"/>
+          <p:cNvSpPr>
+            <a:spLocks noGrp="1"/>
+          </p:cNvSpPr>
+          <p:nvPr>
+            <p:ph type="body" orient="vert" idx="1"/>
+          </p:nvPr>
+        </p:nvSpPr>
+        <p:spPr/>
+        <p:txBody>
+          <a:bodyPr vert="eaVert"/>
+          <a:lstStyle/>
+          <a:p>
+            <a:pPr lvl="0"/>
+            <a:r>
+              <a:rPr lang="en-US" smtClean="0"/>
+              <a:t>Edit Master text styles</a:t>
+            </a:r>
+          </a:p>
+          <a:p>
+            <a:pPr lvl="1"/>
+            <a:r>
+              <a:rPr lang="en-US" smtClean="0"/>
+              <a:t>Second level</a:t>
+            </a:r>
+          </a:p>
+          <a:p>
+            <a:pPr lvl="2"/>
+            <a:r>
+              <a:rPr lang="en-US" smtClean="0"/>
+              <a:t>Third level</a:t>
+            </a:r>
+          </a:p>
+          <a:p>
+            <a:pPr lvl="3"/>
+            <a:r>
+              <a:rPr lang="en-US" smtClean="0"/>
+              <a:t>Fourth level</a:t>
+            </a:r>
+          </a:p>
+          <a:p>
+            <a:pPr lvl="4"/>
+            <a:r>
+              <a:rPr lang="en-US" smtClean="0"/>
+              <a:t>Fifth level</a:t>
+            </a:r>
+            <a:endParaRPr lang="en-US"/>
+          </a:p>
+        </p:txBody>
+      </p:sp>
+      <p:sp>
+        <p:nvSpPr>
+          <p:cNvPr id="4" name="Date Placeholder 3"/>
+          <p:cNvSpPr>
+            <a:spLocks noGrp="1"/>
+          </p:cNvSpPr>
+          <p:nvPr>
+            <p:ph type="dt" sz="half" idx="10"/>
+          </p:nvPr>
+        </p:nvSpPr>
+        <p:spPr/>
+        <p:txBody>
+          <a:bodyPr/>
+          <a:lstStyle/>
+          <a:p>
+            <a:fld id="{0354AC25-B403-4A23-85BD-543AAB64ECF7}" type="datetimeFigureOut">
+              <a:rPr lang="en-US" smtClean="0"/>
+              <a:t>10/13/2022</a:t>
+            </a:fld>
+            <a:endParaRPr lang="en-US"/>
+          </a:p>
+        </p:txBody>
+      </p:sp>
+      <p:sp>
+        <p:nvSpPr>
+          <p:cNvPr id="5" name="Footer Placeholder 4"/>
+          <p:cNvSpPr>
+            <a:spLocks noGrp="1"/>
+          </p:cNvSpPr>
+          <p:nvPr>
+            <p:ph type="ftr" sz="quarter" idx="11"/>
+          </p:nvPr>
+        </p:nvSpPr>
+        <p:spPr/>
+        <p:txBody>
+          <a:bodyPr/>
+          <a:lstStyle/>
+          <a:p>
+            <a:endParaRPr lang="en-US"/>
+          </a:p>
+        </p:txBody>
+      </p:sp>
+      <p:sp>
+        <p:nvSpPr>
+          <p:cNvPr id="6" name="Slide Number Placeholder 5"/>
+          <p:cNvSpPr>
+            <a:spLocks noGrp="1"/>
+          </p:cNvSpPr>
+          <p:nvPr>
+            <p:ph type="sldNum" sz="quarter" idx="12"/>
+          </p:nvPr>
+        </p:nvSpPr>
+        <p:spPr/>
+        <p:txBody>
+          <a:bodyPr/>
+          <a:lstStyle/>
+          <a:p>
+            <a:fld id="{81FBEDE7-8D64-480B-9956-220C3845E471}" type="slidenum">
+              <a:rPr lang="en-US" smtClean="0"/>
+              <a:t>‹#›</a:t>
+            </a:fld>
+            <a:endParaRPr lang="en-US"/>
+          </a:p>
+        </p:txBody>
+      </p:sp>
+    </p:spTree>
+    <p:extLst>
+      <p:ext uri="{BB962C8B-B14F-4D97-AF65-F5344CB8AC3E}">
+        <p14:creationId xmlns:p14="http://schemas.microsoft.com/office/powerpoint/2010/main" val="2071812453"/>
+      </p:ext>
+    </p:extLst>
+  </p:cSld>
+  <p:clrMapOvr>
+    <a:masterClrMapping/>
+  </p:clrMapOvr>
+</p:sldLayout>
+</file>
+
+<file path=ppt/slideLayouts/slideLayout27.xml><?xml version="1.0" encoding="utf-8"?>
+<p:sldLayout xmlns:a="http://schemas.openxmlformats.org/drawingml/2006/main" xmlns:r="http://schemas.openxmlformats.org/officeDocument/2006/relationships" xmlns:p="http://schemas.openxmlformats.org/presentationml/2006/main" type="vertTitleAndTx" preserve="1">
+  <p:cSld name="Vertical Title and Text">
+    <p:spTree>
+      <p:nvGrpSpPr>
+        <p:cNvPr id="1" name=""/>
+        <p:cNvGrpSpPr/>
+        <p:nvPr/>
+      </p:nvGrpSpPr>
+      <p:grpSpPr>
+        <a:xfrm>
+          <a:off x="0" y="0"/>
+          <a:ext cx="0" cy="0"/>
+          <a:chOff x="0" y="0"/>
+          <a:chExt cx="0" cy="0"/>
+        </a:xfrm>
+      </p:grpSpPr>
+      <p:sp>
+        <p:nvSpPr>
+          <p:cNvPr id="2" name="Vertical Title 1"/>
+          <p:cNvSpPr>
+            <a:spLocks noGrp="1"/>
+          </p:cNvSpPr>
+          <p:nvPr>
+            <p:ph type="title" orient="vert"/>
+          </p:nvPr>
+        </p:nvSpPr>
+        <p:spPr>
+          <a:xfrm>
+            <a:off x="8724900" y="365125"/>
+            <a:ext cx="2628900" cy="5811838"/>
+          </a:xfrm>
+        </p:spPr>
+        <p:txBody>
+          <a:bodyPr vert="eaVert"/>
+          <a:lstStyle/>
+          <a:p>
+            <a:r>
+              <a:rPr lang="en-US" smtClean="0"/>
+              <a:t>Click to edit Master title style</a:t>
+            </a:r>
+            <a:endParaRPr lang="en-US"/>
+          </a:p>
+        </p:txBody>
+      </p:sp>
+      <p:sp>
+        <p:nvSpPr>
+          <p:cNvPr id="3" name="Vertical Text Placeholder 2"/>
+          <p:cNvSpPr>
+            <a:spLocks noGrp="1"/>
+          </p:cNvSpPr>
+          <p:nvPr>
+            <p:ph type="body" orient="vert" idx="1"/>
+          </p:nvPr>
+        </p:nvSpPr>
+        <p:spPr>
+          <a:xfrm>
+            <a:off x="838200" y="365125"/>
+            <a:ext cx="7734300" cy="5811838"/>
+          </a:xfrm>
+        </p:spPr>
+        <p:txBody>
+          <a:bodyPr vert="eaVert"/>
+          <a:lstStyle/>
+          <a:p>
+            <a:pPr lvl="0"/>
+            <a:r>
+              <a:rPr lang="en-US" smtClean="0"/>
+              <a:t>Edit Master text styles</a:t>
+            </a:r>
+          </a:p>
+          <a:p>
+            <a:pPr lvl="1"/>
+            <a:r>
+              <a:rPr lang="en-US" smtClean="0"/>
+              <a:t>Second level</a:t>
+            </a:r>
+          </a:p>
+          <a:p>
+            <a:pPr lvl="2"/>
+            <a:r>
+              <a:rPr lang="en-US" smtClean="0"/>
+              <a:t>Third level</a:t>
+            </a:r>
+          </a:p>
+          <a:p>
+            <a:pPr lvl="3"/>
+            <a:r>
+              <a:rPr lang="en-US" smtClean="0"/>
+              <a:t>Fourth level</a:t>
+            </a:r>
+          </a:p>
+          <a:p>
+            <a:pPr lvl="4"/>
+            <a:r>
+              <a:rPr lang="en-US" smtClean="0"/>
+              <a:t>Fifth level</a:t>
+            </a:r>
+            <a:endParaRPr lang="en-US"/>
+          </a:p>
+        </p:txBody>
+      </p:sp>
+      <p:sp>
+        <p:nvSpPr>
+          <p:cNvPr id="4" name="Date Placeholder 3"/>
+          <p:cNvSpPr>
+            <a:spLocks noGrp="1"/>
+          </p:cNvSpPr>
+          <p:nvPr>
+            <p:ph type="dt" sz="half" idx="10"/>
+          </p:nvPr>
+        </p:nvSpPr>
+        <p:spPr/>
+        <p:txBody>
+          <a:bodyPr/>
+          <a:lstStyle/>
+          <a:p>
+            <a:fld id="{0354AC25-B403-4A23-85BD-543AAB64ECF7}" type="datetimeFigureOut">
+              <a:rPr lang="en-US" smtClean="0"/>
+              <a:t>10/13/2022</a:t>
+            </a:fld>
+            <a:endParaRPr lang="en-US"/>
+          </a:p>
+        </p:txBody>
+      </p:sp>
+      <p:sp>
+        <p:nvSpPr>
+          <p:cNvPr id="5" name="Footer Placeholder 4"/>
+          <p:cNvSpPr>
+            <a:spLocks noGrp="1"/>
+          </p:cNvSpPr>
+          <p:nvPr>
+            <p:ph type="ftr" sz="quarter" idx="11"/>
+          </p:nvPr>
+        </p:nvSpPr>
+        <p:spPr/>
+        <p:txBody>
+          <a:bodyPr/>
+          <a:lstStyle/>
+          <a:p>
+            <a:endParaRPr lang="en-US"/>
+          </a:p>
+        </p:txBody>
+      </p:sp>
+      <p:sp>
+        <p:nvSpPr>
+          <p:cNvPr id="6" name="Slide Number Placeholder 5"/>
+          <p:cNvSpPr>
+            <a:spLocks noGrp="1"/>
+          </p:cNvSpPr>
+          <p:nvPr>
+            <p:ph type="sldNum" sz="quarter" idx="12"/>
+          </p:nvPr>
+        </p:nvSpPr>
+        <p:spPr/>
+        <p:txBody>
+          <a:bodyPr/>
+          <a:lstStyle/>
+          <a:p>
+            <a:fld id="{81FBEDE7-8D64-480B-9956-220C3845E471}" type="slidenum">
+              <a:rPr lang="en-US" smtClean="0"/>
+              <a:t>‹#›</a:t>
+            </a:fld>
+            <a:endParaRPr lang="en-US"/>
+          </a:p>
+        </p:txBody>
+      </p:sp>
+    </p:spTree>
+    <p:extLst>
+      <p:ext uri="{BB962C8B-B14F-4D97-AF65-F5344CB8AC3E}">
+        <p14:creationId xmlns:p14="http://schemas.microsoft.com/office/powerpoint/2010/main" val="2270591890"/>
+      </p:ext>
+    </p:extLst>
+  </p:cSld>
+  <p:clrMapOvr>
+    <a:masterClrMapping/>
+  </p:clrMapOvr>
+</p:sldLayout>
+</file>
+
+<file path=ppt/slideLayouts/slideLayout3.xml><?xml version="1.0" encoding="utf-8"?>
+<p:sldLayout xmlns:a="http://schemas.openxmlformats.org/drawingml/2006/main" xmlns:r="http://schemas.openxmlformats.org/officeDocument/2006/relationships" xmlns:p="http://schemas.openxmlformats.org/presentationml/2006/main" preserve="1" userDrawn="1">
+  <p:cSld name="3_Custom Layout">
+    <p:spTree>
+      <p:nvGrpSpPr>
+        <p:cNvPr id="1" name=""/>
+        <p:cNvGrpSpPr/>
+        <p:nvPr/>
+      </p:nvGrpSpPr>
+      <p:grpSpPr>
+        <a:xfrm>
+          <a:off x="0" y="0"/>
+          <a:ext cx="0" cy="0"/>
+          <a:chOff x="0" y="0"/>
+          <a:chExt cx="0" cy="0"/>
+        </a:xfrm>
+      </p:grpSpPr>
+      <p:sp>
+        <p:nvSpPr>
+          <p:cNvPr id="2" name="Title 1"/>
+          <p:cNvSpPr>
+            <a:spLocks noGrp="1"/>
+          </p:cNvSpPr>
+          <p:nvPr>
+            <p:ph type="title" hasCustomPrompt="1"/>
+          </p:nvPr>
+        </p:nvSpPr>
+        <p:spPr/>
+        <p:txBody>
+          <a:bodyPr/>
+          <a:lstStyle>
+            <a:lvl1pPr>
+              <a:defRPr baseline="0"/>
+            </a:lvl1pPr>
+          </a:lstStyle>
+          <a:p>
+            <a:r>
+              <a:rPr lang="en-US" dirty="0" smtClean="0"/>
+              <a:t>Áp dụng vào việc tạo hình chống nghiêng</a:t>
+            </a:r>
+            <a:endParaRPr lang="en-US" dirty="0"/>
+          </a:p>
+        </p:txBody>
+      </p:sp>
+      <p:sp>
+        <p:nvSpPr>
+          <p:cNvPr id="7" name="Picture Placeholder 6"/>
+          <p:cNvSpPr>
+            <a:spLocks noGrp="1"/>
+          </p:cNvSpPr>
+          <p:nvPr>
+            <p:ph type="pic" sz="quarter" idx="13"/>
+          </p:nvPr>
+        </p:nvSpPr>
+        <p:spPr>
+          <a:xfrm rot="2436678">
+            <a:off x="1765300" y="2120900"/>
+            <a:ext cx="2374900" cy="2235200"/>
+          </a:xfrm>
+        </p:spPr>
+        <p:txBody>
+          <a:bodyPr/>
+          <a:lstStyle/>
+          <a:p>
+            <a:endParaRPr lang="en-US"/>
+          </a:p>
+        </p:txBody>
+      </p:sp>
+      <p:sp>
+        <p:nvSpPr>
+          <p:cNvPr id="16" name="Freeform 15"/>
+          <p:cNvSpPr>
+            <a:spLocks noGrp="1"/>
+          </p:cNvSpPr>
+          <p:nvPr>
+            <p:ph type="pic" sz="quarter" idx="15"/>
+          </p:nvPr>
+        </p:nvSpPr>
+        <p:spPr>
+          <a:xfrm>
+            <a:off x="5007730" y="1472540"/>
+            <a:ext cx="4462540" cy="3882759"/>
+          </a:xfrm>
+          <a:custGeom>
+            <a:avLst/>
+            <a:gdLst>
+              <a:gd name="connsiteX0" fmla="*/ 1101819 w 4462540"/>
+              <a:gd name="connsiteY0" fmla="*/ 0 h 3882759"/>
+              <a:gd name="connsiteX1" fmla="*/ 4462540 w 4462540"/>
+              <a:gd name="connsiteY1" fmla="*/ 1684381 h 3882759"/>
+              <a:gd name="connsiteX2" fmla="*/ 3360721 w 4462540"/>
+              <a:gd name="connsiteY2" fmla="*/ 3882759 h 3882759"/>
+              <a:gd name="connsiteX3" fmla="*/ 0 w 4462540"/>
+              <a:gd name="connsiteY3" fmla="*/ 2198377 h 3882759"/>
+            </a:gdLst>
+            <a:ahLst/>
+            <a:cxnLst>
+              <a:cxn ang="0">
+                <a:pos x="connsiteX0" y="connsiteY0"/>
+              </a:cxn>
+              <a:cxn ang="0">
+                <a:pos x="connsiteX1" y="connsiteY1"/>
+              </a:cxn>
+              <a:cxn ang="0">
+                <a:pos x="connsiteX2" y="connsiteY2"/>
+              </a:cxn>
+              <a:cxn ang="0">
+                <a:pos x="connsiteX3" y="connsiteY3"/>
+              </a:cxn>
+            </a:cxnLst>
+            <a:rect l="l" t="t" r="r" b="b"/>
+            <a:pathLst>
+              <a:path w="4462540" h="3882759">
+                <a:moveTo>
+                  <a:pt x="1101819" y="0"/>
+                </a:moveTo>
+                <a:lnTo>
+                  <a:pt x="4462540" y="1684381"/>
+                </a:lnTo>
+                <a:lnTo>
+                  <a:pt x="3360721" y="3882759"/>
+                </a:lnTo>
+                <a:lnTo>
+                  <a:pt x="0" y="2198377"/>
+                </a:lnTo>
+                <a:close/>
+              </a:path>
+            </a:pathLst>
+          </a:custGeom>
+        </p:spPr>
+        <p:txBody>
+          <a:bodyPr wrap="square">
+            <a:noAutofit/>
+          </a:bodyPr>
+          <a:lstStyle/>
+          <a:p>
+            <a:endParaRPr lang="en-US"/>
+          </a:p>
+        </p:txBody>
+      </p:sp>
+    </p:spTree>
+    <p:extLst>
+      <p:ext uri="{BB962C8B-B14F-4D97-AF65-F5344CB8AC3E}">
+        <p14:creationId xmlns:p14="http://schemas.microsoft.com/office/powerpoint/2010/main" val="3521836608"/>
+      </p:ext>
+    </p:extLst>
+  </p:cSld>
+  <p:clrMapOvr>
+    <a:masterClrMapping/>
+  </p:clrMapOvr>
+  <p:timing>
+    <p:tnLst>
+      <p:par>
+        <p:cTn id="1" dur="indefinite" restart="never" nodeType="tmRoot"/>
+      </p:par>
+    </p:tnLst>
+  </p:timing>
+</p:sldLayout>
+</file>
+
+<file path=ppt/slideLayouts/slideLayout4.xml><?xml version="1.0" encoding="utf-8"?>
+<p:sldLayout xmlns:a="http://schemas.openxmlformats.org/drawingml/2006/main" xmlns:r="http://schemas.openxmlformats.org/officeDocument/2006/relationships" xmlns:p="http://schemas.openxmlformats.org/presentationml/2006/main" type="title" preserve="1">
+  <p:cSld name="Title Slide">
+    <p:spTree>
+      <p:nvGrpSpPr>
+        <p:cNvPr id="1" name=""/>
+        <p:cNvGrpSpPr/>
+        <p:nvPr/>
+      </p:nvGrpSpPr>
+      <p:grpSpPr>
+        <a:xfrm>
+          <a:off x="0" y="0"/>
+          <a:ext cx="0" cy="0"/>
+          <a:chOff x="0" y="0"/>
+          <a:chExt cx="0" cy="0"/>
+        </a:xfrm>
+      </p:grpSpPr>
+      <p:sp>
+        <p:nvSpPr>
+          <p:cNvPr id="2" name="Title 1"/>
+          <p:cNvSpPr>
+            <a:spLocks noGrp="1"/>
+          </p:cNvSpPr>
+          <p:nvPr>
+            <p:ph type="ctrTitle"/>
+          </p:nvPr>
+        </p:nvSpPr>
+        <p:spPr>
+          <a:xfrm>
+            <a:off x="1524000" y="1122363"/>
+            <a:ext cx="9144000" cy="2387600"/>
+          </a:xfrm>
+        </p:spPr>
+        <p:txBody>
+          <a:bodyPr anchor="b"/>
+          <a:lstStyle>
+            <a:lvl1pPr algn="ctr">
+              <a:defRPr sz="6000"/>
+            </a:lvl1pPr>
+          </a:lstStyle>
+          <a:p>
+            <a:r>
+              <a:rPr lang="en-US" smtClean="0"/>
+              <a:t>Click to edit Master title style</a:t>
+            </a:r>
+            <a:endParaRPr lang="en-US"/>
+          </a:p>
+        </p:txBody>
+      </p:sp>
+      <p:sp>
+        <p:nvSpPr>
+          <p:cNvPr id="3" name="Subtitle 2"/>
+          <p:cNvSpPr>
+            <a:spLocks noGrp="1"/>
+          </p:cNvSpPr>
+          <p:nvPr>
+            <p:ph type="subTitle" idx="1"/>
+          </p:nvPr>
+        </p:nvSpPr>
+        <p:spPr>
+          <a:xfrm>
+            <a:off x="1524000" y="3602038"/>
+            <a:ext cx="9144000" cy="1655762"/>
+          </a:xfrm>
+        </p:spPr>
+        <p:txBody>
+          <a:bodyPr/>
+          <a:lstStyle>
+            <a:lvl1pPr marL="0" indent="0" algn="ctr">
+              <a:buNone/>
+              <a:defRPr sz="2400"/>
+            </a:lvl1pPr>
+            <a:lvl2pPr marL="457200" indent="0" algn="ctr">
+              <a:buNone/>
+              <a:defRPr sz="2000"/>
+            </a:lvl2pPr>
+            <a:lvl3pPr marL="914400" indent="0" algn="ctr">
+              <a:buNone/>
+              <a:defRPr sz="1800"/>
+            </a:lvl3pPr>
+            <a:lvl4pPr marL="1371600" indent="0" algn="ctr">
+              <a:buNone/>
+              <a:defRPr sz="1600"/>
+            </a:lvl4pPr>
+            <a:lvl5pPr marL="1828800" indent="0" algn="ctr">
+              <a:buNone/>
+              <a:defRPr sz="1600"/>
+            </a:lvl5pPr>
+            <a:lvl6pPr marL="2286000" indent="0" algn="ctr">
+              <a:buNone/>
+              <a:defRPr sz="1600"/>
+            </a:lvl6pPr>
+            <a:lvl7pPr marL="2743200" indent="0" algn="ctr">
+              <a:buNone/>
+              <a:defRPr sz="1600"/>
+            </a:lvl7pPr>
+            <a:lvl8pPr marL="3200400" indent="0" algn="ctr">
+              <a:buNone/>
+              <a:defRPr sz="1600"/>
+            </a:lvl8pPr>
+            <a:lvl9pPr marL="3657600" indent="0" algn="ctr">
+              <a:buNone/>
+              <a:defRPr sz="1600"/>
+            </a:lvl9pPr>
+          </a:lstStyle>
+          <a:p>
+            <a:r>
+              <a:rPr lang="en-US" smtClean="0"/>
+              <a:t>Click to edit Master subtitle style</a:t>
+            </a:r>
+            <a:endParaRPr lang="en-US"/>
+          </a:p>
+        </p:txBody>
+      </p:sp>
+      <p:sp>
+        <p:nvSpPr>
+          <p:cNvPr id="4" name="Date Placeholder 3"/>
+          <p:cNvSpPr>
+            <a:spLocks noGrp="1"/>
+          </p:cNvSpPr>
+          <p:nvPr>
+            <p:ph type="dt" sz="half" idx="10"/>
+          </p:nvPr>
+        </p:nvSpPr>
+        <p:spPr/>
+        <p:txBody>
+          <a:bodyPr/>
+          <a:lstStyle/>
+          <a:p>
+            <a:fld id="{0354AC25-B403-4A23-85BD-543AAB64ECF7}" type="datetimeFigureOut">
+              <a:rPr lang="en-US" smtClean="0"/>
+              <a:t>10/13/2022</a:t>
+            </a:fld>
+            <a:endParaRPr lang="en-US"/>
+          </a:p>
+        </p:txBody>
+      </p:sp>
+      <p:sp>
+        <p:nvSpPr>
+          <p:cNvPr id="5" name="Footer Placeholder 4"/>
+          <p:cNvSpPr>
+            <a:spLocks noGrp="1"/>
+          </p:cNvSpPr>
+          <p:nvPr>
+            <p:ph type="ftr" sz="quarter" idx="11"/>
+          </p:nvPr>
+        </p:nvSpPr>
+        <p:spPr/>
+        <p:txBody>
+          <a:bodyPr/>
+          <a:lstStyle/>
+          <a:p>
+            <a:endParaRPr lang="en-US"/>
+          </a:p>
+        </p:txBody>
+      </p:sp>
+      <p:sp>
+        <p:nvSpPr>
+          <p:cNvPr id="6" name="Slide Number Placeholder 5"/>
+          <p:cNvSpPr>
+            <a:spLocks noGrp="1"/>
+          </p:cNvSpPr>
+          <p:nvPr>
+            <p:ph type="sldNum" sz="quarter" idx="12"/>
+          </p:nvPr>
+        </p:nvSpPr>
+        <p:spPr/>
+        <p:txBody>
+          <a:bodyPr/>
+          <a:lstStyle/>
+          <a:p>
+            <a:fld id="{81FBEDE7-8D64-480B-9956-220C3845E471}" type="slidenum">
+              <a:rPr lang="en-US" smtClean="0"/>
+              <a:t>‹#›</a:t>
+            </a:fld>
+            <a:endParaRPr lang="en-US"/>
+          </a:p>
+        </p:txBody>
+      </p:sp>
+    </p:spTree>
+    <p:extLst>
+      <p:ext uri="{BB962C8B-B14F-4D97-AF65-F5344CB8AC3E}">
+        <p14:creationId xmlns:p14="http://schemas.microsoft.com/office/powerpoint/2010/main" val="1984234391"/>
+      </p:ext>
+    </p:extLst>
+  </p:cSld>
+  <p:clrMapOvr>
+    <a:masterClrMapping/>
+  </p:clrMapOvr>
+  <p:timing>
+    <p:tnLst>
+      <p:par>
+        <p:cTn id="1" dur="indefinite" restart="never" nodeType="tmRoot"/>
+      </p:par>
+    </p:tnLst>
+  </p:timing>
+</p:sldLayout>
+</file>
+
+<file path=ppt/slideLayouts/slideLayout5.xml><?xml version="1.0" encoding="utf-8"?>
+<p:sldLayout xmlns:a="http://schemas.openxmlformats.org/drawingml/2006/main" xmlns:r="http://schemas.openxmlformats.org/officeDocument/2006/relationships" xmlns:p="http://schemas.openxmlformats.org/presentationml/2006/main" type="obj" preserve="1">
+  <p:cSld name="Title and Content">
+    <p:spTree>
+      <p:nvGrpSpPr>
+        <p:cNvPr id="1" name=""/>
+        <p:cNvGrpSpPr/>
+        <p:nvPr/>
+      </p:nvGrpSpPr>
+      <p:grpSpPr>
+        <a:xfrm>
+          <a:off x="0" y="0"/>
+          <a:ext cx="0" cy="0"/>
+          <a:chOff x="0" y="0"/>
+          <a:chExt cx="0" cy="0"/>
+        </a:xfrm>
+      </p:grpSpPr>
+      <p:sp>
+        <p:nvSpPr>
+          <p:cNvPr id="2" name="Title 1"/>
+          <p:cNvSpPr>
+            <a:spLocks noGrp="1"/>
+          </p:cNvSpPr>
+          <p:nvPr>
+            <p:ph type="title"/>
+          </p:nvPr>
+        </p:nvSpPr>
+        <p:spPr/>
+        <p:txBody>
+          <a:bodyPr/>
+          <a:lstStyle/>
+          <a:p>
+            <a:r>
+              <a:rPr lang="en-US" smtClean="0"/>
+              <a:t>Click to edit Master title style</a:t>
+            </a:r>
+            <a:endParaRPr lang="en-US"/>
+          </a:p>
+        </p:txBody>
+      </p:sp>
+      <p:sp>
+        <p:nvSpPr>
+          <p:cNvPr id="3" name="Content Placeholder 2"/>
+          <p:cNvSpPr>
+            <a:spLocks noGrp="1"/>
+          </p:cNvSpPr>
+          <p:nvPr>
+            <p:ph idx="1"/>
+          </p:nvPr>
+        </p:nvSpPr>
+        <p:spPr/>
+        <p:txBody>
+          <a:bodyPr/>
+          <a:lstStyle/>
+          <a:p>
+            <a:pPr lvl="0"/>
+            <a:r>
+              <a:rPr lang="en-US" smtClean="0"/>
+              <a:t>Edit Master text styles</a:t>
+            </a:r>
+          </a:p>
+          <a:p>
+            <a:pPr lvl="1"/>
+            <a:r>
+              <a:rPr lang="en-US" smtClean="0"/>
+              <a:t>Second level</a:t>
+            </a:r>
+          </a:p>
+          <a:p>
+            <a:pPr lvl="2"/>
+            <a:r>
+              <a:rPr lang="en-US" smtClean="0"/>
+              <a:t>Third level</a:t>
+            </a:r>
+          </a:p>
+          <a:p>
+            <a:pPr lvl="3"/>
+            <a:r>
+              <a:rPr lang="en-US" smtClean="0"/>
+              <a:t>Fourth level</a:t>
+            </a:r>
+          </a:p>
+          <a:p>
+            <a:pPr lvl="4"/>
+            <a:r>
+              <a:rPr lang="en-US" smtClean="0"/>
+              <a:t>Fifth level</a:t>
+            </a:r>
+            <a:endParaRPr lang="en-US"/>
+          </a:p>
+        </p:txBody>
+      </p:sp>
+      <p:sp>
+        <p:nvSpPr>
+          <p:cNvPr id="4" name="Date Placeholder 3"/>
+          <p:cNvSpPr>
+            <a:spLocks noGrp="1"/>
+          </p:cNvSpPr>
+          <p:nvPr>
+            <p:ph type="dt" sz="half" idx="10"/>
+          </p:nvPr>
+        </p:nvSpPr>
+        <p:spPr/>
+        <p:txBody>
+          <a:bodyPr/>
+          <a:lstStyle/>
+          <a:p>
+            <a:fld id="{0354AC25-B403-4A23-85BD-543AAB64ECF7}" type="datetimeFigureOut">
+              <a:rPr lang="en-US" smtClean="0"/>
+              <a:t>10/13/2022</a:t>
+            </a:fld>
+            <a:endParaRPr lang="en-US"/>
+          </a:p>
+        </p:txBody>
+      </p:sp>
+      <p:sp>
+        <p:nvSpPr>
+          <p:cNvPr id="5" name="Footer Placeholder 4"/>
+          <p:cNvSpPr>
+            <a:spLocks noGrp="1"/>
+          </p:cNvSpPr>
+          <p:nvPr>
+            <p:ph type="ftr" sz="quarter" idx="11"/>
+          </p:nvPr>
+        </p:nvSpPr>
+        <p:spPr/>
+        <p:txBody>
+          <a:bodyPr/>
+          <a:lstStyle/>
+          <a:p>
+            <a:endParaRPr lang="en-US"/>
+          </a:p>
+        </p:txBody>
+      </p:sp>
+      <p:sp>
+        <p:nvSpPr>
+          <p:cNvPr id="6" name="Slide Number Placeholder 5"/>
+          <p:cNvSpPr>
+            <a:spLocks noGrp="1"/>
+          </p:cNvSpPr>
+          <p:nvPr>
+            <p:ph type="sldNum" sz="quarter" idx="12"/>
+          </p:nvPr>
+        </p:nvSpPr>
+        <p:spPr/>
+        <p:txBody>
+          <a:bodyPr/>
+          <a:lstStyle/>
+          <a:p>
+            <a:fld id="{81FBEDE7-8D64-480B-9956-220C3845E471}" type="slidenum">
+              <a:rPr lang="en-US" smtClean="0"/>
+              <a:t>‹#›</a:t>
+            </a:fld>
+            <a:endParaRPr lang="en-US"/>
+          </a:p>
+        </p:txBody>
+      </p:sp>
+    </p:spTree>
+    <p:extLst>
+      <p:ext uri="{BB962C8B-B14F-4D97-AF65-F5344CB8AC3E}">
+        <p14:creationId xmlns:p14="http://schemas.microsoft.com/office/powerpoint/2010/main" val="1938948547"/>
+      </p:ext>
+    </p:extLst>
+  </p:cSld>
+  <p:clrMapOvr>
+    <a:masterClrMapping/>
+  </p:clrMapOvr>
+  <p:timing>
+    <p:tnLst>
+      <p:par>
+        <p:cTn id="1" dur="indefinite" restart="never" nodeType="tmRoot"/>
+      </p:par>
+    </p:tnLst>
+  </p:timing>
+</p:sldLayout>
+</file>
+
+<file path=ppt/slideLayouts/slideLayout6.xml><?xml version="1.0" encoding="utf-8"?>
+<p:sldLayout xmlns:a="http://schemas.openxmlformats.org/drawingml/2006/main" xmlns:r="http://schemas.openxmlformats.org/officeDocument/2006/relationships" xmlns:p="http://schemas.openxmlformats.org/presentationml/2006/main" type="secHead" preserve="1">
+  <p:cSld name="Section Header">
+    <p:spTree>
+      <p:nvGrpSpPr>
+        <p:cNvPr id="1" name=""/>
+        <p:cNvGrpSpPr/>
+        <p:nvPr/>
+      </p:nvGrpSpPr>
+      <p:grpSpPr>
+        <a:xfrm>
+          <a:off x="0" y="0"/>
+          <a:ext cx="0" cy="0"/>
+          <a:chOff x="0" y="0"/>
+          <a:chExt cx="0" cy="0"/>
+        </a:xfrm>
+      </p:grpSpPr>
+      <p:sp>
+        <p:nvSpPr>
+          <p:cNvPr id="2" name="Title 1"/>
+          <p:cNvSpPr>
+            <a:spLocks noGrp="1"/>
+          </p:cNvSpPr>
+          <p:nvPr>
+            <p:ph type="title"/>
+          </p:nvPr>
+        </p:nvSpPr>
+        <p:spPr>
+          <a:xfrm>
+            <a:off x="831850" y="1709738"/>
+            <a:ext cx="10515600" cy="2852737"/>
+          </a:xfrm>
+        </p:spPr>
+        <p:txBody>
+          <a:bodyPr anchor="b"/>
+          <a:lstStyle>
+            <a:lvl1pPr>
+              <a:defRPr sz="6000"/>
+            </a:lvl1pPr>
+          </a:lstStyle>
+          <a:p>
+            <a:r>
+              <a:rPr lang="en-US" smtClean="0"/>
+              <a:t>Click to edit Master title style</a:t>
+            </a:r>
+            <a:endParaRPr lang="en-US"/>
+          </a:p>
+        </p:txBody>
+      </p:sp>
+      <p:sp>
+        <p:nvSpPr>
+          <p:cNvPr id="3" name="Text Placeholder 2"/>
+          <p:cNvSpPr>
+            <a:spLocks noGrp="1"/>
+          </p:cNvSpPr>
+          <p:nvPr>
+            <p:ph type="body" idx="1"/>
+          </p:nvPr>
+        </p:nvSpPr>
+        <p:spPr>
+          <a:xfrm>
+            <a:off x="831850" y="4589463"/>
+            <a:ext cx="10515600" cy="1500187"/>
+          </a:xfrm>
+        </p:spPr>
+        <p:txBody>
+          <a:bodyPr/>
+          <a:lstStyle>
+            <a:lvl1pPr marL="0" indent="0">
+              <a:buNone/>
+              <a:defRPr sz="2400">
+                <a:solidFill>
+                  <a:schemeClr val="tx1">
+                    <a:tint val="75000"/>
+                  </a:schemeClr>
+                </a:solidFill>
+              </a:defRPr>
+            </a:lvl1pPr>
+            <a:lvl2pPr marL="457200" indent="0">
+              <a:buNone/>
+              <a:defRPr sz="2000">
+                <a:solidFill>
+                  <a:schemeClr val="tx1">
+                    <a:tint val="75000"/>
+                  </a:schemeClr>
+                </a:solidFill>
+              </a:defRPr>
+            </a:lvl2pPr>
+            <a:lvl3pPr marL="914400" indent="0">
+              <a:buNone/>
+              <a:defRPr sz="1800">
+                <a:solidFill>
+                  <a:schemeClr val="tx1">
+                    <a:tint val="75000"/>
+                  </a:schemeClr>
+                </a:solidFill>
+              </a:defRPr>
+            </a:lvl3pPr>
+            <a:lvl4pPr marL="1371600" indent="0">
+              <a:buNone/>
+              <a:defRPr sz="1600">
+                <a:solidFill>
+                  <a:schemeClr val="tx1">
+                    <a:tint val="75000"/>
+                  </a:schemeClr>
+                </a:solidFill>
+              </a:defRPr>
+            </a:lvl4pPr>
+            <a:lvl5pPr marL="1828800" indent="0">
+              <a:buNone/>
+              <a:defRPr sz="1600">
+                <a:solidFill>
+                  <a:schemeClr val="tx1">
+                    <a:tint val="75000"/>
+                  </a:schemeClr>
+                </a:solidFill>
+              </a:defRPr>
+            </a:lvl5pPr>
+            <a:lvl6pPr marL="2286000" indent="0">
+              <a:buNone/>
+              <a:defRPr sz="1600">
+                <a:solidFill>
+                  <a:schemeClr val="tx1">
+                    <a:tint val="75000"/>
+                  </a:schemeClr>
+                </a:solidFill>
+              </a:defRPr>
+            </a:lvl6pPr>
+            <a:lvl7pPr marL="2743200" indent="0">
+              <a:buNone/>
+              <a:defRPr sz="1600">
+                <a:solidFill>
+                  <a:schemeClr val="tx1">
+                    <a:tint val="75000"/>
+                  </a:schemeClr>
+                </a:solidFill>
+              </a:defRPr>
+            </a:lvl7pPr>
+            <a:lvl8pPr marL="3200400" indent="0">
+              <a:buNone/>
+              <a:defRPr sz="1600">
+                <a:solidFill>
+                  <a:schemeClr val="tx1">
+                    <a:tint val="75000"/>
+                  </a:schemeClr>
+                </a:solidFill>
+              </a:defRPr>
+            </a:lvl8pPr>
+            <a:lvl9pPr marL="3657600" indent="0">
+              <a:buNone/>
+              <a:defRPr sz="1600">
+                <a:solidFill>
+                  <a:schemeClr val="tx1">
+                    <a:tint val="75000"/>
+                  </a:schemeClr>
+                </a:solidFill>
+              </a:defRPr>
+            </a:lvl9pPr>
+          </a:lstStyle>
+          <a:p>
+            <a:pPr lvl="0"/>
+            <a:r>
+              <a:rPr lang="en-US" smtClean="0"/>
+              <a:t>Edit Master text styles</a:t>
+            </a:r>
+          </a:p>
+        </p:txBody>
+      </p:sp>
+      <p:sp>
+        <p:nvSpPr>
+          <p:cNvPr id="4" name="Date Placeholder 3"/>
+          <p:cNvSpPr>
+            <a:spLocks noGrp="1"/>
+          </p:cNvSpPr>
+          <p:nvPr>
+            <p:ph type="dt" sz="half" idx="10"/>
+          </p:nvPr>
+        </p:nvSpPr>
+        <p:spPr/>
+        <p:txBody>
+          <a:bodyPr/>
+          <a:lstStyle/>
+          <a:p>
+            <a:fld id="{0354AC25-B403-4A23-85BD-543AAB64ECF7}" type="datetimeFigureOut">
+              <a:rPr lang="en-US" smtClean="0"/>
+              <a:t>10/13/2022</a:t>
+            </a:fld>
+            <a:endParaRPr lang="en-US"/>
+          </a:p>
+        </p:txBody>
+      </p:sp>
+      <p:sp>
+        <p:nvSpPr>
+          <p:cNvPr id="5" name="Footer Placeholder 4"/>
+          <p:cNvSpPr>
+            <a:spLocks noGrp="1"/>
+          </p:cNvSpPr>
+          <p:nvPr>
+            <p:ph type="ftr" sz="quarter" idx="11"/>
+          </p:nvPr>
+        </p:nvSpPr>
+        <p:spPr/>
+        <p:txBody>
+          <a:bodyPr/>
+          <a:lstStyle/>
+          <a:p>
+            <a:endParaRPr lang="en-US"/>
+          </a:p>
+        </p:txBody>
+      </p:sp>
+      <p:sp>
+        <p:nvSpPr>
+          <p:cNvPr id="6" name="Slide Number Placeholder 5"/>
+          <p:cNvSpPr>
+            <a:spLocks noGrp="1"/>
+          </p:cNvSpPr>
+          <p:nvPr>
+            <p:ph type="sldNum" sz="quarter" idx="12"/>
+          </p:nvPr>
+        </p:nvSpPr>
+        <p:spPr/>
+        <p:txBody>
+          <a:bodyPr/>
+          <a:lstStyle/>
+          <a:p>
+            <a:fld id="{81FBEDE7-8D64-480B-9956-220C3845E471}" type="slidenum">
+              <a:rPr lang="en-US" smtClean="0"/>
+              <a:t>‹#›</a:t>
+            </a:fld>
+            <a:endParaRPr lang="en-US"/>
+          </a:p>
+        </p:txBody>
+      </p:sp>
+    </p:spTree>
+    <p:extLst>
+      <p:ext uri="{BB962C8B-B14F-4D97-AF65-F5344CB8AC3E}">
+        <p14:creationId xmlns:p14="http://schemas.microsoft.com/office/powerpoint/2010/main" val="2920562576"/>
+      </p:ext>
+    </p:extLst>
+  </p:cSld>
+  <p:clrMapOvr>
+    <a:masterClrMapping/>
+  </p:clrMapOvr>
+  <p:timing>
+    <p:tnLst>
+      <p:par>
+        <p:cTn id="1" dur="indefinite" restart="never" nodeType="tmRoot"/>
+      </p:par>
+    </p:tnLst>
+  </p:timing>
+</p:sldLayout>
+</file>
+
+<file path=ppt/slideLayouts/slideLayout7.xml><?xml version="1.0" encoding="utf-8"?>
+<p:sldLayout xmlns:a="http://schemas.openxmlformats.org/drawingml/2006/main" xmlns:r="http://schemas.openxmlformats.org/officeDocument/2006/relationships" xmlns:p="http://schemas.openxmlformats.org/presentationml/2006/main" type="twoObj" preserve="1">
+  <p:cSld name="Two Content">
+    <p:spTree>
+      <p:nvGrpSpPr>
+        <p:cNvPr id="1" name=""/>
+        <p:cNvGrpSpPr/>
+        <p:nvPr/>
+      </p:nvGrpSpPr>
+      <p:grpSpPr>
+        <a:xfrm>
+          <a:off x="0" y="0"/>
+          <a:ext cx="0" cy="0"/>
+          <a:chOff x="0" y="0"/>
+          <a:chExt cx="0" cy="0"/>
+        </a:xfrm>
+      </p:grpSpPr>
+      <p:sp>
+        <p:nvSpPr>
+          <p:cNvPr id="2" name="Title 1"/>
+          <p:cNvSpPr>
+            <a:spLocks noGrp="1"/>
+          </p:cNvSpPr>
+          <p:nvPr>
+            <p:ph type="title"/>
+          </p:nvPr>
+        </p:nvSpPr>
+        <p:spPr/>
+        <p:txBody>
+          <a:bodyPr/>
+          <a:lstStyle/>
+          <a:p>
+            <a:r>
+              <a:rPr lang="en-US" smtClean="0"/>
+              <a:t>Click to edit Master title style</a:t>
+            </a:r>
+            <a:endParaRPr lang="en-US"/>
+          </a:p>
+        </p:txBody>
+      </p:sp>
+      <p:sp>
+        <p:nvSpPr>
+          <p:cNvPr id="3" name="Content Placeholder 2"/>
+          <p:cNvSpPr>
+            <a:spLocks noGrp="1"/>
+          </p:cNvSpPr>
+          <p:nvPr>
+            <p:ph sz="half" idx="1"/>
+          </p:nvPr>
+        </p:nvSpPr>
+        <p:spPr>
+          <a:xfrm>
+            <a:off x="838200" y="1825625"/>
+            <a:ext cx="5181600" cy="4351338"/>
+          </a:xfrm>
+        </p:spPr>
+        <p:txBody>
+          <a:bodyPr/>
+          <a:lstStyle/>
+          <a:p>
+            <a:pPr lvl="0"/>
+            <a:r>
+              <a:rPr lang="en-US" smtClean="0"/>
+              <a:t>Edit Master text styles</a:t>
+            </a:r>
+          </a:p>
+          <a:p>
+            <a:pPr lvl="1"/>
+            <a:r>
+              <a:rPr lang="en-US" smtClean="0"/>
+              <a:t>Second level</a:t>
+            </a:r>
+          </a:p>
+          <a:p>
+            <a:pPr lvl="2"/>
+            <a:r>
+              <a:rPr lang="en-US" smtClean="0"/>
+              <a:t>Third level</a:t>
+            </a:r>
+          </a:p>
+          <a:p>
+            <a:pPr lvl="3"/>
+            <a:r>
+              <a:rPr lang="en-US" smtClean="0"/>
+              <a:t>Fourth level</a:t>
+            </a:r>
+          </a:p>
+          <a:p>
+            <a:pPr lvl="4"/>
+            <a:r>
+              <a:rPr lang="en-US" smtClean="0"/>
+              <a:t>Fifth level</a:t>
+            </a:r>
+            <a:endParaRPr lang="en-US"/>
+          </a:p>
+        </p:txBody>
+      </p:sp>
+      <p:sp>
+        <p:nvSpPr>
+          <p:cNvPr id="4" name="Content Placeholder 3"/>
+          <p:cNvSpPr>
+            <a:spLocks noGrp="1"/>
+          </p:cNvSpPr>
+          <p:nvPr>
+            <p:ph sz="half" idx="2"/>
+          </p:nvPr>
+        </p:nvSpPr>
+        <p:spPr>
+          <a:xfrm>
+            <a:off x="6172200" y="1825625"/>
+            <a:ext cx="5181600" cy="4351338"/>
+          </a:xfrm>
+        </p:spPr>
+        <p:txBody>
+          <a:bodyPr/>
+          <a:lstStyle/>
+          <a:p>
+            <a:pPr lvl="0"/>
+            <a:r>
+              <a:rPr lang="en-US" smtClean="0"/>
+              <a:t>Edit Master text styles</a:t>
+            </a:r>
+          </a:p>
+          <a:p>
+            <a:pPr lvl="1"/>
+            <a:r>
+              <a:rPr lang="en-US" smtClean="0"/>
+              <a:t>Second level</a:t>
+            </a:r>
+          </a:p>
+          <a:p>
+            <a:pPr lvl="2"/>
+            <a:r>
+              <a:rPr lang="en-US" smtClean="0"/>
+              <a:t>Third level</a:t>
+            </a:r>
+          </a:p>
+          <a:p>
+            <a:pPr lvl="3"/>
+            <a:r>
+              <a:rPr lang="en-US" smtClean="0"/>
+              <a:t>Fourth level</a:t>
+            </a:r>
+          </a:p>
+          <a:p>
+            <a:pPr lvl="4"/>
+            <a:r>
+              <a:rPr lang="en-US" smtClean="0"/>
+              <a:t>Fifth level</a:t>
+            </a:r>
+            <a:endParaRPr lang="en-US"/>
+          </a:p>
+        </p:txBody>
+      </p:sp>
+      <p:sp>
+        <p:nvSpPr>
+          <p:cNvPr id="5" name="Date Placeholder 4"/>
+          <p:cNvSpPr>
+            <a:spLocks noGrp="1"/>
+          </p:cNvSpPr>
+          <p:nvPr>
+            <p:ph type="dt" sz="half" idx="10"/>
+          </p:nvPr>
+        </p:nvSpPr>
+        <p:spPr/>
+        <p:txBody>
+          <a:bodyPr/>
+          <a:lstStyle/>
+          <a:p>
+            <a:fld id="{0354AC25-B403-4A23-85BD-543AAB64ECF7}" type="datetimeFigureOut">
+              <a:rPr lang="en-US" smtClean="0"/>
+              <a:t>10/13/2022</a:t>
+            </a:fld>
+            <a:endParaRPr lang="en-US"/>
+          </a:p>
+        </p:txBody>
+      </p:sp>
+      <p:sp>
+        <p:nvSpPr>
+          <p:cNvPr id="6" name="Footer Placeholder 5"/>
+          <p:cNvSpPr>
+            <a:spLocks noGrp="1"/>
+          </p:cNvSpPr>
+          <p:nvPr>
+            <p:ph type="ftr" sz="quarter" idx="11"/>
+          </p:nvPr>
+        </p:nvSpPr>
+        <p:spPr/>
+        <p:txBody>
+          <a:bodyPr/>
+          <a:lstStyle/>
+          <a:p>
+            <a:endParaRPr lang="en-US"/>
+          </a:p>
+        </p:txBody>
+      </p:sp>
+      <p:sp>
+        <p:nvSpPr>
+          <p:cNvPr id="7" name="Slide Number Placeholder 6"/>
+          <p:cNvSpPr>
+            <a:spLocks noGrp="1"/>
+          </p:cNvSpPr>
+          <p:nvPr>
+            <p:ph type="sldNum" sz="quarter" idx="12"/>
+          </p:nvPr>
+        </p:nvSpPr>
+        <p:spPr/>
+        <p:txBody>
+          <a:bodyPr/>
+          <a:lstStyle/>
+          <a:p>
+            <a:fld id="{81FBEDE7-8D64-480B-9956-220C3845E471}" type="slidenum">
+              <a:rPr lang="en-US" smtClean="0"/>
+              <a:t>‹#›</a:t>
+            </a:fld>
+            <a:endParaRPr lang="en-US"/>
+          </a:p>
+        </p:txBody>
+      </p:sp>
+    </p:spTree>
+    <p:extLst>
+      <p:ext uri="{BB962C8B-B14F-4D97-AF65-F5344CB8AC3E}">
+        <p14:creationId xmlns:p14="http://schemas.microsoft.com/office/powerpoint/2010/main" val="3077708943"/>
+      </p:ext>
+    </p:extLst>
+  </p:cSld>
+  <p:clrMapOvr>
+    <a:masterClrMapping/>
+  </p:clrMapOvr>
+</p:sldLayout>
+</file>
+
+<file path=ppt/slideLayouts/slideLayout8.xml><?xml version="1.0" encoding="utf-8"?>
+<p:sldLayout xmlns:a="http://schemas.openxmlformats.org/drawingml/2006/main" xmlns:r="http://schemas.openxmlformats.org/officeDocument/2006/relationships" xmlns:p="http://schemas.openxmlformats.org/presentationml/2006/main" type="twoTxTwoObj" preserve="1">
+  <p:cSld name="Comparison">
+    <p:spTree>
+      <p:nvGrpSpPr>
+        <p:cNvPr id="1" name=""/>
+        <p:cNvGrpSpPr/>
+        <p:nvPr/>
+      </p:nvGrpSpPr>
+      <p:grpSpPr>
+        <a:xfrm>
+          <a:off x="0" y="0"/>
+          <a:ext cx="0" cy="0"/>
+          <a:chOff x="0" y="0"/>
+          <a:chExt cx="0" cy="0"/>
+        </a:xfrm>
+      </p:grpSpPr>
+      <p:sp>
+        <p:nvSpPr>
+          <p:cNvPr id="2" name="Title 1"/>
+          <p:cNvSpPr>
+            <a:spLocks noGrp="1"/>
+          </p:cNvSpPr>
+          <p:nvPr>
+            <p:ph type="title"/>
+          </p:nvPr>
+        </p:nvSpPr>
+        <p:spPr>
+          <a:xfrm>
+            <a:off x="839788" y="365125"/>
+            <a:ext cx="10515600" cy="1325563"/>
+          </a:xfrm>
+        </p:spPr>
+        <p:txBody>
+          <a:bodyPr/>
+          <a:lstStyle/>
+          <a:p>
+            <a:r>
+              <a:rPr lang="en-US" smtClean="0"/>
+              <a:t>Click to edit Master title style</a:t>
+            </a:r>
+            <a:endParaRPr lang="en-US"/>
+          </a:p>
+        </p:txBody>
+      </p:sp>
+      <p:sp>
+        <p:nvSpPr>
+          <p:cNvPr id="3" name="Text Placeholder 2"/>
+          <p:cNvSpPr>
+            <a:spLocks noGrp="1"/>
+          </p:cNvSpPr>
+          <p:nvPr>
+            <p:ph type="body" idx="1"/>
+          </p:nvPr>
+        </p:nvSpPr>
+        <p:spPr>
+          <a:xfrm>
+            <a:off x="839788" y="1681163"/>
+            <a:ext cx="5157787" cy="823912"/>
+          </a:xfrm>
+        </p:spPr>
+        <p:txBody>
+          <a:bodyPr anchor="b"/>
+          <a:lstStyle>
+            <a:lvl1pPr marL="0" indent="0">
+              <a:buNone/>
+              <a:defRPr sz="2400" b="1"/>
+            </a:lvl1pPr>
+            <a:lvl2pPr marL="457200" indent="0">
+              <a:buNone/>
+              <a:defRPr sz="2000" b="1"/>
+            </a:lvl2pPr>
+            <a:lvl3pPr marL="914400" indent="0">
+              <a:buNone/>
+              <a:defRPr sz="1800" b="1"/>
+            </a:lvl3pPr>
+            <a:lvl4pPr marL="1371600" indent="0">
+              <a:buNone/>
+              <a:defRPr sz="1600" b="1"/>
+            </a:lvl4pPr>
+            <a:lvl5pPr marL="1828800" indent="0">
+              <a:buNone/>
+              <a:defRPr sz="1600" b="1"/>
+            </a:lvl5pPr>
+            <a:lvl6pPr marL="2286000" indent="0">
+              <a:buNone/>
+              <a:defRPr sz="1600" b="1"/>
+            </a:lvl6pPr>
+            <a:lvl7pPr marL="2743200" indent="0">
+              <a:buNone/>
+              <a:defRPr sz="1600" b="1"/>
+            </a:lvl7pPr>
+            <a:lvl8pPr marL="3200400" indent="0">
+              <a:buNone/>
+              <a:defRPr sz="1600" b="1"/>
+            </a:lvl8pPr>
+            <a:lvl9pPr marL="3657600" indent="0">
+              <a:buNone/>
+              <a:defRPr sz="1600" b="1"/>
+            </a:lvl9pPr>
+          </a:lstStyle>
+          <a:p>
+            <a:pPr lvl="0"/>
+            <a:r>
+              <a:rPr lang="en-US" smtClean="0"/>
+              <a:t>Edit Master text styles</a:t>
+            </a:r>
+          </a:p>
+        </p:txBody>
+      </p:sp>
+      <p:sp>
+        <p:nvSpPr>
+          <p:cNvPr id="4" name="Content Placeholder 3"/>
+          <p:cNvSpPr>
+            <a:spLocks noGrp="1"/>
+          </p:cNvSpPr>
+          <p:nvPr>
+            <p:ph sz="half" idx="2"/>
+          </p:nvPr>
+        </p:nvSpPr>
+        <p:spPr>
+          <a:xfrm>
+            <a:off x="839788" y="2505075"/>
+            <a:ext cx="5157787" cy="3684588"/>
+          </a:xfrm>
+        </p:spPr>
+        <p:txBody>
+          <a:bodyPr/>
+          <a:lstStyle/>
+          <a:p>
+            <a:pPr lvl="0"/>
+            <a:r>
+              <a:rPr lang="en-US" smtClean="0"/>
+              <a:t>Edit Master text styles</a:t>
+            </a:r>
+          </a:p>
+          <a:p>
+            <a:pPr lvl="1"/>
+            <a:r>
+              <a:rPr lang="en-US" smtClean="0"/>
+              <a:t>Second level</a:t>
+            </a:r>
+          </a:p>
+          <a:p>
+            <a:pPr lvl="2"/>
+            <a:r>
+              <a:rPr lang="en-US" smtClean="0"/>
+              <a:t>Third level</a:t>
+            </a:r>
+          </a:p>
+          <a:p>
+            <a:pPr lvl="3"/>
+            <a:r>
+              <a:rPr lang="en-US" smtClean="0"/>
+              <a:t>Fourth level</a:t>
+            </a:r>
+          </a:p>
+          <a:p>
+            <a:pPr lvl="4"/>
+            <a:r>
+              <a:rPr lang="en-US" smtClean="0"/>
+              <a:t>Fifth level</a:t>
+            </a:r>
+            <a:endParaRPr lang="en-US"/>
+          </a:p>
+        </p:txBody>
+      </p:sp>
+      <p:sp>
+        <p:nvSpPr>
+          <p:cNvPr id="5" name="Text Placeholder 4"/>
+          <p:cNvSpPr>
+            <a:spLocks noGrp="1"/>
+          </p:cNvSpPr>
+          <p:nvPr>
+            <p:ph type="body" sz="quarter" idx="3"/>
+          </p:nvPr>
+        </p:nvSpPr>
+        <p:spPr>
+          <a:xfrm>
+            <a:off x="6172200" y="1681163"/>
+            <a:ext cx="5183188" cy="823912"/>
+          </a:xfrm>
+        </p:spPr>
+        <p:txBody>
+          <a:bodyPr anchor="b"/>
+          <a:lstStyle>
+            <a:lvl1pPr marL="0" indent="0">
+              <a:buNone/>
+              <a:defRPr sz="2400" b="1"/>
+            </a:lvl1pPr>
+            <a:lvl2pPr marL="457200" indent="0">
+              <a:buNone/>
+              <a:defRPr sz="2000" b="1"/>
+            </a:lvl2pPr>
+            <a:lvl3pPr marL="914400" indent="0">
+              <a:buNone/>
+              <a:defRPr sz="1800" b="1"/>
+            </a:lvl3pPr>
+            <a:lvl4pPr marL="1371600" indent="0">
+              <a:buNone/>
+              <a:defRPr sz="1600" b="1"/>
+            </a:lvl4pPr>
+            <a:lvl5pPr marL="1828800" indent="0">
+              <a:buNone/>
+              <a:defRPr sz="1600" b="1"/>
+            </a:lvl5pPr>
+            <a:lvl6pPr marL="2286000" indent="0">
+              <a:buNone/>
+              <a:defRPr sz="1600" b="1"/>
+            </a:lvl6pPr>
+            <a:lvl7pPr marL="2743200" indent="0">
+              <a:buNone/>
+              <a:defRPr sz="1600" b="1"/>
+            </a:lvl7pPr>
+            <a:lvl8pPr marL="3200400" indent="0">
+              <a:buNone/>
+              <a:defRPr sz="1600" b="1"/>
+            </a:lvl8pPr>
+            <a:lvl9pPr marL="3657600" indent="0">
+              <a:buNone/>
+              <a:defRPr sz="1600" b="1"/>
+            </a:lvl9pPr>
+          </a:lstStyle>
+          <a:p>
+            <a:pPr lvl="0"/>
+            <a:r>
+              <a:rPr lang="en-US" smtClean="0"/>
+              <a:t>Edit Master text styles</a:t>
+            </a:r>
+          </a:p>
+        </p:txBody>
+      </p:sp>
+      <p:sp>
+        <p:nvSpPr>
+          <p:cNvPr id="6" name="Content Placeholder 5"/>
+          <p:cNvSpPr>
+            <a:spLocks noGrp="1"/>
+          </p:cNvSpPr>
+          <p:nvPr>
+            <p:ph sz="quarter" idx="4"/>
+          </p:nvPr>
+        </p:nvSpPr>
+        <p:spPr>
+          <a:xfrm>
+            <a:off x="6172200" y="2505075"/>
+            <a:ext cx="5183188" cy="3684588"/>
+          </a:xfrm>
+        </p:spPr>
+        <p:txBody>
+          <a:bodyPr/>
+          <a:lstStyle/>
+          <a:p>
+            <a:pPr lvl="0"/>
+            <a:r>
+              <a:rPr lang="en-US" smtClean="0"/>
+              <a:t>Edit Master text styles</a:t>
+            </a:r>
+          </a:p>
+          <a:p>
+            <a:pPr lvl="1"/>
+            <a:r>
+              <a:rPr lang="en-US" smtClean="0"/>
+              <a:t>Second level</a:t>
+            </a:r>
+          </a:p>
+          <a:p>
+            <a:pPr lvl="2"/>
+            <a:r>
+              <a:rPr lang="en-US" smtClean="0"/>
+              <a:t>Third level</a:t>
+            </a:r>
+          </a:p>
+          <a:p>
+            <a:pPr lvl="3"/>
+            <a:r>
+              <a:rPr lang="en-US" smtClean="0"/>
+              <a:t>Fourth level</a:t>
+            </a:r>
+          </a:p>
+          <a:p>
+            <a:pPr lvl="4"/>
+            <a:r>
+              <a:rPr lang="en-US" smtClean="0"/>
+              <a:t>Fifth level</a:t>
+            </a:r>
+            <a:endParaRPr lang="en-US"/>
+          </a:p>
+        </p:txBody>
+      </p:sp>
+      <p:sp>
+        <p:nvSpPr>
+          <p:cNvPr id="7" name="Date Placeholder 6"/>
+          <p:cNvSpPr>
+            <a:spLocks noGrp="1"/>
+          </p:cNvSpPr>
+          <p:nvPr>
+            <p:ph type="dt" sz="half" idx="10"/>
+          </p:nvPr>
+        </p:nvSpPr>
+        <p:spPr/>
+        <p:txBody>
+          <a:bodyPr/>
+          <a:lstStyle/>
+          <a:p>
+            <a:fld id="{0354AC25-B403-4A23-85BD-543AAB64ECF7}" type="datetimeFigureOut">
+              <a:rPr lang="en-US" smtClean="0"/>
+              <a:t>10/13/2022</a:t>
+            </a:fld>
+            <a:endParaRPr lang="en-US"/>
+          </a:p>
+        </p:txBody>
+      </p:sp>
+      <p:sp>
+        <p:nvSpPr>
+          <p:cNvPr id="8" name="Footer Placeholder 7"/>
+          <p:cNvSpPr>
+            <a:spLocks noGrp="1"/>
+          </p:cNvSpPr>
+          <p:nvPr>
+            <p:ph type="ftr" sz="quarter" idx="11"/>
+          </p:nvPr>
+        </p:nvSpPr>
+        <p:spPr/>
+        <p:txBody>
+          <a:bodyPr/>
+          <a:lstStyle/>
+          <a:p>
+            <a:endParaRPr lang="en-US"/>
+          </a:p>
+        </p:txBody>
+      </p:sp>
+      <p:sp>
+        <p:nvSpPr>
+          <p:cNvPr id="9" name="Slide Number Placeholder 8"/>
+          <p:cNvSpPr>
+            <a:spLocks noGrp="1"/>
+          </p:cNvSpPr>
+          <p:nvPr>
+            <p:ph type="sldNum" sz="quarter" idx="12"/>
+          </p:nvPr>
+        </p:nvSpPr>
+        <p:spPr/>
+        <p:txBody>
+          <a:bodyPr/>
+          <a:lstStyle/>
+          <a:p>
+            <a:fld id="{81FBEDE7-8D64-480B-9956-220C3845E471}" type="slidenum">
+              <a:rPr lang="en-US" smtClean="0"/>
+              <a:t>‹#›</a:t>
+            </a:fld>
+            <a:endParaRPr lang="en-US"/>
+          </a:p>
+        </p:txBody>
+      </p:sp>
+    </p:spTree>
+    <p:extLst>
+      <p:ext uri="{BB962C8B-B14F-4D97-AF65-F5344CB8AC3E}">
+        <p14:creationId xmlns:p14="http://schemas.microsoft.com/office/powerpoint/2010/main" val="2675867850"/>
+      </p:ext>
+    </p:extLst>
+  </p:cSld>
+  <p:clrMapOvr>
+    <a:masterClrMapping/>
+  </p:clrMapOvr>
+  <p:timing>
+    <p:tnLst>
+      <p:par>
+        <p:cTn id="1" dur="indefinite" restart="never" nodeType="tmRoot"/>
+      </p:par>
+    </p:tnLst>
+  </p:timing>
+</p:sldLayout>
+</file>
+
+<file path=ppt/slideLayouts/slideLayout9.xml><?xml version="1.0" encoding="utf-8"?>
+<p:sldLayout xmlns:a="http://schemas.openxmlformats.org/drawingml/2006/main" xmlns:r="http://schemas.openxmlformats.org/officeDocument/2006/relationships" xmlns:p="http://schemas.openxmlformats.org/presentationml/2006/main" type="titleOnly" preserve="1">
+  <p:cSld name="Title Only">
+    <p:spTree>
+      <p:nvGrpSpPr>
+        <p:cNvPr id="1" name=""/>
+        <p:cNvGrpSpPr/>
+        <p:nvPr/>
+      </p:nvGrpSpPr>
+      <p:grpSpPr>
+        <a:xfrm>
+          <a:off x="0" y="0"/>
+          <a:ext cx="0" cy="0"/>
+          <a:chOff x="0" y="0"/>
+          <a:chExt cx="0" cy="0"/>
+        </a:xfrm>
+      </p:grpSpPr>
+      <p:sp>
+        <p:nvSpPr>
+          <p:cNvPr id="2" name="Title 1"/>
+          <p:cNvSpPr>
+            <a:spLocks noGrp="1"/>
+          </p:cNvSpPr>
+          <p:nvPr>
+            <p:ph type="title"/>
+          </p:nvPr>
+        </p:nvSpPr>
+        <p:spPr/>
+        <p:txBody>
+          <a:bodyPr/>
+          <a:lstStyle/>
+          <a:p>
+            <a:r>
+              <a:rPr lang="en-US" smtClean="0"/>
+              <a:t>Click to edit Master title style</a:t>
+            </a:r>
+            <a:endParaRPr lang="en-US"/>
+          </a:p>
+        </p:txBody>
+      </p:sp>
+      <p:sp>
+        <p:nvSpPr>
+          <p:cNvPr id="3" name="Date Placeholder 2"/>
+          <p:cNvSpPr>
+            <a:spLocks noGrp="1"/>
+          </p:cNvSpPr>
+          <p:nvPr>
+            <p:ph type="dt" sz="half" idx="10"/>
+          </p:nvPr>
+        </p:nvSpPr>
+        <p:spPr/>
+        <p:txBody>
+          <a:bodyPr/>
+          <a:lstStyle/>
+          <a:p>
+            <a:fld id="{0354AC25-B403-4A23-85BD-543AAB64ECF7}" type="datetimeFigureOut">
+              <a:rPr lang="en-US" smtClean="0"/>
+              <a:t>10/13/2022</a:t>
+            </a:fld>
+            <a:endParaRPr lang="en-US"/>
+          </a:p>
+        </p:txBody>
+      </p:sp>
+      <p:sp>
+        <p:nvSpPr>
+          <p:cNvPr id="4" name="Footer Placeholder 3"/>
+          <p:cNvSpPr>
+            <a:spLocks noGrp="1"/>
+          </p:cNvSpPr>
+          <p:nvPr>
+            <p:ph type="ftr" sz="quarter" idx="11"/>
+          </p:nvPr>
+        </p:nvSpPr>
+        <p:spPr/>
+        <p:txBody>
+          <a:bodyPr/>
+          <a:lstStyle/>
+          <a:p>
+            <a:endParaRPr lang="en-US"/>
+          </a:p>
+        </p:txBody>
+      </p:sp>
+      <p:sp>
+        <p:nvSpPr>
+          <p:cNvPr id="5" name="Slide Number Placeholder 4"/>
+          <p:cNvSpPr>
+            <a:spLocks noGrp="1"/>
+          </p:cNvSpPr>
+          <p:nvPr>
+            <p:ph type="sldNum" sz="quarter" idx="12"/>
+          </p:nvPr>
+        </p:nvSpPr>
+        <p:spPr/>
+        <p:txBody>
+          <a:bodyPr/>
+          <a:lstStyle/>
+          <a:p>
+            <a:fld id="{81FBEDE7-8D64-480B-9956-220C3845E471}" type="slidenum">
+              <a:rPr lang="en-US" smtClean="0"/>
+              <a:t>‹#›</a:t>
+            </a:fld>
+            <a:endParaRPr lang="en-US"/>
+          </a:p>
+        </p:txBody>
+      </p:sp>
+    </p:spTree>
+    <p:extLst>
+      <p:ext uri="{BB962C8B-B14F-4D97-AF65-F5344CB8AC3E}">
+        <p14:creationId xmlns:p14="http://schemas.microsoft.com/office/powerpoint/2010/main" val="622845259"/>
+      </p:ext>
+    </p:extLst>
+  </p:cSld>
+  <p:clrMapOvr>
+    <a:masterClrMapping/>
+  </p:clrMapOvr>
+  <p:timing>
+    <p:tnLst>
+      <p:par>
+        <p:cTn id="1" dur="indefinite" restart="never" nodeType="tmRoot"/>
+      </p:par>
+    </p:tnLst>
+  </p:timing>
+</p:sldLayout>
+</file>
+
 <file path=ppt/slideMasters/slideMaster1.xml><?xml version="1.0" encoding="utf-8"?>
-<p:sldMaster xmlns:a="http://schemas.openxmlformats.org/drawingml/2006/main" xmlns:r="http://schemas.openxmlformats.org/officeDocument/2006/relationships" xmlns:p="http://schemas.openxmlformats.org/presentationml/2006/main">
+<p:sldMaster xmlns:a="http://schemas.openxmlformats.org/drawingml/2006/main" xmlns:r="http://schemas.openxmlformats.org/officeDocument/2006/relationships" xmlns:p="http://schemas.openxmlformats.org/presentationml/2006/main" preserve="1">
   <p:cSld>
     <p:bg>
       <p:bgRef idx="1001">
@@ -5004,9 +6426,9 @@
             </a:lvl1pPr>
           </a:lstStyle>
           <a:p>
-            <a:fld id="{7CFAEC73-E315-4A0F-8DFF-7EF2543E62EC}" type="datetimeFigureOut">
-              <a:rPr lang="en-US" smtClean="0"/>
-              <a:t>10/11/2022</a:t>
+            <a:fld id="{0354AC25-B403-4A23-85BD-543AAB64ECF7}" type="datetimeFigureOut">
+              <a:rPr lang="en-US" smtClean="0"/>
+              <a:t>10/13/2022</a:t>
             </a:fld>
             <a:endParaRPr lang="en-US"/>
           </a:p>
@@ -5082,50 +6504,10 @@
             </a:lvl1pPr>
           </a:lstStyle>
           <a:p>
-            <a:fld id="{13FE3D49-B9CF-4ACC-AAB6-DCCE22C02B87}" type="slidenum">
+            <a:fld id="{81FBEDE7-8D64-480B-9956-220C3845E471}" type="slidenum">
               <a:rPr lang="en-US" smtClean="0"/>
               <a:t>‹#›</a:t>
             </a:fld>
-            <a:endParaRPr lang="en-US"/>
-          </a:p>
-        </p:txBody>
-      </p:sp>
-      <p:sp>
-        <p:nvSpPr>
-          <p:cNvPr id="7" name="Rounded Rectangle 6"/>
-          <p:cNvSpPr/>
-          <p:nvPr userDrawn="1"/>
-        </p:nvSpPr>
-        <p:spPr>
-          <a:xfrm>
-            <a:off x="11468100" y="6464300"/>
-            <a:ext cx="457200" cy="257175"/>
-          </a:xfrm>
-          <a:prstGeom prst="roundRect">
-            <a:avLst/>
-          </a:prstGeom>
-        </p:spPr>
-        <p:style>
-          <a:lnRef idx="2">
-            <a:schemeClr val="accent1">
-              <a:shade val="50000"/>
-            </a:schemeClr>
-          </a:lnRef>
-          <a:fillRef idx="1">
-            <a:schemeClr val="accent1"/>
-          </a:fillRef>
-          <a:effectRef idx="0">
-            <a:schemeClr val="accent1"/>
-          </a:effectRef>
-          <a:fontRef idx="minor">
-            <a:schemeClr val="lt1"/>
-          </a:fontRef>
-        </p:style>
-        <p:txBody>
-          <a:bodyPr rtlCol="0" anchor="ctr"/>
-          <a:lstStyle/>
-          <a:p>
-            <a:pPr algn="ctr"/>
             <a:endParaRPr lang="en-US"/>
           </a:p>
         </p:txBody>
@@ -5133,25 +6515,36 @@
     </p:spTree>
     <p:extLst>
       <p:ext uri="{BB962C8B-B14F-4D97-AF65-F5344CB8AC3E}">
-        <p14:creationId xmlns:p14="http://schemas.microsoft.com/office/powerpoint/2010/main" val="3868813717"/>
+        <p14:creationId xmlns:p14="http://schemas.microsoft.com/office/powerpoint/2010/main" val="1782070975"/>
       </p:ext>
     </p:extLst>
   </p:cSld>
   <p:clrMap bg1="lt1" tx1="dk1" bg2="lt2" tx2="dk2" accent1="accent1" accent2="accent2" accent3="accent3" accent4="accent4" accent5="accent5" accent6="accent6" hlink="hlink" folHlink="folHlink"/>
   <p:sldLayoutIdLst>
-    <p:sldLayoutId id="2147483649" r:id="rId1"/>
-    <p:sldLayoutId id="2147483650" r:id="rId2"/>
-    <p:sldLayoutId id="2147483651" r:id="rId3"/>
-    <p:sldLayoutId id="2147483652" r:id="rId4"/>
-    <p:sldLayoutId id="2147483653" r:id="rId5"/>
-    <p:sldLayoutId id="2147483654" r:id="rId6"/>
-    <p:sldLayoutId id="2147483655" r:id="rId7"/>
-    <p:sldLayoutId id="2147483656" r:id="rId8"/>
-    <p:sldLayoutId id="2147483657" r:id="rId9"/>
-    <p:sldLayoutId id="2147483658" r:id="rId10"/>
-    <p:sldLayoutId id="2147483659" r:id="rId11"/>
-    <p:sldLayoutId id="2147483672" r:id="rId12"/>
+    <p:sldLayoutId id="2147483686" r:id="rId1"/>
+    <p:sldLayoutId id="2147483688" r:id="rId2"/>
+    <p:sldLayoutId id="2147483687" r:id="rId3"/>
+    <p:sldLayoutId id="2147483661" r:id="rId4"/>
+    <p:sldLayoutId id="2147483662" r:id="rId5"/>
+    <p:sldLayoutId id="2147483663" r:id="rId6"/>
+    <p:sldLayoutId id="2147483664" r:id="rId7"/>
+    <p:sldLayoutId id="2147483665" r:id="rId8"/>
+    <p:sldLayoutId id="2147483666" r:id="rId9"/>
+    <p:sldLayoutId id="2147483667" r:id="rId10"/>
+    <p:sldLayoutId id="2147483668" r:id="rId11"/>
+    <p:sldLayoutId id="2147483669" r:id="rId12"/>
+    <p:sldLayoutId id="2147483670" r:id="rId13"/>
+    <p:sldLayoutId id="2147483671" r:id="rId14"/>
+    <p:sldLayoutId id="2147483672" r:id="rId15"/>
+    <p:sldLayoutId id="2147483685" r:id="rId16"/>
   </p:sldLayoutIdLst>
+  <p:timing>
+    <p:tnLst>
+      <p:par>
+        <p:cTn id="1" dur="indefinite" restart="never" nodeType="tmRoot"/>
+      </p:par>
+    </p:tnLst>
+  </p:timing>
   <p:txStyles>
     <p:titleStyle>
       <a:lvl1pPr algn="l" defTabSz="914400" rtl="0" eaLnBrk="1" latinLnBrk="0" hangingPunct="1">
@@ -5436,7 +6829,7 @@
 </file>
 
 <file path=ppt/slideMasters/slideMaster2.xml><?xml version="1.0" encoding="utf-8"?>
-<p:sldMaster xmlns:a="http://schemas.openxmlformats.org/drawingml/2006/main" xmlns:r="http://schemas.openxmlformats.org/officeDocument/2006/relationships" xmlns:p="http://schemas.openxmlformats.org/presentationml/2006/main" preserve="1">
+<p:sldMaster xmlns:a="http://schemas.openxmlformats.org/drawingml/2006/main" xmlns:r="http://schemas.openxmlformats.org/officeDocument/2006/relationships" xmlns:p="http://schemas.openxmlformats.org/presentationml/2006/main">
   <p:cSld>
     <p:bg>
       <p:bgRef idx="1001">
@@ -5587,7 +6980,7 @@
           <a:p>
             <a:fld id="{0354AC25-B403-4A23-85BD-543AAB64ECF7}" type="datetimeFigureOut">
               <a:rPr lang="en-US" smtClean="0"/>
-              <a:t>10/11/2022</a:t>
+              <a:t>10/13/2022</a:t>
             </a:fld>
             <a:endParaRPr lang="en-US"/>
           </a:p>
@@ -5674,23 +7067,23 @@
     </p:spTree>
     <p:extLst>
       <p:ext uri="{BB962C8B-B14F-4D97-AF65-F5344CB8AC3E}">
-        <p14:creationId xmlns:p14="http://schemas.microsoft.com/office/powerpoint/2010/main" val="1782070975"/>
+        <p14:creationId xmlns:p14="http://schemas.microsoft.com/office/powerpoint/2010/main" val="2793436999"/>
       </p:ext>
     </p:extLst>
   </p:cSld>
   <p:clrMap bg1="lt1" tx1="dk1" bg2="lt2" tx2="dk2" accent1="accent1" accent2="accent2" accent3="accent3" accent4="accent4" accent5="accent5" accent6="accent6" hlink="hlink" folHlink="folHlink"/>
   <p:sldLayoutIdLst>
-    <p:sldLayoutId id="2147483661" r:id="rId1"/>
-    <p:sldLayoutId id="2147483662" r:id="rId2"/>
-    <p:sldLayoutId id="2147483663" r:id="rId3"/>
-    <p:sldLayoutId id="2147483664" r:id="rId4"/>
-    <p:sldLayoutId id="2147483665" r:id="rId5"/>
-    <p:sldLayoutId id="2147483666" r:id="rId6"/>
-    <p:sldLayoutId id="2147483667" r:id="rId7"/>
-    <p:sldLayoutId id="2147483668" r:id="rId8"/>
-    <p:sldLayoutId id="2147483669" r:id="rId9"/>
-    <p:sldLayoutId id="2147483670" r:id="rId10"/>
-    <p:sldLayoutId id="2147483671" r:id="rId11"/>
+    <p:sldLayoutId id="2147483674" r:id="rId1"/>
+    <p:sldLayoutId id="2147483675" r:id="rId2"/>
+    <p:sldLayoutId id="2147483676" r:id="rId3"/>
+    <p:sldLayoutId id="2147483677" r:id="rId4"/>
+    <p:sldLayoutId id="2147483678" r:id="rId5"/>
+    <p:sldLayoutId id="2147483679" r:id="rId6"/>
+    <p:sldLayoutId id="2147483680" r:id="rId7"/>
+    <p:sldLayoutId id="2147483681" r:id="rId8"/>
+    <p:sldLayoutId id="2147483682" r:id="rId9"/>
+    <p:sldLayoutId id="2147483683" r:id="rId10"/>
+    <p:sldLayoutId id="2147483684" r:id="rId11"/>
   </p:sldLayoutIdLst>
   <p:txStyles>
     <p:titleStyle>
@@ -6084,6 +7477,93 @@
   <p:clrMapOvr>
     <a:masterClrMapping/>
   </p:clrMapOvr>
+  <p:timing>
+    <p:tnLst>
+      <p:par>
+        <p:cTn id="1" dur="indefinite" restart="never" nodeType="tmRoot"/>
+      </p:par>
+    </p:tnLst>
+  </p:timing>
+</p:sld>
+</file>
+
+<file path=ppt/slides/slide10.xml><?xml version="1.0" encoding="utf-8"?>
+<p:sld xmlns:a="http://schemas.openxmlformats.org/drawingml/2006/main" xmlns:r="http://schemas.openxmlformats.org/officeDocument/2006/relationships" xmlns:p="http://schemas.openxmlformats.org/presentationml/2006/main">
+  <p:cSld>
+    <p:spTree>
+      <p:nvGrpSpPr>
+        <p:cNvPr id="1" name=""/>
+        <p:cNvGrpSpPr/>
+        <p:nvPr/>
+      </p:nvGrpSpPr>
+      <p:grpSpPr>
+        <a:xfrm>
+          <a:off x="0" y="0"/>
+          <a:ext cx="0" cy="0"/>
+          <a:chOff x="0" y="0"/>
+          <a:chExt cx="0" cy="0"/>
+        </a:xfrm>
+      </p:grpSpPr>
+      <p:sp>
+        <p:nvSpPr>
+          <p:cNvPr id="11" name="Title 10"/>
+          <p:cNvSpPr>
+            <a:spLocks noGrp="1"/>
+          </p:cNvSpPr>
+          <p:nvPr>
+            <p:ph type="title"/>
+          </p:nvPr>
+        </p:nvSpPr>
+        <p:spPr/>
+        <p:txBody>
+          <a:bodyPr/>
+          <a:lstStyle/>
+          <a:p>
+            <a:endParaRPr lang="en-US" dirty="0"/>
+          </a:p>
+        </p:txBody>
+      </p:sp>
+      <p:sp>
+        <p:nvSpPr>
+          <p:cNvPr id="5" name="Content Placeholder 4"/>
+          <p:cNvSpPr>
+            <a:spLocks noGrp="1"/>
+          </p:cNvSpPr>
+          <p:nvPr>
+            <p:ph type="body" sz="quarter" idx="13"/>
+          </p:nvPr>
+        </p:nvSpPr>
+        <p:spPr/>
+        <p:txBody>
+          <a:bodyPr/>
+          <a:lstStyle/>
+          <a:p>
+            <a:pPr lvl="4"/>
+            <a:r>
+              <a:rPr lang="en-US" dirty="0" smtClean="0"/>
+              <a:t>Hacker	</a:t>
+            </a:r>
+            <a:endParaRPr lang="en-US" dirty="0"/>
+          </a:p>
+        </p:txBody>
+      </p:sp>
+    </p:spTree>
+    <p:extLst>
+      <p:ext uri="{BB962C8B-B14F-4D97-AF65-F5344CB8AC3E}">
+        <p14:creationId xmlns:p14="http://schemas.microsoft.com/office/powerpoint/2010/main" val="832839591"/>
+      </p:ext>
+    </p:extLst>
+  </p:cSld>
+  <p:clrMapOvr>
+    <a:masterClrMapping/>
+  </p:clrMapOvr>
+  <p:timing>
+    <p:tnLst>
+      <p:par>
+        <p:cTn id="1" dur="indefinite" restart="never" nodeType="tmRoot"/>
+      </p:par>
+    </p:tnLst>
+  </p:timing>
 </p:sld>
 </file>
 
@@ -6243,10 +7723,28 @@
           </a:p>
           <a:p>
             <a:r>
-              <a:rPr lang="en-US" smtClean="0"/>
+              <a:rPr lang="en-US" dirty="0" smtClean="0"/>
               <a:t>Trong bảng màu ở design sẽ có bảng màu mới.</a:t>
             </a:r>
-            <a:endParaRPr lang="en-US"/>
+          </a:p>
+          <a:p>
+            <a:r>
+              <a:rPr lang="en-US" dirty="0"/>
+              <a:t>Trong phần \Section 5 - Creating Templates\Example XML Files\01 How to </a:t>
+            </a:r>
+            <a:r>
+              <a:rPr lang="en-US" dirty="0" smtClean="0"/>
+              <a:t>install.docx cũng có nói qua về đường dẫn</a:t>
+            </a:r>
+          </a:p>
+          <a:p>
+            <a:r>
+              <a:rPr lang="en-US" dirty="0" smtClean="0"/>
+              <a:t>Nói chung thì bạn cũng có thể tự mò.</a:t>
+            </a:r>
+          </a:p>
+          <a:p>
+            <a:endParaRPr lang="en-US" dirty="0"/>
           </a:p>
         </p:txBody>
       </p:sp>
@@ -6263,8 +7761,843 @@
 </p:sld>
 </file>
 
+<file path=ppt/slides/slide4.xml><?xml version="1.0" encoding="utf-8"?>
+<p:sld xmlns:a="http://schemas.openxmlformats.org/drawingml/2006/main" xmlns:r="http://schemas.openxmlformats.org/officeDocument/2006/relationships" xmlns:p="http://schemas.openxmlformats.org/presentationml/2006/main">
+  <p:cSld>
+    <p:spTree>
+      <p:nvGrpSpPr>
+        <p:cNvPr id="1" name=""/>
+        <p:cNvGrpSpPr/>
+        <p:nvPr/>
+      </p:nvGrpSpPr>
+      <p:grpSpPr>
+        <a:xfrm>
+          <a:off x="0" y="0"/>
+          <a:ext cx="0" cy="0"/>
+          <a:chOff x="0" y="0"/>
+          <a:chExt cx="0" cy="0"/>
+        </a:xfrm>
+      </p:grpSpPr>
+      <p:sp>
+        <p:nvSpPr>
+          <p:cNvPr id="2" name="Title 1"/>
+          <p:cNvSpPr>
+            <a:spLocks noGrp="1"/>
+          </p:cNvSpPr>
+          <p:nvPr>
+            <p:ph type="title"/>
+          </p:nvPr>
+        </p:nvSpPr>
+        <p:spPr/>
+        <p:txBody>
+          <a:bodyPr/>
+          <a:lstStyle/>
+          <a:p>
+            <a:r>
+              <a:rPr lang="en-US" dirty="0" smtClean="0"/>
+              <a:t>IV. </a:t>
+            </a:r>
+            <a:r>
+              <a:rPr lang="en-US" dirty="0"/>
+              <a:t>THMX files</a:t>
+            </a:r>
+          </a:p>
+        </p:txBody>
+      </p:sp>
+      <p:sp>
+        <p:nvSpPr>
+          <p:cNvPr id="3" name="Content Placeholder 2"/>
+          <p:cNvSpPr>
+            <a:spLocks noGrp="1"/>
+          </p:cNvSpPr>
+          <p:nvPr>
+            <p:ph idx="1"/>
+          </p:nvPr>
+        </p:nvSpPr>
+        <p:spPr/>
+        <p:txBody>
+          <a:bodyPr/>
+          <a:lstStyle/>
+          <a:p>
+            <a:r>
+              <a:rPr lang="en-US" dirty="0" smtClean="0"/>
+              <a:t>Browse for theme – Sau này có thể tự tay chỉnh sửa luôn mà không cần browse nữa</a:t>
+            </a:r>
+          </a:p>
+          <a:p>
+            <a:r>
+              <a:rPr lang="en-US" dirty="0" smtClean="0"/>
+              <a:t>Save current theme for thmx file</a:t>
+            </a:r>
+          </a:p>
+          <a:p>
+            <a:r>
+              <a:rPr lang="en-US" dirty="0" smtClean="0"/>
+              <a:t>Thay đuôi mở rộng sang zip và khám phá</a:t>
+            </a:r>
+            <a:endParaRPr lang="en-US" dirty="0"/>
+          </a:p>
+        </p:txBody>
+      </p:sp>
+    </p:spTree>
+    <p:extLst>
+      <p:ext uri="{BB962C8B-B14F-4D97-AF65-F5344CB8AC3E}">
+        <p14:creationId xmlns:p14="http://schemas.microsoft.com/office/powerpoint/2010/main" val="4146321354"/>
+      </p:ext>
+    </p:extLst>
+  </p:cSld>
+  <p:clrMapOvr>
+    <a:masterClrMapping/>
+  </p:clrMapOvr>
+</p:sld>
+</file>
+
+<file path=ppt/slides/slide5.xml><?xml version="1.0" encoding="utf-8"?>
+<p:sld xmlns:a="http://schemas.openxmlformats.org/drawingml/2006/main" xmlns:r="http://schemas.openxmlformats.org/officeDocument/2006/relationships" xmlns:p="http://schemas.openxmlformats.org/presentationml/2006/main">
+  <p:cSld>
+    <p:spTree>
+      <p:nvGrpSpPr>
+        <p:cNvPr id="1" name=""/>
+        <p:cNvGrpSpPr/>
+        <p:nvPr/>
+      </p:nvGrpSpPr>
+      <p:grpSpPr>
+        <a:xfrm>
+          <a:off x="0" y="0"/>
+          <a:ext cx="0" cy="0"/>
+          <a:chOff x="0" y="0"/>
+          <a:chExt cx="0" cy="0"/>
+        </a:xfrm>
+      </p:grpSpPr>
+      <p:sp>
+        <p:nvSpPr>
+          <p:cNvPr id="2" name="Title 1"/>
+          <p:cNvSpPr>
+            <a:spLocks noGrp="1"/>
+          </p:cNvSpPr>
+          <p:nvPr>
+            <p:ph type="title"/>
+          </p:nvPr>
+        </p:nvSpPr>
+        <p:spPr/>
+        <p:txBody>
+          <a:bodyPr/>
+          <a:lstStyle/>
+          <a:p>
+            <a:r>
+              <a:rPr lang="en-US" dirty="0" smtClean="0"/>
+              <a:t>V. </a:t>
+            </a:r>
+            <a:r>
+              <a:rPr lang="en-US" dirty="0"/>
+              <a:t>How do Color Schemes in PowerPoint work</a:t>
+            </a:r>
+          </a:p>
+        </p:txBody>
+      </p:sp>
+      <p:sp>
+        <p:nvSpPr>
+          <p:cNvPr id="3" name="Content Placeholder 2"/>
+          <p:cNvSpPr>
+            <a:spLocks noGrp="1"/>
+          </p:cNvSpPr>
+          <p:nvPr>
+            <p:ph idx="1"/>
+          </p:nvPr>
+        </p:nvSpPr>
+        <p:spPr/>
+        <p:txBody>
+          <a:bodyPr/>
+          <a:lstStyle/>
+          <a:p>
+            <a:r>
+              <a:rPr lang="en-US" dirty="0" smtClean="0"/>
+              <a:t>Đó là tính chất thay đổi màu sắc giữa bản màu cơ bản với bản màu custom</a:t>
+            </a:r>
+          </a:p>
+          <a:p>
+            <a:r>
+              <a:rPr lang="en-US" dirty="0" smtClean="0"/>
+              <a:t>Nhắc lại về customize color</a:t>
+            </a:r>
+          </a:p>
+          <a:p>
+            <a:r>
+              <a:rPr lang="en-US" dirty="0" smtClean="0"/>
+              <a:t>Thêm về nếu thêm customize color -&gt; Màu các khối cũng bị chỉnh theo</a:t>
+            </a:r>
+            <a:endParaRPr lang="en-US" dirty="0"/>
+          </a:p>
+        </p:txBody>
+      </p:sp>
+      <p:sp>
+        <p:nvSpPr>
+          <p:cNvPr id="4" name="Rectangle 3"/>
+          <p:cNvSpPr/>
+          <p:nvPr/>
+        </p:nvSpPr>
+        <p:spPr>
+          <a:xfrm>
+            <a:off x="1746913" y="4380931"/>
+            <a:ext cx="1269242" cy="1419367"/>
+          </a:xfrm>
+          <a:prstGeom prst="rect">
+            <a:avLst/>
+          </a:prstGeom>
+          <a:solidFill>
+            <a:schemeClr val="accent1">
+              <a:lumMod val="40000"/>
+              <a:lumOff val="60000"/>
+            </a:schemeClr>
+          </a:solidFill>
+        </p:spPr>
+        <p:style>
+          <a:lnRef idx="2">
+            <a:schemeClr val="accent1">
+              <a:shade val="50000"/>
+            </a:schemeClr>
+          </a:lnRef>
+          <a:fillRef idx="1">
+            <a:schemeClr val="accent1"/>
+          </a:fillRef>
+          <a:effectRef idx="0">
+            <a:schemeClr val="accent1"/>
+          </a:effectRef>
+          <a:fontRef idx="minor">
+            <a:schemeClr val="lt1"/>
+          </a:fontRef>
+        </p:style>
+        <p:txBody>
+          <a:bodyPr rtlCol="0" anchor="ctr"/>
+          <a:lstStyle/>
+          <a:p>
+            <a:pPr algn="ctr"/>
+            <a:endParaRPr lang="en-US"/>
+          </a:p>
+        </p:txBody>
+      </p:sp>
+      <p:sp>
+        <p:nvSpPr>
+          <p:cNvPr id="5" name="Rectangle 4"/>
+          <p:cNvSpPr/>
+          <p:nvPr/>
+        </p:nvSpPr>
+        <p:spPr>
+          <a:xfrm>
+            <a:off x="3630304" y="4244453"/>
+            <a:ext cx="1815152" cy="1610436"/>
+          </a:xfrm>
+          <a:prstGeom prst="rect">
+            <a:avLst/>
+          </a:prstGeom>
+          <a:solidFill>
+            <a:schemeClr val="accent3">
+              <a:lumMod val="75000"/>
+            </a:schemeClr>
+          </a:solidFill>
+        </p:spPr>
+        <p:style>
+          <a:lnRef idx="2">
+            <a:schemeClr val="accent1">
+              <a:shade val="50000"/>
+            </a:schemeClr>
+          </a:lnRef>
+          <a:fillRef idx="1">
+            <a:schemeClr val="accent1"/>
+          </a:fillRef>
+          <a:effectRef idx="0">
+            <a:schemeClr val="accent1"/>
+          </a:effectRef>
+          <a:fontRef idx="minor">
+            <a:schemeClr val="lt1"/>
+          </a:fontRef>
+        </p:style>
+        <p:txBody>
+          <a:bodyPr rtlCol="0" anchor="ctr"/>
+          <a:lstStyle/>
+          <a:p>
+            <a:pPr algn="ctr"/>
+            <a:endParaRPr lang="en-US"/>
+          </a:p>
+        </p:txBody>
+      </p:sp>
+      <p:sp>
+        <p:nvSpPr>
+          <p:cNvPr id="6" name="Rectangle 5"/>
+          <p:cNvSpPr/>
+          <p:nvPr/>
+        </p:nvSpPr>
+        <p:spPr>
+          <a:xfrm>
+            <a:off x="6730621" y="4380931"/>
+            <a:ext cx="1269242" cy="1419367"/>
+          </a:xfrm>
+          <a:prstGeom prst="rect">
+            <a:avLst/>
+          </a:prstGeom>
+          <a:solidFill>
+            <a:srgbClr val="2B6CA7"/>
+          </a:solidFill>
+        </p:spPr>
+        <p:style>
+          <a:lnRef idx="2">
+            <a:schemeClr val="accent1">
+              <a:shade val="50000"/>
+            </a:schemeClr>
+          </a:lnRef>
+          <a:fillRef idx="1">
+            <a:schemeClr val="accent1"/>
+          </a:fillRef>
+          <a:effectRef idx="0">
+            <a:schemeClr val="accent1"/>
+          </a:effectRef>
+          <a:fontRef idx="minor">
+            <a:schemeClr val="lt1"/>
+          </a:fontRef>
+        </p:style>
+        <p:txBody>
+          <a:bodyPr rtlCol="0" anchor="ctr"/>
+          <a:lstStyle/>
+          <a:p>
+            <a:pPr algn="ctr"/>
+            <a:endParaRPr lang="en-US"/>
+          </a:p>
+        </p:txBody>
+      </p:sp>
+      <p:sp>
+        <p:nvSpPr>
+          <p:cNvPr id="7" name="Rectangle 6"/>
+          <p:cNvSpPr/>
+          <p:nvPr/>
+        </p:nvSpPr>
+        <p:spPr>
+          <a:xfrm>
+            <a:off x="8614012" y="4244453"/>
+            <a:ext cx="1815152" cy="1610436"/>
+          </a:xfrm>
+          <a:prstGeom prst="rect">
+            <a:avLst/>
+          </a:prstGeom>
+          <a:solidFill>
+            <a:srgbClr val="F49696"/>
+          </a:solidFill>
+        </p:spPr>
+        <p:style>
+          <a:lnRef idx="2">
+            <a:schemeClr val="accent1">
+              <a:shade val="50000"/>
+            </a:schemeClr>
+          </a:lnRef>
+          <a:fillRef idx="1">
+            <a:schemeClr val="accent1"/>
+          </a:fillRef>
+          <a:effectRef idx="0">
+            <a:schemeClr val="accent1"/>
+          </a:effectRef>
+          <a:fontRef idx="minor">
+            <a:schemeClr val="lt1"/>
+          </a:fontRef>
+        </p:style>
+        <p:txBody>
+          <a:bodyPr rtlCol="0" anchor="ctr"/>
+          <a:lstStyle/>
+          <a:p>
+            <a:pPr algn="ctr"/>
+            <a:endParaRPr lang="en-US"/>
+          </a:p>
+        </p:txBody>
+      </p:sp>
+    </p:spTree>
+    <p:extLst>
+      <p:ext uri="{BB962C8B-B14F-4D97-AF65-F5344CB8AC3E}">
+        <p14:creationId xmlns:p14="http://schemas.microsoft.com/office/powerpoint/2010/main" val="4288414335"/>
+      </p:ext>
+    </p:extLst>
+  </p:cSld>
+  <p:clrMapOvr>
+    <a:masterClrMapping/>
+  </p:clrMapOvr>
+</p:sld>
+</file>
+
+<file path=ppt/slides/slide6.xml><?xml version="1.0" encoding="utf-8"?>
+<p:sld xmlns:a="http://schemas.openxmlformats.org/drawingml/2006/main" xmlns:r="http://schemas.openxmlformats.org/officeDocument/2006/relationships" xmlns:p="http://schemas.openxmlformats.org/presentationml/2006/main">
+  <p:cSld>
+    <p:spTree>
+      <p:nvGrpSpPr>
+        <p:cNvPr id="1" name=""/>
+        <p:cNvGrpSpPr/>
+        <p:nvPr/>
+      </p:nvGrpSpPr>
+      <p:grpSpPr>
+        <a:xfrm>
+          <a:off x="0" y="0"/>
+          <a:ext cx="0" cy="0"/>
+          <a:chOff x="0" y="0"/>
+          <a:chExt cx="0" cy="0"/>
+        </a:xfrm>
+      </p:grpSpPr>
+      <p:sp>
+        <p:nvSpPr>
+          <p:cNvPr id="2" name="Title 1"/>
+          <p:cNvSpPr>
+            <a:spLocks noGrp="1"/>
+          </p:cNvSpPr>
+          <p:nvPr>
+            <p:ph type="title"/>
+          </p:nvPr>
+        </p:nvSpPr>
+        <p:spPr/>
+        <p:txBody>
+          <a:bodyPr/>
+          <a:lstStyle/>
+          <a:p>
+            <a:r>
+              <a:rPr lang="en-US" dirty="0" smtClean="0"/>
+              <a:t>VI. Tạo 1 layout cơ bản</a:t>
+            </a:r>
+            <a:endParaRPr lang="en-US" dirty="0"/>
+          </a:p>
+        </p:txBody>
+      </p:sp>
+      <p:sp>
+        <p:nvSpPr>
+          <p:cNvPr id="3" name="Content Placeholder 2"/>
+          <p:cNvSpPr>
+            <a:spLocks noGrp="1"/>
+          </p:cNvSpPr>
+          <p:nvPr>
+            <p:ph idx="1"/>
+          </p:nvPr>
+        </p:nvSpPr>
+        <p:spPr/>
+        <p:txBody>
+          <a:bodyPr/>
+          <a:lstStyle/>
+          <a:p>
+            <a:r>
+              <a:rPr lang="en-US" dirty="0" smtClean="0"/>
+              <a:t>(Slide bên dưới dùng layout custom)</a:t>
+            </a:r>
+          </a:p>
+          <a:p>
+            <a:r>
+              <a:rPr lang="en-US" dirty="0" smtClean="0"/>
+              <a:t>Delete tilte and footer mặc định</a:t>
+            </a:r>
+          </a:p>
+          <a:p>
+            <a:r>
+              <a:rPr lang="en-US" dirty="0" smtClean="0"/>
+              <a:t>Thêm placeholder</a:t>
+            </a:r>
+          </a:p>
+          <a:p>
+            <a:r>
+              <a:rPr lang="en-US" dirty="0" smtClean="0"/>
+              <a:t>Thêm 1 hình ảnh</a:t>
+            </a:r>
+          </a:p>
+          <a:p>
+            <a:r>
+              <a:rPr lang="en-US" dirty="0" smtClean="0"/>
+              <a:t>Chú ý: Thêm place holder có thể điều chỉnh, nhưng nếu thêm đối tượng khác sẽ không điều chỉnh được</a:t>
+            </a:r>
+          </a:p>
+          <a:p>
+            <a:endParaRPr lang="en-US" dirty="0"/>
+          </a:p>
+        </p:txBody>
+      </p:sp>
+    </p:spTree>
+    <p:extLst>
+      <p:ext uri="{BB962C8B-B14F-4D97-AF65-F5344CB8AC3E}">
+        <p14:creationId xmlns:p14="http://schemas.microsoft.com/office/powerpoint/2010/main" val="260965042"/>
+      </p:ext>
+    </p:extLst>
+  </p:cSld>
+  <p:clrMapOvr>
+    <a:masterClrMapping/>
+  </p:clrMapOvr>
+  <p:timing>
+    <p:tnLst>
+      <p:par>
+        <p:cTn id="1" dur="indefinite" restart="never" nodeType="tmRoot"/>
+      </p:par>
+    </p:tnLst>
+  </p:timing>
+</p:sld>
+</file>
+
+<file path=ppt/slides/slide7.xml><?xml version="1.0" encoding="utf-8"?>
+<p:sld xmlns:a="http://schemas.openxmlformats.org/drawingml/2006/main" xmlns:r="http://schemas.openxmlformats.org/officeDocument/2006/relationships" xmlns:p="http://schemas.openxmlformats.org/presentationml/2006/main">
+  <p:cSld>
+    <p:spTree>
+      <p:nvGrpSpPr>
+        <p:cNvPr id="1" name=""/>
+        <p:cNvGrpSpPr/>
+        <p:nvPr/>
+      </p:nvGrpSpPr>
+      <p:grpSpPr>
+        <a:xfrm>
+          <a:off x="0" y="0"/>
+          <a:ext cx="0" cy="0"/>
+          <a:chOff x="0" y="0"/>
+          <a:chExt cx="0" cy="0"/>
+        </a:xfrm>
+      </p:grpSpPr>
+      <p:pic>
+        <p:nvPicPr>
+          <p:cNvPr id="7" name="Picture Placeholder 6"/>
+          <p:cNvPicPr>
+            <a:picLocks noGrp="1" noChangeAspect="1"/>
+          </p:cNvPicPr>
+          <p:nvPr>
+            <p:ph type="pic" sz="quarter" idx="10"/>
+          </p:nvPr>
+        </p:nvPicPr>
+        <p:blipFill>
+          <a:blip r:embed="rId2" cstate="print">
+            <a:extLst>
+              <a:ext uri="{28A0092B-C50C-407E-A947-70E740481C1C}">
+                <a14:useLocalDpi xmlns:a14="http://schemas.microsoft.com/office/drawing/2010/main" val="0"/>
+              </a:ext>
+            </a:extLst>
+          </a:blip>
+          <a:srcRect t="19385" b="19385"/>
+          <a:stretch>
+            <a:fillRect/>
+          </a:stretch>
+        </p:blipFill>
+        <p:spPr/>
+      </p:pic>
+      <p:sp>
+        <p:nvSpPr>
+          <p:cNvPr id="5" name="Text Placeholder 4"/>
+          <p:cNvSpPr>
+            <a:spLocks noGrp="1"/>
+          </p:cNvSpPr>
+          <p:nvPr>
+            <p:ph type="body" sz="quarter" idx="11"/>
+          </p:nvPr>
+        </p:nvSpPr>
+        <p:spPr/>
+        <p:txBody>
+          <a:bodyPr>
+            <a:noAutofit/>
+          </a:bodyPr>
+          <a:lstStyle/>
+          <a:p>
+            <a:pPr marL="0" indent="0" algn="ctr">
+              <a:buNone/>
+            </a:pPr>
+            <a:r>
+              <a:rPr lang="en-US" sz="5400" b="1" dirty="0" smtClean="0">
+                <a:solidFill>
+                  <a:schemeClr val="bg1"/>
+                </a:solidFill>
+              </a:rPr>
+              <a:t>HUMMMM</a:t>
+            </a:r>
+            <a:endParaRPr lang="en-US" sz="5400" b="1" dirty="0">
+              <a:solidFill>
+                <a:schemeClr val="bg1"/>
+              </a:solidFill>
+            </a:endParaRPr>
+          </a:p>
+        </p:txBody>
+      </p:sp>
+      <p:sp>
+        <p:nvSpPr>
+          <p:cNvPr id="6" name="Text Placeholder 5"/>
+          <p:cNvSpPr>
+            <a:spLocks noGrp="1"/>
+          </p:cNvSpPr>
+          <p:nvPr>
+            <p:ph type="body" sz="quarter" idx="12"/>
+          </p:nvPr>
+        </p:nvSpPr>
+        <p:spPr/>
+        <p:txBody>
+          <a:bodyPr>
+            <a:normAutofit fontScale="77500" lnSpcReduction="20000"/>
+          </a:bodyPr>
+          <a:lstStyle/>
+          <a:p>
+            <a:pPr marL="0" indent="0">
+              <a:buNone/>
+            </a:pPr>
+            <a:r>
+              <a:rPr lang="en-US" dirty="0" smtClean="0"/>
+              <a:t>Lorem ipsum dolor sit amet, consectetuer adipiscing elit. Maecenas porttitor congue massa. </a:t>
+            </a:r>
+            <a:r>
+              <a:rPr lang="en-US" dirty="0" smtClean="0"/>
+              <a:t>Fusce posuere, magna sed pulvinar ultricies, purus lectus malesuada</a:t>
+            </a:r>
+            <a:endParaRPr lang="en-US" dirty="0"/>
+          </a:p>
+        </p:txBody>
+      </p:sp>
+    </p:spTree>
+    <p:extLst>
+      <p:ext uri="{BB962C8B-B14F-4D97-AF65-F5344CB8AC3E}">
+        <p14:creationId xmlns:p14="http://schemas.microsoft.com/office/powerpoint/2010/main" val="1316467392"/>
+      </p:ext>
+    </p:extLst>
+  </p:cSld>
+  <p:clrMapOvr>
+    <a:masterClrMapping/>
+  </p:clrMapOvr>
+  <p:timing>
+    <p:tnLst>
+      <p:par>
+        <p:cTn id="1" dur="indefinite" restart="never" nodeType="tmRoot"/>
+      </p:par>
+    </p:tnLst>
+  </p:timing>
+</p:sld>
+</file>
+
+<file path=ppt/slides/slide8.xml><?xml version="1.0" encoding="utf-8"?>
+<p:sld xmlns:a="http://schemas.openxmlformats.org/drawingml/2006/main" xmlns:r="http://schemas.openxmlformats.org/officeDocument/2006/relationships" xmlns:p="http://schemas.openxmlformats.org/presentationml/2006/main">
+  <p:cSld>
+    <p:spTree>
+      <p:nvGrpSpPr>
+        <p:cNvPr id="1" name=""/>
+        <p:cNvGrpSpPr/>
+        <p:nvPr/>
+      </p:nvGrpSpPr>
+      <p:grpSpPr>
+        <a:xfrm>
+          <a:off x="0" y="0"/>
+          <a:ext cx="0" cy="0"/>
+          <a:chOff x="0" y="0"/>
+          <a:chExt cx="0" cy="0"/>
+        </a:xfrm>
+      </p:grpSpPr>
+      <p:sp>
+        <p:nvSpPr>
+          <p:cNvPr id="5" name="Title 4"/>
+          <p:cNvSpPr>
+            <a:spLocks noGrp="1"/>
+          </p:cNvSpPr>
+          <p:nvPr>
+            <p:ph type="title"/>
+          </p:nvPr>
+        </p:nvSpPr>
+        <p:spPr/>
+        <p:txBody>
+          <a:bodyPr/>
+          <a:lstStyle/>
+          <a:p>
+            <a:r>
+              <a:rPr lang="en-US" dirty="0" smtClean="0"/>
+              <a:t>VII. Tạo 1 layout nâng cao</a:t>
+            </a:r>
+            <a:endParaRPr lang="en-US" dirty="0"/>
+          </a:p>
+        </p:txBody>
+      </p:sp>
+      <p:sp>
+        <p:nvSpPr>
+          <p:cNvPr id="6" name="Content Placeholder 5"/>
+          <p:cNvSpPr>
+            <a:spLocks noGrp="1"/>
+          </p:cNvSpPr>
+          <p:nvPr>
+            <p:ph idx="1"/>
+          </p:nvPr>
+        </p:nvSpPr>
+        <p:spPr/>
+        <p:txBody>
+          <a:bodyPr/>
+          <a:lstStyle/>
+          <a:p>
+            <a:r>
+              <a:rPr lang="en-US" dirty="0" smtClean="0"/>
+              <a:t>Subtract trong powerpoint (có layout hướng dẫn, bạn có thể thực hiện theo các bước)</a:t>
+            </a:r>
+          </a:p>
+          <a:p>
+            <a:r>
+              <a:rPr lang="en-US" dirty="0" smtClean="0"/>
+              <a:t>Tạo hình chống nghiêng</a:t>
+            </a:r>
+          </a:p>
+          <a:p>
+            <a:r>
+              <a:rPr lang="en-US" dirty="0" smtClean="0"/>
+              <a:t>Tạo layout nhanh từ layout cũ</a:t>
+            </a:r>
+          </a:p>
+          <a:p>
+            <a:r>
+              <a:rPr lang="en-US" dirty="0" smtClean="0"/>
+              <a:t>Sử dụng tính năng cấp bậc để chỉnh sửa font nhanh</a:t>
+            </a:r>
+          </a:p>
+          <a:p>
+            <a:pPr lvl="1"/>
+            <a:r>
+              <a:rPr lang="en-US" dirty="0" smtClean="0"/>
+              <a:t>Tạo 1 placeholder là text</a:t>
+            </a:r>
+          </a:p>
+          <a:p>
+            <a:pPr lvl="1"/>
+            <a:r>
+              <a:rPr lang="en-US" dirty="0" smtClean="0"/>
+              <a:t>Chỉnh placeholder về 1 cấp bậc,</a:t>
+            </a:r>
+          </a:p>
+          <a:p>
+            <a:pPr lvl="1"/>
+            <a:r>
+              <a:rPr lang="en-US" dirty="0" smtClean="0"/>
+              <a:t>Chỉnh từng font ở từng cấp bậc</a:t>
+            </a:r>
+          </a:p>
+          <a:p>
+            <a:pPr lvl="1"/>
+            <a:r>
+              <a:rPr lang="en-US" dirty="0" smtClean="0"/>
+              <a:t>Sau đó bạn tạo slide theo kiểu mới đó và tận hưởng</a:t>
+            </a:r>
+          </a:p>
+          <a:p>
+            <a:endParaRPr lang="en-US" dirty="0"/>
+          </a:p>
+        </p:txBody>
+      </p:sp>
+    </p:spTree>
+    <p:extLst>
+      <p:ext uri="{BB962C8B-B14F-4D97-AF65-F5344CB8AC3E}">
+        <p14:creationId xmlns:p14="http://schemas.microsoft.com/office/powerpoint/2010/main" val="2123829675"/>
+      </p:ext>
+    </p:extLst>
+  </p:cSld>
+  <p:clrMapOvr>
+    <a:masterClrMapping/>
+  </p:clrMapOvr>
+  <p:timing>
+    <p:tnLst>
+      <p:par>
+        <p:cTn id="1" dur="indefinite" restart="never" nodeType="tmRoot"/>
+      </p:par>
+    </p:tnLst>
+  </p:timing>
+</p:sld>
+</file>
+
+<file path=ppt/slides/slide9.xml><?xml version="1.0" encoding="utf-8"?>
+<p:sld xmlns:a="http://schemas.openxmlformats.org/drawingml/2006/main" xmlns:r="http://schemas.openxmlformats.org/officeDocument/2006/relationships" xmlns:p="http://schemas.openxmlformats.org/presentationml/2006/main">
+  <p:cSld>
+    <p:spTree>
+      <p:nvGrpSpPr>
+        <p:cNvPr id="1" name=""/>
+        <p:cNvGrpSpPr/>
+        <p:nvPr/>
+      </p:nvGrpSpPr>
+      <p:grpSpPr>
+        <a:xfrm>
+          <a:off x="0" y="0"/>
+          <a:ext cx="0" cy="0"/>
+          <a:chOff x="0" y="0"/>
+          <a:chExt cx="0" cy="0"/>
+        </a:xfrm>
+      </p:grpSpPr>
+      <p:sp>
+        <p:nvSpPr>
+          <p:cNvPr id="7" name="Title 6"/>
+          <p:cNvSpPr>
+            <a:spLocks noGrp="1"/>
+          </p:cNvSpPr>
+          <p:nvPr>
+            <p:ph type="title"/>
+          </p:nvPr>
+        </p:nvSpPr>
+        <p:spPr/>
+        <p:txBody>
+          <a:bodyPr/>
+          <a:lstStyle/>
+          <a:p>
+            <a:endParaRPr lang="en-US" dirty="0"/>
+          </a:p>
+        </p:txBody>
+      </p:sp>
+      <p:pic>
+        <p:nvPicPr>
+          <p:cNvPr id="10" name="Picture Placeholder 9"/>
+          <p:cNvPicPr>
+            <a:picLocks noGrp="1" noChangeAspect="1"/>
+          </p:cNvPicPr>
+          <p:nvPr>
+            <p:ph type="pic" sz="quarter" idx="13"/>
+          </p:nvPr>
+        </p:nvPicPr>
+        <p:blipFill>
+          <a:blip r:embed="rId2" cstate="print">
+            <a:extLst>
+              <a:ext uri="{28A0092B-C50C-407E-A947-70E740481C1C}">
+                <a14:useLocalDpi xmlns:a14="http://schemas.microsoft.com/office/drawing/2010/main" val="0"/>
+              </a:ext>
+            </a:extLst>
+          </a:blip>
+          <a:srcRect l="14583" r="14583"/>
+          <a:stretch>
+            <a:fillRect/>
+          </a:stretch>
+        </p:blipFill>
+        <p:spPr/>
+      </p:pic>
+      <p:pic>
+        <p:nvPicPr>
+          <p:cNvPr id="11" name="Picture Placeholder 10"/>
+          <p:cNvPicPr>
+            <a:picLocks noGrp="1" noChangeAspect="1"/>
+          </p:cNvPicPr>
+          <p:nvPr>
+            <p:ph type="pic" sz="quarter" idx="15"/>
+          </p:nvPr>
+        </p:nvPicPr>
+        <p:blipFill>
+          <a:blip r:embed="rId3" cstate="print">
+            <a:extLst>
+              <a:ext uri="{28A0092B-C50C-407E-A947-70E740481C1C}">
+                <a14:useLocalDpi xmlns:a14="http://schemas.microsoft.com/office/drawing/2010/main" val="0"/>
+              </a:ext>
+            </a:extLst>
+          </a:blip>
+          <a:srcRect l="17653" r="17653"/>
+          <a:stretch>
+            <a:fillRect/>
+          </a:stretch>
+        </p:blipFill>
+        <p:spPr/>
+      </p:pic>
+    </p:spTree>
+    <p:extLst>
+      <p:ext uri="{BB962C8B-B14F-4D97-AF65-F5344CB8AC3E}">
+        <p14:creationId xmlns:p14="http://schemas.microsoft.com/office/powerpoint/2010/main" val="837989482"/>
+      </p:ext>
+    </p:extLst>
+  </p:cSld>
+  <p:clrMapOvr>
+    <a:masterClrMapping/>
+  </p:clrMapOvr>
+  <p:timing>
+    <p:tnLst>
+      <p:par>
+        <p:cTn id="1" dur="indefinite" restart="never" nodeType="tmRoot"/>
+      </p:par>
+    </p:tnLst>
+  </p:timing>
+</p:sld>
+</file>
+
 <file path=ppt/theme/theme1.xml><?xml version="1.0" encoding="utf-8"?>
-<a:theme xmlns:a="http://schemas.openxmlformats.org/drawingml/2006/main" name="1">
+<a:theme xmlns:a="http://schemas.openxmlformats.org/drawingml/2006/main" name="2">
   <a:themeElements>
     <a:clrScheme name="Office">
       <a:dk1>
@@ -6304,76 +8637,16 @@
         <a:srgbClr val="954F72"/>
       </a:folHlink>
     </a:clrScheme>
-    <a:fontScheme name="Office">
+    <a:fontScheme name="Font hay dùng">
       <a:majorFont>
-        <a:latin typeface="Calibri Light" panose="020F0302020204030204"/>
+        <a:latin typeface="Open Sans ExtraBold"/>
         <a:ea typeface=""/>
         <a:cs typeface=""/>
-        <a:font script="Jpan" typeface="游ゴシック Light"/>
-        <a:font script="Hang" typeface="맑은 고딕"/>
-        <a:font script="Hans" typeface="等线 Light"/>
-        <a:font script="Hant" typeface="新細明體"/>
-        <a:font script="Arab" typeface="Times New Roman"/>
-        <a:font script="Hebr" typeface="Times New Roman"/>
-        <a:font script="Thai" typeface="Angsana New"/>
-        <a:font script="Ethi" typeface="Nyala"/>
-        <a:font script="Beng" typeface="Vrinda"/>
-        <a:font script="Gujr" typeface="Shruti"/>
-        <a:font script="Khmr" typeface="MoolBoran"/>
-        <a:font script="Knda" typeface="Tunga"/>
-        <a:font script="Guru" typeface="Raavi"/>
-        <a:font script="Cans" typeface="Euphemia"/>
-        <a:font script="Cher" typeface="Plantagenet Cherokee"/>
-        <a:font script="Yiii" typeface="Microsoft Yi Baiti"/>
-        <a:font script="Tibt" typeface="Microsoft Himalaya"/>
-        <a:font script="Thaa" typeface="MV Boli"/>
-        <a:font script="Deva" typeface="Mangal"/>
-        <a:font script="Telu" typeface="Gautami"/>
-        <a:font script="Taml" typeface="Latha"/>
-        <a:font script="Syrc" typeface="Estrangelo Edessa"/>
-        <a:font script="Orya" typeface="Kalinga"/>
-        <a:font script="Mlym" typeface="Kartika"/>
-        <a:font script="Laoo" typeface="DokChampa"/>
-        <a:font script="Sinh" typeface="Iskoola Pota"/>
-        <a:font script="Mong" typeface="Mongolian Baiti"/>
-        <a:font script="Viet" typeface="Times New Roman"/>
-        <a:font script="Uigh" typeface="Microsoft Uighur"/>
-        <a:font script="Geor" typeface="Sylfaen"/>
       </a:majorFont>
       <a:minorFont>
-        <a:latin typeface="Calibri" panose="020F0502020204030204"/>
+        <a:latin typeface="Open Sans Light"/>
         <a:ea typeface=""/>
         <a:cs typeface=""/>
-        <a:font script="Jpan" typeface="游ゴシック"/>
-        <a:font script="Hang" typeface="맑은 고딕"/>
-        <a:font script="Hans" typeface="等线"/>
-        <a:font script="Hant" typeface="新細明體"/>
-        <a:font script="Arab" typeface="Arial"/>
-        <a:font script="Hebr" typeface="Arial"/>
-        <a:font script="Thai" typeface="Cordia New"/>
-        <a:font script="Ethi" typeface="Nyala"/>
-        <a:font script="Beng" typeface="Vrinda"/>
-        <a:font script="Gujr" typeface="Shruti"/>
-        <a:font script="Khmr" typeface="DaunPenh"/>
-        <a:font script="Knda" typeface="Tunga"/>
-        <a:font script="Guru" typeface="Raavi"/>
-        <a:font script="Cans" typeface="Euphemia"/>
-        <a:font script="Cher" typeface="Plantagenet Cherokee"/>
-        <a:font script="Yiii" typeface="Microsoft Yi Baiti"/>
-        <a:font script="Tibt" typeface="Microsoft Himalaya"/>
-        <a:font script="Thaa" typeface="MV Boli"/>
-        <a:font script="Deva" typeface="Mangal"/>
-        <a:font script="Telu" typeface="Gautami"/>
-        <a:font script="Taml" typeface="Latha"/>
-        <a:font script="Syrc" typeface="Estrangelo Edessa"/>
-        <a:font script="Orya" typeface="Kalinga"/>
-        <a:font script="Mlym" typeface="Kartika"/>
-        <a:font script="Laoo" typeface="DokChampa"/>
-        <a:font script="Sinh" typeface="Iskoola Pota"/>
-        <a:font script="Mong" typeface="Mongolian Baiti"/>
-        <a:font script="Viet" typeface="Arial"/>
-        <a:font script="Uigh" typeface="Microsoft Uighur"/>
-        <a:font script="Geor" typeface="Sylfaen"/>
       </a:minorFont>
     </a:fontScheme>
     <a:fmtScheme name="Office">
@@ -6525,7 +8798,7 @@
 </file>
 
 <file path=ppt/theme/theme2.xml><?xml version="1.0" encoding="utf-8"?>
-<a:theme xmlns:a="http://schemas.openxmlformats.org/drawingml/2006/main" name="2">
+<a:theme xmlns:a="http://schemas.openxmlformats.org/drawingml/2006/main" name="Template Ngữ Văn">
   <a:themeElements>
     <a:clrScheme name="Office">
       <a:dk1>
@@ -6565,76 +8838,16 @@
         <a:srgbClr val="954F72"/>
       </a:folHlink>
     </a:clrScheme>
-    <a:fontScheme name="Office">
+    <a:fontScheme name="Font hay dùng">
       <a:majorFont>
-        <a:latin typeface="Calibri Light" panose="020F0302020204030204"/>
+        <a:latin typeface="Open Sans ExtraBold"/>
         <a:ea typeface=""/>
         <a:cs typeface=""/>
-        <a:font script="Jpan" typeface="游ゴシック Light"/>
-        <a:font script="Hang" typeface="맑은 고딕"/>
-        <a:font script="Hans" typeface="等线 Light"/>
-        <a:font script="Hant" typeface="新細明體"/>
-        <a:font script="Arab" typeface="Times New Roman"/>
-        <a:font script="Hebr" typeface="Times New Roman"/>
-        <a:font script="Thai" typeface="Angsana New"/>
-        <a:font script="Ethi" typeface="Nyala"/>
-        <a:font script="Beng" typeface="Vrinda"/>
-        <a:font script="Gujr" typeface="Shruti"/>
-        <a:font script="Khmr" typeface="MoolBoran"/>
-        <a:font script="Knda" typeface="Tunga"/>
-        <a:font script="Guru" typeface="Raavi"/>
-        <a:font script="Cans" typeface="Euphemia"/>
-        <a:font script="Cher" typeface="Plantagenet Cherokee"/>
-        <a:font script="Yiii" typeface="Microsoft Yi Baiti"/>
-        <a:font script="Tibt" typeface="Microsoft Himalaya"/>
-        <a:font script="Thaa" typeface="MV Boli"/>
-        <a:font script="Deva" typeface="Mangal"/>
-        <a:font script="Telu" typeface="Gautami"/>
-        <a:font script="Taml" typeface="Latha"/>
-        <a:font script="Syrc" typeface="Estrangelo Edessa"/>
-        <a:font script="Orya" typeface="Kalinga"/>
-        <a:font script="Mlym" typeface="Kartika"/>
-        <a:font script="Laoo" typeface="DokChampa"/>
-        <a:font script="Sinh" typeface="Iskoola Pota"/>
-        <a:font script="Mong" typeface="Mongolian Baiti"/>
-        <a:font script="Viet" typeface="Times New Roman"/>
-        <a:font script="Uigh" typeface="Microsoft Uighur"/>
-        <a:font script="Geor" typeface="Sylfaen"/>
       </a:majorFont>
       <a:minorFont>
-        <a:latin typeface="Calibri" panose="020F0502020204030204"/>
+        <a:latin typeface="Open Sans Light"/>
         <a:ea typeface=""/>
         <a:cs typeface=""/>
-        <a:font script="Jpan" typeface="游ゴシック"/>
-        <a:font script="Hang" typeface="맑은 고딕"/>
-        <a:font script="Hans" typeface="等线"/>
-        <a:font script="Hant" typeface="新細明體"/>
-        <a:font script="Arab" typeface="Arial"/>
-        <a:font script="Hebr" typeface="Arial"/>
-        <a:font script="Thai" typeface="Cordia New"/>
-        <a:font script="Ethi" typeface="Nyala"/>
-        <a:font script="Beng" typeface="Vrinda"/>
-        <a:font script="Gujr" typeface="Shruti"/>
-        <a:font script="Khmr" typeface="DaunPenh"/>
-        <a:font script="Knda" typeface="Tunga"/>
-        <a:font script="Guru" typeface="Raavi"/>
-        <a:font script="Cans" typeface="Euphemia"/>
-        <a:font script="Cher" typeface="Plantagenet Cherokee"/>
-        <a:font script="Yiii" typeface="Microsoft Yi Baiti"/>
-        <a:font script="Tibt" typeface="Microsoft Himalaya"/>
-        <a:font script="Thaa" typeface="MV Boli"/>
-        <a:font script="Deva" typeface="Mangal"/>
-        <a:font script="Telu" typeface="Gautami"/>
-        <a:font script="Taml" typeface="Latha"/>
-        <a:font script="Syrc" typeface="Estrangelo Edessa"/>
-        <a:font script="Orya" typeface="Kalinga"/>
-        <a:font script="Mlym" typeface="Kartika"/>
-        <a:font script="Laoo" typeface="DokChampa"/>
-        <a:font script="Sinh" typeface="Iskoola Pota"/>
-        <a:font script="Mong" typeface="Mongolian Baiti"/>
-        <a:font script="Viet" typeface="Arial"/>
-        <a:font script="Uigh" typeface="Microsoft Uighur"/>
-        <a:font script="Geor" typeface="Sylfaen"/>
       </a:minorFont>
     </a:fontScheme>
     <a:fmtScheme name="Office">
